--- a/4-03-20-pdt/PDT_intro.pptx
+++ b/4-03-20-pdt/PDT_intro.pptx
@@ -5,37 +5,41 @@
     <p:sldMasterId id="2147483648" r:id="rId1"/>
   </p:sldMasterIdLst>
   <p:notesMasterIdLst>
-    <p:notesMasterId r:id="rId30"/>
+    <p:notesMasterId r:id="rId34"/>
   </p:notesMasterIdLst>
   <p:sldIdLst>
     <p:sldId id="256" r:id="rId2"/>
     <p:sldId id="258" r:id="rId3"/>
-    <p:sldId id="259" r:id="rId4"/>
-    <p:sldId id="260" r:id="rId5"/>
-    <p:sldId id="261" r:id="rId6"/>
-    <p:sldId id="264" r:id="rId7"/>
-    <p:sldId id="263" r:id="rId8"/>
-    <p:sldId id="262" r:id="rId9"/>
-    <p:sldId id="265" r:id="rId10"/>
-    <p:sldId id="267" r:id="rId11"/>
-    <p:sldId id="266" r:id="rId12"/>
-    <p:sldId id="268" r:id="rId13"/>
-    <p:sldId id="269" r:id="rId14"/>
-    <p:sldId id="270" r:id="rId15"/>
-    <p:sldId id="271" r:id="rId16"/>
-    <p:sldId id="272" r:id="rId17"/>
-    <p:sldId id="273" r:id="rId18"/>
-    <p:sldId id="274" r:id="rId19"/>
-    <p:sldId id="275" r:id="rId20"/>
-    <p:sldId id="276" r:id="rId21"/>
-    <p:sldId id="277" r:id="rId22"/>
-    <p:sldId id="278" r:id="rId23"/>
-    <p:sldId id="279" r:id="rId24"/>
-    <p:sldId id="280" r:id="rId25"/>
-    <p:sldId id="281" r:id="rId26"/>
-    <p:sldId id="282" r:id="rId27"/>
-    <p:sldId id="283" r:id="rId28"/>
-    <p:sldId id="285" r:id="rId29"/>
+    <p:sldId id="286" r:id="rId4"/>
+    <p:sldId id="259" r:id="rId5"/>
+    <p:sldId id="287" r:id="rId6"/>
+    <p:sldId id="260" r:id="rId7"/>
+    <p:sldId id="261" r:id="rId8"/>
+    <p:sldId id="264" r:id="rId9"/>
+    <p:sldId id="263" r:id="rId10"/>
+    <p:sldId id="262" r:id="rId11"/>
+    <p:sldId id="265" r:id="rId12"/>
+    <p:sldId id="267" r:id="rId13"/>
+    <p:sldId id="266" r:id="rId14"/>
+    <p:sldId id="268" r:id="rId15"/>
+    <p:sldId id="269" r:id="rId16"/>
+    <p:sldId id="270" r:id="rId17"/>
+    <p:sldId id="271" r:id="rId18"/>
+    <p:sldId id="272" r:id="rId19"/>
+    <p:sldId id="273" r:id="rId20"/>
+    <p:sldId id="274" r:id="rId21"/>
+    <p:sldId id="275" r:id="rId22"/>
+    <p:sldId id="276" r:id="rId23"/>
+    <p:sldId id="277" r:id="rId24"/>
+    <p:sldId id="278" r:id="rId25"/>
+    <p:sldId id="279" r:id="rId26"/>
+    <p:sldId id="280" r:id="rId27"/>
+    <p:sldId id="281" r:id="rId28"/>
+    <p:sldId id="282" r:id="rId29"/>
+    <p:sldId id="283" r:id="rId30"/>
+    <p:sldId id="289" r:id="rId31"/>
+    <p:sldId id="288" r:id="rId32"/>
+    <p:sldId id="285" r:id="rId33"/>
   </p:sldIdLst>
   <p:sldSz cx="12192000" cy="6858000"/>
   <p:notesSz cx="6858000" cy="9144000"/>
@@ -134,6 +138,11 @@
       </a:defRPr>
     </a:lvl9pPr>
   </p:defaultTextStyle>
+  <p:extLst>
+    <p:ext uri="{EFAFB233-063F-42B5-8137-9DF3F51BA10A}">
+      <p15:sldGuideLst xmlns:p15="http://schemas.microsoft.com/office/powerpoint/2012/main"/>
+    </p:ext>
+  </p:extLst>
 </p:presentation>
 </file>
 
@@ -219,7 +228,7 @@
           <a:p>
             <a:fld id="{D0829DCB-494B-3041-B3C3-626702083875}" type="datetimeFigureOut">
               <a:rPr lang="ru-RU" smtClean="0"/>
-              <a:t>03.03.2020</a:t>
+              <a:t>04.03.2020</a:t>
             </a:fld>
             <a:endParaRPr lang="ru-RU"/>
           </a:p>
@@ -649,7 +658,7 @@
           <a:p>
             <a:fld id="{26D2451A-DF31-0841-89A6-24F1F4C2E144}" type="datetime1">
               <a:rPr lang="ru-RU" smtClean="0"/>
-              <a:t>03.03.2020</a:t>
+              <a:t>04.03.2020</a:t>
             </a:fld>
             <a:endParaRPr lang="en-US" dirty="0"/>
           </a:p>
@@ -992,7 +1001,7 @@
           <a:p>
             <a:fld id="{3B8CB02A-42E7-4A49-B024-C9830D88DBE1}" type="datetime1">
               <a:rPr lang="ru-RU" smtClean="0"/>
-              <a:t>03.03.2020</a:t>
+              <a:t>04.03.2020</a:t>
             </a:fld>
             <a:endParaRPr lang="en-US" dirty="0"/>
           </a:p>
@@ -1403,7 +1412,7 @@
           <a:p>
             <a:fld id="{23A03289-FFBD-104B-9560-467CC53EBBCB}" type="datetime1">
               <a:rPr lang="ru-RU" smtClean="0"/>
-              <a:t>03.03.2020</a:t>
+              <a:t>04.03.2020</a:t>
             </a:fld>
             <a:endParaRPr lang="en-US" dirty="0"/>
           </a:p>
@@ -1744,7 +1753,7 @@
           <a:p>
             <a:fld id="{7469E9FC-36BE-7847-9BAD-96A3ACDBFF79}" type="datetime1">
               <a:rPr lang="ru-RU" smtClean="0"/>
-              <a:t>03.03.2020</a:t>
+              <a:t>04.03.2020</a:t>
             </a:fld>
             <a:endParaRPr lang="en-US" dirty="0"/>
           </a:p>
@@ -2074,7 +2083,7 @@
           <a:p>
             <a:fld id="{AACC781C-D40D-7C48-8C31-5725D12112FC}" type="datetime1">
               <a:rPr lang="ru-RU" smtClean="0"/>
-              <a:t>03.03.2020</a:t>
+              <a:t>04.03.2020</a:t>
             </a:fld>
             <a:endParaRPr lang="en-US" dirty="0"/>
           </a:p>
@@ -2480,7 +2489,7 @@
           <a:p>
             <a:fld id="{84F5C8A0-78A9-D148-AF79-F39605299397}" type="datetime1">
               <a:rPr lang="ru-RU" smtClean="0"/>
-              <a:t>03.03.2020</a:t>
+              <a:t>04.03.2020</a:t>
             </a:fld>
             <a:endParaRPr lang="en-US" dirty="0"/>
           </a:p>
@@ -2713,7 +2722,7 @@
           <a:p>
             <a:fld id="{3BB23D3F-B32B-F746-83E2-B9EB958C73F0}" type="datetime1">
               <a:rPr lang="ru-RU" smtClean="0"/>
-              <a:t>03.03.2020</a:t>
+              <a:t>04.03.2020</a:t>
             </a:fld>
             <a:endParaRPr lang="en-US" dirty="0"/>
           </a:p>
@@ -2951,7 +2960,7 @@
           <a:p>
             <a:fld id="{BF277BBF-C99A-254E-869A-3220FAB38B31}" type="datetime1">
               <a:rPr lang="ru-RU" smtClean="0"/>
-              <a:t>03.03.2020</a:t>
+              <a:t>04.03.2020</a:t>
             </a:fld>
             <a:endParaRPr lang="en-US" dirty="0"/>
           </a:p>
@@ -3189,7 +3198,7 @@
           <a:p>
             <a:fld id="{DB687358-A4A8-8441-8CFE-26B8BCDE6A69}" type="datetime1">
               <a:rPr lang="ru-RU" smtClean="0"/>
-              <a:t>03.03.2020</a:t>
+              <a:t>04.03.2020</a:t>
             </a:fld>
             <a:endParaRPr lang="en-US" dirty="0"/>
           </a:p>
@@ -3523,7 +3532,7 @@
           <a:p>
             <a:fld id="{554B4403-C8B8-BA43-B9D3-A69D190AB1DF}" type="datetime1">
               <a:rPr lang="ru-RU" smtClean="0"/>
-              <a:t>03.03.2020</a:t>
+              <a:t>04.03.2020</a:t>
             </a:fld>
             <a:endParaRPr lang="en-US" dirty="0"/>
           </a:p>
@@ -3798,7 +3807,7 @@
           <a:p>
             <a:fld id="{B462CCC6-65DC-AC42-A3BF-CF80A4B841BF}" type="datetime1">
               <a:rPr lang="ru-RU" smtClean="0"/>
-              <a:t>03.03.2020</a:t>
+              <a:t>04.03.2020</a:t>
             </a:fld>
             <a:endParaRPr lang="en-US" dirty="0"/>
           </a:p>
@@ -4217,7 +4226,7 @@
           <a:p>
             <a:fld id="{9E6E9F71-8FDE-984B-8CEB-2D8AA0FE4AAF}" type="datetime1">
               <a:rPr lang="ru-RU" smtClean="0"/>
-              <a:t>03.03.2020</a:t>
+              <a:t>04.03.2020</a:t>
             </a:fld>
             <a:endParaRPr lang="en-US" dirty="0"/>
           </a:p>
@@ -4422,7 +4431,7 @@
           <a:p>
             <a:fld id="{96C82F84-508F-C447-B2A0-420D89F1F068}" type="datetime1">
               <a:rPr lang="ru-RU" smtClean="0"/>
-              <a:t>03.03.2020</a:t>
+              <a:t>04.03.2020</a:t>
             </a:fld>
             <a:endParaRPr lang="en-US" dirty="0"/>
           </a:p>
@@ -4599,7 +4608,7 @@
           <a:p>
             <a:fld id="{036E06CD-AFED-8D42-97CC-9AB085700ACD}" type="datetime1">
               <a:rPr lang="ru-RU" smtClean="0"/>
-              <a:t>03.03.2020</a:t>
+              <a:t>04.03.2020</a:t>
             </a:fld>
             <a:endParaRPr lang="en-US" dirty="0"/>
           </a:p>
@@ -4913,7 +4922,7 @@
           <a:p>
             <a:fld id="{3FDC37AD-F2E0-2749-B3EC-203F7622504E}" type="datetime1">
               <a:rPr lang="ru-RU" smtClean="0"/>
-              <a:t>03.03.2020</a:t>
+              <a:t>04.03.2020</a:t>
             </a:fld>
             <a:endParaRPr lang="en-US" dirty="0"/>
           </a:p>
@@ -5263,7 +5272,7 @@
           <a:p>
             <a:fld id="{4E680742-2484-E042-A058-2E5C26E2454F}" type="datetime1">
               <a:rPr lang="ru-RU" smtClean="0"/>
-              <a:t>03.03.2020</a:t>
+              <a:t>04.03.2020</a:t>
             </a:fld>
             <a:endParaRPr lang="en-US" dirty="0"/>
           </a:p>
@@ -7356,7 +7365,7 @@
           <a:p>
             <a:fld id="{7BB3C584-838A-6145-8DDA-ABD68E665C3F}" type="datetime1">
               <a:rPr lang="ru-RU" smtClean="0"/>
-              <a:t>03.03.2020</a:t>
+              <a:t>04.03.2020</a:t>
             </a:fld>
             <a:endParaRPr lang="en-US" dirty="0"/>
           </a:p>
@@ -8075,7 +8084,7 @@
             </a:r>
             <a:r>
               <a:rPr lang="en-US" dirty="0"/>
-              <a:t> every time pass over all the elements</a:t>
+              <a:t> every time pass over all elements</a:t>
             </a:r>
           </a:p>
           <a:p>
@@ -8104,26 +8113,6 @@
             <a:r>
               <a:rPr lang="en-US" dirty="0"/>
               <a:t> value during the compile-time</a:t>
-            </a:r>
-          </a:p>
-          <a:p>
-            <a:pPr>
-              <a:buFont typeface="Wingdings" pitchFamily="2" charset="2"/>
-              <a:buChar char="Ø"/>
-            </a:pPr>
-            <a:r>
-              <a:rPr lang="en-US" dirty="0"/>
-              <a:t>A lot of unsafe code</a:t>
-            </a:r>
-          </a:p>
-          <a:p>
-            <a:pPr>
-              <a:buFont typeface="Wingdings" pitchFamily="2" charset="2"/>
-              <a:buChar char="Ø"/>
-            </a:pPr>
-            <a:r>
-              <a:rPr lang="en-US" dirty="0"/>
-              <a:t>Possible infinite recursion…</a:t>
             </a:r>
             <a:endParaRPr lang="ru-RU" dirty="0"/>
           </a:p>
@@ -8162,7 +8151,7 @@
     </p:spTree>
     <p:extLst>
       <p:ext uri="{BB962C8B-B14F-4D97-AF65-F5344CB8AC3E}">
-        <p14:creationId xmlns:p14="http://schemas.microsoft.com/office/powerpoint/2010/main" val="166497131"/>
+        <p14:creationId xmlns:p14="http://schemas.microsoft.com/office/powerpoint/2010/main" val="1971606740"/>
       </p:ext>
     </p:extLst>
   </p:cSld>
@@ -8237,7 +8226,7 @@
         <p:spPr>
           <a:xfrm>
             <a:off x="2589212" y="2133600"/>
-            <a:ext cx="8915400" cy="426720"/>
+            <a:ext cx="8915400" cy="4047744"/>
           </a:xfrm>
         </p:spPr>
         <p:txBody>
@@ -8249,7 +8238,73 @@
             </a:pPr>
             <a:r>
               <a:rPr lang="en-US" dirty="0"/>
-              <a:t>“Safe solution”</a:t>
+              <a:t>Problems:</a:t>
+            </a:r>
+          </a:p>
+          <a:p>
+            <a:pPr>
+              <a:buFont typeface="Wingdings" pitchFamily="2" charset="2"/>
+              <a:buChar char="Ø"/>
+            </a:pPr>
+            <a:r>
+              <a:rPr lang="en-US" dirty="0"/>
+              <a:t>Need to use hand-made functional tail recursive state function</a:t>
+            </a:r>
+          </a:p>
+          <a:p>
+            <a:pPr>
+              <a:buFont typeface="Wingdings" pitchFamily="2" charset="2"/>
+              <a:buChar char="Ø"/>
+            </a:pPr>
+            <a:r>
+              <a:rPr lang="en-US" dirty="0"/>
+              <a:t>…Because of </a:t>
+            </a:r>
+            <a:r>
+              <a:rPr lang="en-US" dirty="0" err="1"/>
+              <a:t>foldLeft</a:t>
+            </a:r>
+            <a:r>
+              <a:rPr lang="en-US" dirty="0"/>
+              <a:t> every time pass over all elements</a:t>
+            </a:r>
+          </a:p>
+          <a:p>
+            <a:pPr>
+              <a:buFont typeface="Wingdings" pitchFamily="2" charset="2"/>
+              <a:buChar char="Ø"/>
+            </a:pPr>
+            <a:r>
+              <a:rPr lang="en-US" dirty="0"/>
+              <a:t>...But it also had an overhead</a:t>
+            </a:r>
+          </a:p>
+          <a:p>
+            <a:pPr>
+              <a:buFont typeface="Wingdings" pitchFamily="2" charset="2"/>
+              <a:buChar char="Ø"/>
+            </a:pPr>
+            <a:r>
+              <a:rPr lang="en-US" dirty="0"/>
+              <a:t>Don’t refine </a:t>
+            </a:r>
+            <a:r>
+              <a:rPr lang="en-US" dirty="0" err="1"/>
+              <a:t>int</a:t>
+            </a:r>
+            <a:r>
+              <a:rPr lang="en-US" dirty="0"/>
+              <a:t> value during the compile-time</a:t>
+            </a:r>
+          </a:p>
+          <a:p>
+            <a:pPr>
+              <a:buFont typeface="Wingdings" pitchFamily="2" charset="2"/>
+              <a:buChar char="Ø"/>
+            </a:pPr>
+            <a:r>
+              <a:rPr lang="en-US" dirty="0"/>
+              <a:t>A lot of unsafe code</a:t>
             </a:r>
             <a:endParaRPr lang="ru-RU" dirty="0"/>
           </a:p>
@@ -8280,6 +8335,334 @@
               <a:rPr lang="en-US" smtClean="0"/>
               <a:pPr/>
               <a:t>10</a:t>
+            </a:fld>
+            <a:endParaRPr lang="en-US" dirty="0"/>
+          </a:p>
+        </p:txBody>
+      </p:sp>
+    </p:spTree>
+    <p:extLst>
+      <p:ext uri="{BB962C8B-B14F-4D97-AF65-F5344CB8AC3E}">
+        <p14:creationId xmlns:p14="http://schemas.microsoft.com/office/powerpoint/2010/main" val="3934525657"/>
+      </p:ext>
+    </p:extLst>
+  </p:cSld>
+  <p:clrMapOvr>
+    <a:masterClrMapping/>
+  </p:clrMapOvr>
+</p:sld>
+</file>
+
+<file path=ppt/slides/slide12.xml><?xml version="1.0" encoding="utf-8"?>
+<p:sld xmlns:a="http://schemas.openxmlformats.org/drawingml/2006/main" xmlns:r="http://schemas.openxmlformats.org/officeDocument/2006/relationships" xmlns:p="http://schemas.openxmlformats.org/presentationml/2006/main">
+  <p:cSld>
+    <p:spTree>
+      <p:nvGrpSpPr>
+        <p:cNvPr id="1" name=""/>
+        <p:cNvGrpSpPr/>
+        <p:nvPr/>
+      </p:nvGrpSpPr>
+      <p:grpSpPr>
+        <a:xfrm>
+          <a:off x="0" y="0"/>
+          <a:ext cx="0" cy="0"/>
+          <a:chOff x="0" y="0"/>
+          <a:chExt cx="0" cy="0"/>
+        </a:xfrm>
+      </p:grpSpPr>
+      <p:sp>
+        <p:nvSpPr>
+          <p:cNvPr id="2" name="Заголовок 1">
+            <a:extLst>
+              <a:ext uri="{FF2B5EF4-FFF2-40B4-BE49-F238E27FC236}">
+                <a16:creationId xmlns:a16="http://schemas.microsoft.com/office/drawing/2014/main" id="{F47DCE39-6E41-1542-B63B-A3CCF7FD83C7}"/>
+              </a:ext>
+            </a:extLst>
+          </p:cNvPr>
+          <p:cNvSpPr>
+            <a:spLocks noGrp="1"/>
+          </p:cNvSpPr>
+          <p:nvPr>
+            <p:ph type="title"/>
+          </p:nvPr>
+        </p:nvSpPr>
+        <p:spPr/>
+        <p:txBody>
+          <a:bodyPr/>
+          <a:lstStyle/>
+          <a:p>
+            <a:r>
+              <a:rPr lang="en-US" dirty="0"/>
+              <a:t>Normal types</a:t>
+            </a:r>
+            <a:endParaRPr lang="ru-RU" dirty="0"/>
+          </a:p>
+        </p:txBody>
+      </p:sp>
+      <p:sp>
+        <p:nvSpPr>
+          <p:cNvPr id="3" name="Объект 2">
+            <a:extLst>
+              <a:ext uri="{FF2B5EF4-FFF2-40B4-BE49-F238E27FC236}">
+                <a16:creationId xmlns:a16="http://schemas.microsoft.com/office/drawing/2014/main" id="{C8EC15D7-6698-EB47-8131-412A67F72C16}"/>
+              </a:ext>
+            </a:extLst>
+          </p:cNvPr>
+          <p:cNvSpPr>
+            <a:spLocks noGrp="1"/>
+          </p:cNvSpPr>
+          <p:nvPr>
+            <p:ph idx="1"/>
+          </p:nvPr>
+        </p:nvSpPr>
+        <p:spPr>
+          <a:xfrm>
+            <a:off x="2589212" y="2133600"/>
+            <a:ext cx="8915400" cy="4047744"/>
+          </a:xfrm>
+        </p:spPr>
+        <p:txBody>
+          <a:bodyPr/>
+          <a:lstStyle/>
+          <a:p>
+            <a:pPr marL="0" indent="0">
+              <a:buNone/>
+            </a:pPr>
+            <a:r>
+              <a:rPr lang="en-US" dirty="0"/>
+              <a:t>Problems:</a:t>
+            </a:r>
+          </a:p>
+          <a:p>
+            <a:pPr>
+              <a:buFont typeface="Wingdings" pitchFamily="2" charset="2"/>
+              <a:buChar char="Ø"/>
+            </a:pPr>
+            <a:r>
+              <a:rPr lang="en-US" dirty="0"/>
+              <a:t>Need to use hand-made functional tail recursive state function</a:t>
+            </a:r>
+          </a:p>
+          <a:p>
+            <a:pPr>
+              <a:buFont typeface="Wingdings" pitchFamily="2" charset="2"/>
+              <a:buChar char="Ø"/>
+            </a:pPr>
+            <a:r>
+              <a:rPr lang="en-US" dirty="0"/>
+              <a:t>…Because of </a:t>
+            </a:r>
+            <a:r>
+              <a:rPr lang="en-US" dirty="0" err="1"/>
+              <a:t>foldLeft</a:t>
+            </a:r>
+            <a:r>
+              <a:rPr lang="en-US" dirty="0"/>
+              <a:t> every time pass over all elements</a:t>
+            </a:r>
+          </a:p>
+          <a:p>
+            <a:pPr>
+              <a:buFont typeface="Wingdings" pitchFamily="2" charset="2"/>
+              <a:buChar char="Ø"/>
+            </a:pPr>
+            <a:r>
+              <a:rPr lang="en-US" dirty="0"/>
+              <a:t>...But it also had an overhead</a:t>
+            </a:r>
+          </a:p>
+          <a:p>
+            <a:pPr>
+              <a:buFont typeface="Wingdings" pitchFamily="2" charset="2"/>
+              <a:buChar char="Ø"/>
+            </a:pPr>
+            <a:r>
+              <a:rPr lang="en-US" dirty="0"/>
+              <a:t>Don’t refine </a:t>
+            </a:r>
+            <a:r>
+              <a:rPr lang="en-US" dirty="0" err="1"/>
+              <a:t>int</a:t>
+            </a:r>
+            <a:r>
+              <a:rPr lang="en-US" dirty="0"/>
+              <a:t> value during the compile-time</a:t>
+            </a:r>
+          </a:p>
+          <a:p>
+            <a:pPr>
+              <a:buFont typeface="Wingdings" pitchFamily="2" charset="2"/>
+              <a:buChar char="Ø"/>
+            </a:pPr>
+            <a:r>
+              <a:rPr lang="en-US" dirty="0"/>
+              <a:t>A lot of unsafe code</a:t>
+            </a:r>
+          </a:p>
+          <a:p>
+            <a:pPr>
+              <a:buFont typeface="Wingdings" pitchFamily="2" charset="2"/>
+              <a:buChar char="Ø"/>
+            </a:pPr>
+            <a:r>
+              <a:rPr lang="en-US" dirty="0"/>
+              <a:t>Possible infinite recursion…</a:t>
+            </a:r>
+            <a:endParaRPr lang="ru-RU" dirty="0"/>
+          </a:p>
+        </p:txBody>
+      </p:sp>
+      <p:sp>
+        <p:nvSpPr>
+          <p:cNvPr id="4" name="Номер слайда 3">
+            <a:extLst>
+              <a:ext uri="{FF2B5EF4-FFF2-40B4-BE49-F238E27FC236}">
+                <a16:creationId xmlns:a16="http://schemas.microsoft.com/office/drawing/2014/main" id="{C332334C-2400-7E46-BC16-8F1D528B9BAB}"/>
+              </a:ext>
+            </a:extLst>
+          </p:cNvPr>
+          <p:cNvSpPr>
+            <a:spLocks noGrp="1"/>
+          </p:cNvSpPr>
+          <p:nvPr>
+            <p:ph type="sldNum" sz="quarter" idx="12"/>
+          </p:nvPr>
+        </p:nvSpPr>
+        <p:spPr/>
+        <p:txBody>
+          <a:bodyPr/>
+          <a:lstStyle/>
+          <a:p>
+            <a:fld id="{D57F1E4F-1CFF-5643-939E-217C01CDF565}" type="slidenum">
+              <a:rPr lang="en-US" smtClean="0"/>
+              <a:pPr/>
+              <a:t>11</a:t>
+            </a:fld>
+            <a:endParaRPr lang="en-US" dirty="0"/>
+          </a:p>
+        </p:txBody>
+      </p:sp>
+    </p:spTree>
+    <p:extLst>
+      <p:ext uri="{BB962C8B-B14F-4D97-AF65-F5344CB8AC3E}">
+        <p14:creationId xmlns:p14="http://schemas.microsoft.com/office/powerpoint/2010/main" val="166497131"/>
+      </p:ext>
+    </p:extLst>
+  </p:cSld>
+  <p:clrMapOvr>
+    <a:masterClrMapping/>
+  </p:clrMapOvr>
+</p:sld>
+</file>
+
+<file path=ppt/slides/slide13.xml><?xml version="1.0" encoding="utf-8"?>
+<p:sld xmlns:a="http://schemas.openxmlformats.org/drawingml/2006/main" xmlns:r="http://schemas.openxmlformats.org/officeDocument/2006/relationships" xmlns:p="http://schemas.openxmlformats.org/presentationml/2006/main">
+  <p:cSld>
+    <p:spTree>
+      <p:nvGrpSpPr>
+        <p:cNvPr id="1" name=""/>
+        <p:cNvGrpSpPr/>
+        <p:nvPr/>
+      </p:nvGrpSpPr>
+      <p:grpSpPr>
+        <a:xfrm>
+          <a:off x="0" y="0"/>
+          <a:ext cx="0" cy="0"/>
+          <a:chOff x="0" y="0"/>
+          <a:chExt cx="0" cy="0"/>
+        </a:xfrm>
+      </p:grpSpPr>
+      <p:sp>
+        <p:nvSpPr>
+          <p:cNvPr id="2" name="Заголовок 1">
+            <a:extLst>
+              <a:ext uri="{FF2B5EF4-FFF2-40B4-BE49-F238E27FC236}">
+                <a16:creationId xmlns:a16="http://schemas.microsoft.com/office/drawing/2014/main" id="{F47DCE39-6E41-1542-B63B-A3CCF7FD83C7}"/>
+              </a:ext>
+            </a:extLst>
+          </p:cNvPr>
+          <p:cNvSpPr>
+            <a:spLocks noGrp="1"/>
+          </p:cNvSpPr>
+          <p:nvPr>
+            <p:ph type="title"/>
+          </p:nvPr>
+        </p:nvSpPr>
+        <p:spPr/>
+        <p:txBody>
+          <a:bodyPr/>
+          <a:lstStyle/>
+          <a:p>
+            <a:r>
+              <a:rPr lang="en-US" dirty="0"/>
+              <a:t>Normal types</a:t>
+            </a:r>
+            <a:endParaRPr lang="ru-RU" dirty="0"/>
+          </a:p>
+        </p:txBody>
+      </p:sp>
+      <p:sp>
+        <p:nvSpPr>
+          <p:cNvPr id="3" name="Объект 2">
+            <a:extLst>
+              <a:ext uri="{FF2B5EF4-FFF2-40B4-BE49-F238E27FC236}">
+                <a16:creationId xmlns:a16="http://schemas.microsoft.com/office/drawing/2014/main" id="{C8EC15D7-6698-EB47-8131-412A67F72C16}"/>
+              </a:ext>
+            </a:extLst>
+          </p:cNvPr>
+          <p:cNvSpPr>
+            <a:spLocks noGrp="1"/>
+          </p:cNvSpPr>
+          <p:nvPr>
+            <p:ph idx="1"/>
+          </p:nvPr>
+        </p:nvSpPr>
+        <p:spPr>
+          <a:xfrm>
+            <a:off x="2589212" y="2133600"/>
+            <a:ext cx="8915400" cy="426720"/>
+          </a:xfrm>
+        </p:spPr>
+        <p:txBody>
+          <a:bodyPr/>
+          <a:lstStyle/>
+          <a:p>
+            <a:pPr marL="0" indent="0">
+              <a:buNone/>
+            </a:pPr>
+            <a:r>
+              <a:rPr lang="en-US" dirty="0"/>
+              <a:t>“Safe solution”</a:t>
+            </a:r>
+            <a:endParaRPr lang="ru-RU" dirty="0"/>
+          </a:p>
+        </p:txBody>
+      </p:sp>
+      <p:sp>
+        <p:nvSpPr>
+          <p:cNvPr id="4" name="Номер слайда 3">
+            <a:extLst>
+              <a:ext uri="{FF2B5EF4-FFF2-40B4-BE49-F238E27FC236}">
+                <a16:creationId xmlns:a16="http://schemas.microsoft.com/office/drawing/2014/main" id="{C332334C-2400-7E46-BC16-8F1D528B9BAB}"/>
+              </a:ext>
+            </a:extLst>
+          </p:cNvPr>
+          <p:cNvSpPr>
+            <a:spLocks noGrp="1"/>
+          </p:cNvSpPr>
+          <p:nvPr>
+            <p:ph type="sldNum" sz="quarter" idx="12"/>
+          </p:nvPr>
+        </p:nvSpPr>
+        <p:spPr/>
+        <p:txBody>
+          <a:bodyPr/>
+          <a:lstStyle/>
+          <a:p>
+            <a:fld id="{D57F1E4F-1CFF-5643-939E-217C01CDF565}" type="slidenum">
+              <a:rPr lang="en-US" smtClean="0"/>
+              <a:pPr/>
+              <a:t>12</a:t>
             </a:fld>
             <a:endParaRPr lang="en-US" dirty="0"/>
           </a:p>
@@ -8328,7 +8711,7 @@
 </p:sld>
 </file>
 
-<file path=ppt/slides/slide12.xml><?xml version="1.0" encoding="utf-8"?>
+<file path=ppt/slides/slide14.xml><?xml version="1.0" encoding="utf-8"?>
 <p:sld xmlns:a="http://schemas.openxmlformats.org/drawingml/2006/main" xmlns:r="http://schemas.openxmlformats.org/officeDocument/2006/relationships" xmlns:p="http://schemas.openxmlformats.org/presentationml/2006/main">
   <p:cSld>
     <p:spTree>
@@ -8435,7 +8818,7 @@
             <a:fld id="{D57F1E4F-1CFF-5643-939E-217C01CDF565}" type="slidenum">
               <a:rPr lang="en-US" smtClean="0"/>
               <a:pPr/>
-              <a:t>11</a:t>
+              <a:t>13</a:t>
             </a:fld>
             <a:endParaRPr lang="en-US" dirty="0"/>
           </a:p>
@@ -8484,7 +8867,7 @@
 </p:sld>
 </file>
 
-<file path=ppt/slides/slide13.xml><?xml version="1.0" encoding="utf-8"?>
+<file path=ppt/slides/slide15.xml><?xml version="1.0" encoding="utf-8"?>
 <p:sld xmlns:a="http://schemas.openxmlformats.org/drawingml/2006/main" xmlns:r="http://schemas.openxmlformats.org/officeDocument/2006/relationships" xmlns:p="http://schemas.openxmlformats.org/presentationml/2006/main">
   <p:cSld>
     <p:spTree>
@@ -8594,7 +8977,7 @@
             <a:fld id="{D57F1E4F-1CFF-5643-939E-217C01CDF565}" type="slidenum">
               <a:rPr lang="en-US" smtClean="0"/>
               <a:pPr/>
-              <a:t>12</a:t>
+              <a:t>14</a:t>
             </a:fld>
             <a:endParaRPr lang="en-US" dirty="0"/>
           </a:p>
@@ -8613,7 +8996,7 @@
 </p:sld>
 </file>
 
-<file path=ppt/slides/slide14.xml><?xml version="1.0" encoding="utf-8"?>
+<file path=ppt/slides/slide16.xml><?xml version="1.0" encoding="utf-8"?>
 <p:sld xmlns:a="http://schemas.openxmlformats.org/drawingml/2006/main" xmlns:r="http://schemas.openxmlformats.org/officeDocument/2006/relationships" xmlns:p="http://schemas.openxmlformats.org/presentationml/2006/main">
   <p:cSld>
     <p:spTree>
@@ -8723,7 +9106,7 @@
             <a:fld id="{D57F1E4F-1CFF-5643-939E-217C01CDF565}" type="slidenum">
               <a:rPr lang="en-US" smtClean="0"/>
               <a:pPr/>
-              <a:t>13</a:t>
+              <a:t>15</a:t>
             </a:fld>
             <a:endParaRPr lang="en-US" dirty="0"/>
           </a:p>
@@ -8772,7 +9155,7 @@
 </p:sld>
 </file>
 
-<file path=ppt/slides/slide15.xml><?xml version="1.0" encoding="utf-8"?>
+<file path=ppt/slides/slide17.xml><?xml version="1.0" encoding="utf-8"?>
 <p:sld xmlns:a="http://schemas.openxmlformats.org/drawingml/2006/main" xmlns:r="http://schemas.openxmlformats.org/officeDocument/2006/relationships" xmlns:p="http://schemas.openxmlformats.org/presentationml/2006/main">
   <p:cSld>
     <p:spTree>
@@ -8874,7 +9257,7 @@
             <a:fld id="{D57F1E4F-1CFF-5643-939E-217C01CDF565}" type="slidenum">
               <a:rPr lang="en-US" smtClean="0"/>
               <a:pPr/>
-              <a:t>14</a:t>
+              <a:t>16</a:t>
             </a:fld>
             <a:endParaRPr lang="en-US" dirty="0"/>
           </a:p>
@@ -8923,7 +9306,7 @@
 </p:sld>
 </file>
 
-<file path=ppt/slides/slide16.xml><?xml version="1.0" encoding="utf-8"?>
+<file path=ppt/slides/slide18.xml><?xml version="1.0" encoding="utf-8"?>
 <p:sld xmlns:a="http://schemas.openxmlformats.org/drawingml/2006/main" xmlns:r="http://schemas.openxmlformats.org/officeDocument/2006/relationships" xmlns:p="http://schemas.openxmlformats.org/presentationml/2006/main">
   <p:cSld>
     <p:spTree>
@@ -9025,7 +9408,7 @@
             <a:fld id="{D57F1E4F-1CFF-5643-939E-217C01CDF565}" type="slidenum">
               <a:rPr lang="en-US" smtClean="0"/>
               <a:pPr/>
-              <a:t>15</a:t>
+              <a:t>17</a:t>
             </a:fld>
             <a:endParaRPr lang="en-US" dirty="0"/>
           </a:p>
@@ -9104,7 +9487,7 @@
 </p:sld>
 </file>
 
-<file path=ppt/slides/slide17.xml><?xml version="1.0" encoding="utf-8"?>
+<file path=ppt/slides/slide19.xml><?xml version="1.0" encoding="utf-8"?>
 <p:sld xmlns:a="http://schemas.openxmlformats.org/drawingml/2006/main" xmlns:r="http://schemas.openxmlformats.org/officeDocument/2006/relationships" xmlns:p="http://schemas.openxmlformats.org/presentationml/2006/main">
   <p:cSld>
     <p:spTree>
@@ -9206,7 +9589,7 @@
             <a:fld id="{D57F1E4F-1CFF-5643-939E-217C01CDF565}" type="slidenum">
               <a:rPr lang="en-US" smtClean="0"/>
               <a:pPr/>
-              <a:t>16</a:t>
+              <a:t>18</a:t>
             </a:fld>
             <a:endParaRPr lang="en-US" dirty="0"/>
           </a:p>
@@ -9315,252 +9698,6 @@
 </p:sld>
 </file>
 
-<file path=ppt/slides/slide18.xml><?xml version="1.0" encoding="utf-8"?>
-<p:sld xmlns:a="http://schemas.openxmlformats.org/drawingml/2006/main" xmlns:r="http://schemas.openxmlformats.org/officeDocument/2006/relationships" xmlns:p="http://schemas.openxmlformats.org/presentationml/2006/main">
-  <p:cSld>
-    <p:spTree>
-      <p:nvGrpSpPr>
-        <p:cNvPr id="1" name=""/>
-        <p:cNvGrpSpPr/>
-        <p:nvPr/>
-      </p:nvGrpSpPr>
-      <p:grpSpPr>
-        <a:xfrm>
-          <a:off x="0" y="0"/>
-          <a:ext cx="0" cy="0"/>
-          <a:chOff x="0" y="0"/>
-          <a:chExt cx="0" cy="0"/>
-        </a:xfrm>
-      </p:grpSpPr>
-      <p:sp>
-        <p:nvSpPr>
-          <p:cNvPr id="2" name="Заголовок 1">
-            <a:extLst>
-              <a:ext uri="{FF2B5EF4-FFF2-40B4-BE49-F238E27FC236}">
-                <a16:creationId xmlns:a16="http://schemas.microsoft.com/office/drawing/2014/main" id="{5C7AAD9B-F79C-F642-868B-66A214010D6E}"/>
-              </a:ext>
-            </a:extLst>
-          </p:cNvPr>
-          <p:cNvSpPr>
-            <a:spLocks noGrp="1"/>
-          </p:cNvSpPr>
-          <p:nvPr>
-            <p:ph type="title"/>
-          </p:nvPr>
-        </p:nvSpPr>
-        <p:spPr/>
-        <p:txBody>
-          <a:bodyPr/>
-          <a:lstStyle/>
-          <a:p>
-            <a:r>
-              <a:rPr lang="en-US" dirty="0" err="1"/>
-              <a:t>Typelevel</a:t>
-            </a:r>
-            <a:r>
-              <a:rPr lang="en-US" dirty="0"/>
-              <a:t> Nat</a:t>
-            </a:r>
-            <a:endParaRPr lang="ru-RU" dirty="0"/>
-          </a:p>
-        </p:txBody>
-      </p:sp>
-      <p:sp>
-        <p:nvSpPr>
-          <p:cNvPr id="4" name="Номер слайда 3">
-            <a:extLst>
-              <a:ext uri="{FF2B5EF4-FFF2-40B4-BE49-F238E27FC236}">
-                <a16:creationId xmlns:a16="http://schemas.microsoft.com/office/drawing/2014/main" id="{44D8222A-0332-BE40-80C3-844AFE17FBAC}"/>
-              </a:ext>
-            </a:extLst>
-          </p:cNvPr>
-          <p:cNvSpPr>
-            <a:spLocks noGrp="1"/>
-          </p:cNvSpPr>
-          <p:nvPr>
-            <p:ph type="sldNum" sz="quarter" idx="12"/>
-          </p:nvPr>
-        </p:nvSpPr>
-        <p:spPr/>
-        <p:txBody>
-          <a:bodyPr/>
-          <a:lstStyle/>
-          <a:p>
-            <a:fld id="{D57F1E4F-1CFF-5643-939E-217C01CDF565}" type="slidenum">
-              <a:rPr lang="en-US" smtClean="0"/>
-              <a:pPr/>
-              <a:t>17</a:t>
-            </a:fld>
-            <a:endParaRPr lang="en-US" dirty="0"/>
-          </a:p>
-        </p:txBody>
-      </p:sp>
-      <p:pic>
-        <p:nvPicPr>
-          <p:cNvPr id="8" name="Рисунок 7">
-            <a:extLst>
-              <a:ext uri="{FF2B5EF4-FFF2-40B4-BE49-F238E27FC236}">
-                <a16:creationId xmlns:a16="http://schemas.microsoft.com/office/drawing/2014/main" id="{88F698D7-D29B-E440-BE93-C5BBDD7E27D4}"/>
-              </a:ext>
-            </a:extLst>
-          </p:cNvPr>
-          <p:cNvPicPr>
-            <a:picLocks noChangeAspect="1"/>
-          </p:cNvPicPr>
-          <p:nvPr/>
-        </p:nvPicPr>
-        <p:blipFill>
-          <a:blip r:embed="rId2"/>
-          <a:stretch>
-            <a:fillRect/>
-          </a:stretch>
-        </p:blipFill>
-        <p:spPr>
-          <a:xfrm>
-            <a:off x="2592925" y="1905000"/>
-            <a:ext cx="4533900" cy="2908300"/>
-          </a:xfrm>
-          <a:prstGeom prst="rect">
-            <a:avLst/>
-          </a:prstGeom>
-        </p:spPr>
-      </p:pic>
-    </p:spTree>
-    <p:extLst>
-      <p:ext uri="{BB962C8B-B14F-4D97-AF65-F5344CB8AC3E}">
-        <p14:creationId xmlns:p14="http://schemas.microsoft.com/office/powerpoint/2010/main" val="566514770"/>
-      </p:ext>
-    </p:extLst>
-  </p:cSld>
-  <p:clrMapOvr>
-    <a:masterClrMapping/>
-  </p:clrMapOvr>
-</p:sld>
-</file>
-
-<file path=ppt/slides/slide19.xml><?xml version="1.0" encoding="utf-8"?>
-<p:sld xmlns:a="http://schemas.openxmlformats.org/drawingml/2006/main" xmlns:r="http://schemas.openxmlformats.org/officeDocument/2006/relationships" xmlns:p="http://schemas.openxmlformats.org/presentationml/2006/main">
-  <p:cSld>
-    <p:spTree>
-      <p:nvGrpSpPr>
-        <p:cNvPr id="1" name=""/>
-        <p:cNvGrpSpPr/>
-        <p:nvPr/>
-      </p:nvGrpSpPr>
-      <p:grpSpPr>
-        <a:xfrm>
-          <a:off x="0" y="0"/>
-          <a:ext cx="0" cy="0"/>
-          <a:chOff x="0" y="0"/>
-          <a:chExt cx="0" cy="0"/>
-        </a:xfrm>
-      </p:grpSpPr>
-      <p:sp>
-        <p:nvSpPr>
-          <p:cNvPr id="2" name="Заголовок 1">
-            <a:extLst>
-              <a:ext uri="{FF2B5EF4-FFF2-40B4-BE49-F238E27FC236}">
-                <a16:creationId xmlns:a16="http://schemas.microsoft.com/office/drawing/2014/main" id="{5C7AAD9B-F79C-F642-868B-66A214010D6E}"/>
-              </a:ext>
-            </a:extLst>
-          </p:cNvPr>
-          <p:cNvSpPr>
-            <a:spLocks noGrp="1"/>
-          </p:cNvSpPr>
-          <p:nvPr>
-            <p:ph type="title"/>
-          </p:nvPr>
-        </p:nvSpPr>
-        <p:spPr/>
-        <p:txBody>
-          <a:bodyPr/>
-          <a:lstStyle/>
-          <a:p>
-            <a:r>
-              <a:rPr lang="en-US" dirty="0"/>
-              <a:t>At </a:t>
-            </a:r>
-            <a:r>
-              <a:rPr lang="en-US" dirty="0" err="1"/>
-              <a:t>typeclass</a:t>
-            </a:r>
-            <a:endParaRPr lang="ru-RU" dirty="0"/>
-          </a:p>
-        </p:txBody>
-      </p:sp>
-      <p:sp>
-        <p:nvSpPr>
-          <p:cNvPr id="4" name="Номер слайда 3">
-            <a:extLst>
-              <a:ext uri="{FF2B5EF4-FFF2-40B4-BE49-F238E27FC236}">
-                <a16:creationId xmlns:a16="http://schemas.microsoft.com/office/drawing/2014/main" id="{44D8222A-0332-BE40-80C3-844AFE17FBAC}"/>
-              </a:ext>
-            </a:extLst>
-          </p:cNvPr>
-          <p:cNvSpPr>
-            <a:spLocks noGrp="1"/>
-          </p:cNvSpPr>
-          <p:nvPr>
-            <p:ph type="sldNum" sz="quarter" idx="12"/>
-          </p:nvPr>
-        </p:nvSpPr>
-        <p:spPr/>
-        <p:txBody>
-          <a:bodyPr/>
-          <a:lstStyle/>
-          <a:p>
-            <a:fld id="{D57F1E4F-1CFF-5643-939E-217C01CDF565}" type="slidenum">
-              <a:rPr lang="en-US" smtClean="0"/>
-              <a:pPr/>
-              <a:t>18</a:t>
-            </a:fld>
-            <a:endParaRPr lang="en-US" dirty="0"/>
-          </a:p>
-        </p:txBody>
-      </p:sp>
-      <p:pic>
-        <p:nvPicPr>
-          <p:cNvPr id="6" name="Рисунок 5">
-            <a:extLst>
-              <a:ext uri="{FF2B5EF4-FFF2-40B4-BE49-F238E27FC236}">
-                <a16:creationId xmlns:a16="http://schemas.microsoft.com/office/drawing/2014/main" id="{F13AB953-9485-8343-942B-66B28B4CF4B3}"/>
-              </a:ext>
-            </a:extLst>
-          </p:cNvPr>
-          <p:cNvPicPr>
-            <a:picLocks noChangeAspect="1"/>
-          </p:cNvPicPr>
-          <p:nvPr/>
-        </p:nvPicPr>
-        <p:blipFill>
-          <a:blip r:embed="rId2"/>
-          <a:stretch>
-            <a:fillRect/>
-          </a:stretch>
-        </p:blipFill>
-        <p:spPr>
-          <a:xfrm>
-            <a:off x="2592925" y="1905000"/>
-            <a:ext cx="5854700" cy="1346200"/>
-          </a:xfrm>
-          <a:prstGeom prst="rect">
-            <a:avLst/>
-          </a:prstGeom>
-        </p:spPr>
-      </p:pic>
-    </p:spTree>
-    <p:extLst>
-      <p:ext uri="{BB962C8B-B14F-4D97-AF65-F5344CB8AC3E}">
-        <p14:creationId xmlns:p14="http://schemas.microsoft.com/office/powerpoint/2010/main" val="4266776937"/>
-      </p:ext>
-    </p:extLst>
-  </p:cSld>
-  <p:clrMapOvr>
-    <a:masterClrMapping/>
-  </p:clrMapOvr>
-</p:sld>
-</file>
-
 <file path=ppt/slides/slide2.xml><?xml version="1.0" encoding="utf-8"?>
 <p:sld xmlns:a="http://schemas.openxmlformats.org/drawingml/2006/main" xmlns:r="http://schemas.openxmlformats.org/officeDocument/2006/relationships" xmlns:p="http://schemas.openxmlformats.org/presentationml/2006/main">
   <p:cSld>
@@ -9765,12 +9902,12 @@
           <a:lstStyle/>
           <a:p>
             <a:r>
+              <a:rPr lang="en-US" dirty="0" err="1"/>
+              <a:t>Typelevel</a:t>
+            </a:r>
+            <a:r>
               <a:rPr lang="en-US" dirty="0"/>
-              <a:t>At </a:t>
-            </a:r>
-            <a:r>
-              <a:rPr lang="en-US" dirty="0" err="1"/>
-              <a:t>typeclass</a:t>
+              <a:t> Nat</a:t>
             </a:r>
             <a:endParaRPr lang="ru-RU" dirty="0"/>
           </a:p>
@@ -9801,6 +9938,129 @@
               <a:rPr lang="en-US" smtClean="0"/>
               <a:pPr/>
               <a:t>19</a:t>
+            </a:fld>
+            <a:endParaRPr lang="en-US" dirty="0"/>
+          </a:p>
+        </p:txBody>
+      </p:sp>
+      <p:pic>
+        <p:nvPicPr>
+          <p:cNvPr id="8" name="Рисунок 7">
+            <a:extLst>
+              <a:ext uri="{FF2B5EF4-FFF2-40B4-BE49-F238E27FC236}">
+                <a16:creationId xmlns:a16="http://schemas.microsoft.com/office/drawing/2014/main" id="{88F698D7-D29B-E440-BE93-C5BBDD7E27D4}"/>
+              </a:ext>
+            </a:extLst>
+          </p:cNvPr>
+          <p:cNvPicPr>
+            <a:picLocks noChangeAspect="1"/>
+          </p:cNvPicPr>
+          <p:nvPr/>
+        </p:nvPicPr>
+        <p:blipFill>
+          <a:blip r:embed="rId2"/>
+          <a:stretch>
+            <a:fillRect/>
+          </a:stretch>
+        </p:blipFill>
+        <p:spPr>
+          <a:xfrm>
+            <a:off x="2592925" y="1905000"/>
+            <a:ext cx="4533900" cy="2908300"/>
+          </a:xfrm>
+          <a:prstGeom prst="rect">
+            <a:avLst/>
+          </a:prstGeom>
+        </p:spPr>
+      </p:pic>
+    </p:spTree>
+    <p:extLst>
+      <p:ext uri="{BB962C8B-B14F-4D97-AF65-F5344CB8AC3E}">
+        <p14:creationId xmlns:p14="http://schemas.microsoft.com/office/powerpoint/2010/main" val="566514770"/>
+      </p:ext>
+    </p:extLst>
+  </p:cSld>
+  <p:clrMapOvr>
+    <a:masterClrMapping/>
+  </p:clrMapOvr>
+</p:sld>
+</file>
+
+<file path=ppt/slides/slide21.xml><?xml version="1.0" encoding="utf-8"?>
+<p:sld xmlns:a="http://schemas.openxmlformats.org/drawingml/2006/main" xmlns:r="http://schemas.openxmlformats.org/officeDocument/2006/relationships" xmlns:p="http://schemas.openxmlformats.org/presentationml/2006/main">
+  <p:cSld>
+    <p:spTree>
+      <p:nvGrpSpPr>
+        <p:cNvPr id="1" name=""/>
+        <p:cNvGrpSpPr/>
+        <p:nvPr/>
+      </p:nvGrpSpPr>
+      <p:grpSpPr>
+        <a:xfrm>
+          <a:off x="0" y="0"/>
+          <a:ext cx="0" cy="0"/>
+          <a:chOff x="0" y="0"/>
+          <a:chExt cx="0" cy="0"/>
+        </a:xfrm>
+      </p:grpSpPr>
+      <p:sp>
+        <p:nvSpPr>
+          <p:cNvPr id="2" name="Заголовок 1">
+            <a:extLst>
+              <a:ext uri="{FF2B5EF4-FFF2-40B4-BE49-F238E27FC236}">
+                <a16:creationId xmlns:a16="http://schemas.microsoft.com/office/drawing/2014/main" id="{5C7AAD9B-F79C-F642-868B-66A214010D6E}"/>
+              </a:ext>
+            </a:extLst>
+          </p:cNvPr>
+          <p:cNvSpPr>
+            <a:spLocks noGrp="1"/>
+          </p:cNvSpPr>
+          <p:nvPr>
+            <p:ph type="title"/>
+          </p:nvPr>
+        </p:nvSpPr>
+        <p:spPr/>
+        <p:txBody>
+          <a:bodyPr/>
+          <a:lstStyle/>
+          <a:p>
+            <a:r>
+              <a:rPr lang="en-US" dirty="0"/>
+              <a:t>At </a:t>
+            </a:r>
+            <a:r>
+              <a:rPr lang="en-US" dirty="0" err="1"/>
+              <a:t>typeclass</a:t>
+            </a:r>
+            <a:endParaRPr lang="ru-RU" dirty="0"/>
+          </a:p>
+        </p:txBody>
+      </p:sp>
+      <p:sp>
+        <p:nvSpPr>
+          <p:cNvPr id="4" name="Номер слайда 3">
+            <a:extLst>
+              <a:ext uri="{FF2B5EF4-FFF2-40B4-BE49-F238E27FC236}">
+                <a16:creationId xmlns:a16="http://schemas.microsoft.com/office/drawing/2014/main" id="{44D8222A-0332-BE40-80C3-844AFE17FBAC}"/>
+              </a:ext>
+            </a:extLst>
+          </p:cNvPr>
+          <p:cNvSpPr>
+            <a:spLocks noGrp="1"/>
+          </p:cNvSpPr>
+          <p:nvPr>
+            <p:ph type="sldNum" sz="quarter" idx="12"/>
+          </p:nvPr>
+        </p:nvSpPr>
+        <p:spPr/>
+        <p:txBody>
+          <a:bodyPr/>
+          <a:lstStyle/>
+          <a:p>
+            <a:fld id="{D57F1E4F-1CFF-5643-939E-217C01CDF565}" type="slidenum">
+              <a:rPr lang="en-US" smtClean="0"/>
+              <a:pPr/>
+              <a:t>20</a:t>
             </a:fld>
             <a:endParaRPr lang="en-US" dirty="0"/>
           </a:p>
@@ -9836,46 +10096,10 @@
           </a:prstGeom>
         </p:spPr>
       </p:pic>
-      <p:sp>
-        <p:nvSpPr>
-          <p:cNvPr id="3" name="TextBox 2">
-            <a:extLst>
-              <a:ext uri="{FF2B5EF4-FFF2-40B4-BE49-F238E27FC236}">
-                <a16:creationId xmlns:a16="http://schemas.microsoft.com/office/drawing/2014/main" id="{E63EF0F6-CE19-6445-A5DF-F126D8A73C96}"/>
-              </a:ext>
-            </a:extLst>
-          </p:cNvPr>
-          <p:cNvSpPr txBox="1"/>
-          <p:nvPr/>
-        </p:nvSpPr>
-        <p:spPr>
-          <a:xfrm>
-            <a:off x="2592924" y="3617690"/>
-            <a:ext cx="6761387" cy="369094"/>
-          </a:xfrm>
-          <a:prstGeom prst="rect">
-            <a:avLst/>
-          </a:prstGeom>
-          <a:noFill/>
-        </p:spPr>
-        <p:txBody>
-          <a:bodyPr wrap="square" rtlCol="0">
-            <a:spAutoFit/>
-          </a:bodyPr>
-          <a:lstStyle/>
-          <a:p>
-            <a:r>
-              <a:rPr lang="en-US" dirty="0"/>
-              <a:t>Then we need to define recursion in term of types!</a:t>
-            </a:r>
-            <a:endParaRPr lang="ru-RU" dirty="0"/>
-          </a:p>
-        </p:txBody>
-      </p:sp>
     </p:spTree>
     <p:extLst>
       <p:ext uri="{BB962C8B-B14F-4D97-AF65-F5344CB8AC3E}">
-        <p14:creationId xmlns:p14="http://schemas.microsoft.com/office/powerpoint/2010/main" val="743727998"/>
+        <p14:creationId xmlns:p14="http://schemas.microsoft.com/office/powerpoint/2010/main" val="4266776937"/>
       </p:ext>
     </p:extLst>
   </p:cSld>
@@ -9885,7 +10109,7 @@
 </p:sld>
 </file>
 
-<file path=ppt/slides/slide21.xml><?xml version="1.0" encoding="utf-8"?>
+<file path=ppt/slides/slide22.xml><?xml version="1.0" encoding="utf-8"?>
 <p:sld xmlns:a="http://schemas.openxmlformats.org/drawingml/2006/main" xmlns:r="http://schemas.openxmlformats.org/officeDocument/2006/relationships" xmlns:p="http://schemas.openxmlformats.org/presentationml/2006/main">
   <p:cSld>
     <p:spTree>
@@ -9959,7 +10183,166 @@
             <a:fld id="{D57F1E4F-1CFF-5643-939E-217C01CDF565}" type="slidenum">
               <a:rPr lang="en-US" smtClean="0"/>
               <a:pPr/>
-              <a:t>20</a:t>
+              <a:t>21</a:t>
+            </a:fld>
+            <a:endParaRPr lang="en-US" dirty="0"/>
+          </a:p>
+        </p:txBody>
+      </p:sp>
+      <p:pic>
+        <p:nvPicPr>
+          <p:cNvPr id="6" name="Рисунок 5">
+            <a:extLst>
+              <a:ext uri="{FF2B5EF4-FFF2-40B4-BE49-F238E27FC236}">
+                <a16:creationId xmlns:a16="http://schemas.microsoft.com/office/drawing/2014/main" id="{F13AB953-9485-8343-942B-66B28B4CF4B3}"/>
+              </a:ext>
+            </a:extLst>
+          </p:cNvPr>
+          <p:cNvPicPr>
+            <a:picLocks noChangeAspect="1"/>
+          </p:cNvPicPr>
+          <p:nvPr/>
+        </p:nvPicPr>
+        <p:blipFill>
+          <a:blip r:embed="rId2"/>
+          <a:stretch>
+            <a:fillRect/>
+          </a:stretch>
+        </p:blipFill>
+        <p:spPr>
+          <a:xfrm>
+            <a:off x="2592925" y="1905000"/>
+            <a:ext cx="5854700" cy="1346200"/>
+          </a:xfrm>
+          <a:prstGeom prst="rect">
+            <a:avLst/>
+          </a:prstGeom>
+        </p:spPr>
+      </p:pic>
+      <p:sp>
+        <p:nvSpPr>
+          <p:cNvPr id="3" name="TextBox 2">
+            <a:extLst>
+              <a:ext uri="{FF2B5EF4-FFF2-40B4-BE49-F238E27FC236}">
+                <a16:creationId xmlns:a16="http://schemas.microsoft.com/office/drawing/2014/main" id="{E63EF0F6-CE19-6445-A5DF-F126D8A73C96}"/>
+              </a:ext>
+            </a:extLst>
+          </p:cNvPr>
+          <p:cNvSpPr txBox="1"/>
+          <p:nvPr/>
+        </p:nvSpPr>
+        <p:spPr>
+          <a:xfrm>
+            <a:off x="2592924" y="3617690"/>
+            <a:ext cx="6761387" cy="369094"/>
+          </a:xfrm>
+          <a:prstGeom prst="rect">
+            <a:avLst/>
+          </a:prstGeom>
+          <a:noFill/>
+        </p:spPr>
+        <p:txBody>
+          <a:bodyPr wrap="square" rtlCol="0">
+            <a:spAutoFit/>
+          </a:bodyPr>
+          <a:lstStyle/>
+          <a:p>
+            <a:r>
+              <a:rPr lang="en-US" dirty="0"/>
+              <a:t>Then we need to define recursion in term of types!</a:t>
+            </a:r>
+            <a:endParaRPr lang="ru-RU" dirty="0"/>
+          </a:p>
+        </p:txBody>
+      </p:sp>
+    </p:spTree>
+    <p:extLst>
+      <p:ext uri="{BB962C8B-B14F-4D97-AF65-F5344CB8AC3E}">
+        <p14:creationId xmlns:p14="http://schemas.microsoft.com/office/powerpoint/2010/main" val="743727998"/>
+      </p:ext>
+    </p:extLst>
+  </p:cSld>
+  <p:clrMapOvr>
+    <a:masterClrMapping/>
+  </p:clrMapOvr>
+</p:sld>
+</file>
+
+<file path=ppt/slides/slide23.xml><?xml version="1.0" encoding="utf-8"?>
+<p:sld xmlns:a="http://schemas.openxmlformats.org/drawingml/2006/main" xmlns:r="http://schemas.openxmlformats.org/officeDocument/2006/relationships" xmlns:p="http://schemas.openxmlformats.org/presentationml/2006/main">
+  <p:cSld>
+    <p:spTree>
+      <p:nvGrpSpPr>
+        <p:cNvPr id="1" name=""/>
+        <p:cNvGrpSpPr/>
+        <p:nvPr/>
+      </p:nvGrpSpPr>
+      <p:grpSpPr>
+        <a:xfrm>
+          <a:off x="0" y="0"/>
+          <a:ext cx="0" cy="0"/>
+          <a:chOff x="0" y="0"/>
+          <a:chExt cx="0" cy="0"/>
+        </a:xfrm>
+      </p:grpSpPr>
+      <p:sp>
+        <p:nvSpPr>
+          <p:cNvPr id="2" name="Заголовок 1">
+            <a:extLst>
+              <a:ext uri="{FF2B5EF4-FFF2-40B4-BE49-F238E27FC236}">
+                <a16:creationId xmlns:a16="http://schemas.microsoft.com/office/drawing/2014/main" id="{5C7AAD9B-F79C-F642-868B-66A214010D6E}"/>
+              </a:ext>
+            </a:extLst>
+          </p:cNvPr>
+          <p:cNvSpPr>
+            <a:spLocks noGrp="1"/>
+          </p:cNvSpPr>
+          <p:nvPr>
+            <p:ph type="title"/>
+          </p:nvPr>
+        </p:nvSpPr>
+        <p:spPr/>
+        <p:txBody>
+          <a:bodyPr/>
+          <a:lstStyle/>
+          <a:p>
+            <a:r>
+              <a:rPr lang="en-US" dirty="0"/>
+              <a:t>At </a:t>
+            </a:r>
+            <a:r>
+              <a:rPr lang="en-US" dirty="0" err="1"/>
+              <a:t>typeclass</a:t>
+            </a:r>
+            <a:endParaRPr lang="ru-RU" dirty="0"/>
+          </a:p>
+        </p:txBody>
+      </p:sp>
+      <p:sp>
+        <p:nvSpPr>
+          <p:cNvPr id="4" name="Номер слайда 3">
+            <a:extLst>
+              <a:ext uri="{FF2B5EF4-FFF2-40B4-BE49-F238E27FC236}">
+                <a16:creationId xmlns:a16="http://schemas.microsoft.com/office/drawing/2014/main" id="{44D8222A-0332-BE40-80C3-844AFE17FBAC}"/>
+              </a:ext>
+            </a:extLst>
+          </p:cNvPr>
+          <p:cNvSpPr>
+            <a:spLocks noGrp="1"/>
+          </p:cNvSpPr>
+          <p:nvPr>
+            <p:ph type="sldNum" sz="quarter" idx="12"/>
+          </p:nvPr>
+        </p:nvSpPr>
+        <p:spPr/>
+        <p:txBody>
+          <a:bodyPr/>
+          <a:lstStyle/>
+          <a:p>
+            <a:fld id="{D57F1E4F-1CFF-5643-939E-217C01CDF565}" type="slidenum">
+              <a:rPr lang="en-US" smtClean="0"/>
+              <a:pPr/>
+              <a:t>22</a:t>
             </a:fld>
             <a:endParaRPr lang="en-US" dirty="0"/>
           </a:p>
@@ -10038,7 +10421,7 @@
 </p:sld>
 </file>
 
-<file path=ppt/slides/slide22.xml><?xml version="1.0" encoding="utf-8"?>
+<file path=ppt/slides/slide24.xml><?xml version="1.0" encoding="utf-8"?>
 <p:sld xmlns:a="http://schemas.openxmlformats.org/drawingml/2006/main" xmlns:r="http://schemas.openxmlformats.org/officeDocument/2006/relationships" xmlns:p="http://schemas.openxmlformats.org/presentationml/2006/main">
   <p:cSld>
     <p:spTree>
@@ -10112,7 +10495,7 @@
             <a:fld id="{D57F1E4F-1CFF-5643-939E-217C01CDF565}" type="slidenum">
               <a:rPr lang="en-US" smtClean="0"/>
               <a:pPr/>
-              <a:t>21</a:t>
+              <a:t>23</a:t>
             </a:fld>
             <a:endParaRPr lang="en-US" dirty="0"/>
           </a:p>
@@ -10161,7 +10544,7 @@
 </p:sld>
 </file>
 
-<file path=ppt/slides/slide23.xml><?xml version="1.0" encoding="utf-8"?>
+<file path=ppt/slides/slide25.xml><?xml version="1.0" encoding="utf-8"?>
 <p:sld xmlns:a="http://schemas.openxmlformats.org/drawingml/2006/main" xmlns:r="http://schemas.openxmlformats.org/officeDocument/2006/relationships" xmlns:p="http://schemas.openxmlformats.org/presentationml/2006/main">
   <p:cSld>
     <p:spTree>
@@ -10235,7 +10618,7 @@
             <a:fld id="{D57F1E4F-1CFF-5643-939E-217C01CDF565}" type="slidenum">
               <a:rPr lang="en-US" smtClean="0"/>
               <a:pPr/>
-              <a:t>22</a:t>
+              <a:t>24</a:t>
             </a:fld>
             <a:endParaRPr lang="en-US" dirty="0"/>
           </a:p>
@@ -10284,7 +10667,7 @@
 </p:sld>
 </file>
 
-<file path=ppt/slides/slide24.xml><?xml version="1.0" encoding="utf-8"?>
+<file path=ppt/slides/slide26.xml><?xml version="1.0" encoding="utf-8"?>
 <p:sld xmlns:a="http://schemas.openxmlformats.org/drawingml/2006/main" xmlns:r="http://schemas.openxmlformats.org/officeDocument/2006/relationships" xmlns:p="http://schemas.openxmlformats.org/presentationml/2006/main">
   <p:cSld>
     <p:spTree>
@@ -10358,7 +10741,7 @@
             <a:fld id="{D57F1E4F-1CFF-5643-939E-217C01CDF565}" type="slidenum">
               <a:rPr lang="en-US" smtClean="0"/>
               <a:pPr/>
-              <a:t>23</a:t>
+              <a:t>25</a:t>
             </a:fld>
             <a:endParaRPr lang="en-US" dirty="0"/>
           </a:p>
@@ -10407,7 +10790,7 @@
 </p:sld>
 </file>
 
-<file path=ppt/slides/slide25.xml><?xml version="1.0" encoding="utf-8"?>
+<file path=ppt/slides/slide27.xml><?xml version="1.0" encoding="utf-8"?>
 <p:sld xmlns:a="http://schemas.openxmlformats.org/drawingml/2006/main" xmlns:r="http://schemas.openxmlformats.org/officeDocument/2006/relationships" xmlns:p="http://schemas.openxmlformats.org/presentationml/2006/main">
   <p:cSld>
     <p:spTree>
@@ -10481,7 +10864,7 @@
             <a:fld id="{D57F1E4F-1CFF-5643-939E-217C01CDF565}" type="slidenum">
               <a:rPr lang="en-US" smtClean="0"/>
               <a:pPr/>
-              <a:t>24</a:t>
+              <a:t>26</a:t>
             </a:fld>
             <a:endParaRPr lang="en-US" dirty="0"/>
           </a:p>
@@ -10530,7 +10913,7 @@
 </p:sld>
 </file>
 
-<file path=ppt/slides/slide26.xml><?xml version="1.0" encoding="utf-8"?>
+<file path=ppt/slides/slide28.xml><?xml version="1.0" encoding="utf-8"?>
 <p:sld xmlns:a="http://schemas.openxmlformats.org/drawingml/2006/main" xmlns:r="http://schemas.openxmlformats.org/officeDocument/2006/relationships" xmlns:p="http://schemas.openxmlformats.org/presentationml/2006/main">
   <p:cSld>
     <p:spTree>
@@ -10604,7 +10987,7 @@
             <a:fld id="{D57F1E4F-1CFF-5643-939E-217C01CDF565}" type="slidenum">
               <a:rPr lang="en-US" smtClean="0"/>
               <a:pPr/>
-              <a:t>25</a:t>
+              <a:t>27</a:t>
             </a:fld>
             <a:endParaRPr lang="en-US" dirty="0"/>
           </a:p>
@@ -10653,7 +11036,7 @@
 </p:sld>
 </file>
 
-<file path=ppt/slides/slide27.xml><?xml version="1.0" encoding="utf-8"?>
+<file path=ppt/slides/slide29.xml><?xml version="1.0" encoding="utf-8"?>
 <p:sld xmlns:a="http://schemas.openxmlformats.org/drawingml/2006/main" xmlns:r="http://schemas.openxmlformats.org/officeDocument/2006/relationships" xmlns:p="http://schemas.openxmlformats.org/presentationml/2006/main">
   <p:cSld>
     <p:spTree>
@@ -10693,7 +11076,7 @@
           <a:p>
             <a:r>
               <a:rPr lang="en-US" dirty="0"/>
-              <a:t>Usage</a:t>
+              <a:t>Showcase</a:t>
             </a:r>
             <a:endParaRPr lang="ru-RU" dirty="0"/>
           </a:p>
@@ -10723,7 +11106,7 @@
             <a:fld id="{D57F1E4F-1CFF-5643-939E-217C01CDF565}" type="slidenum">
               <a:rPr lang="en-US" smtClean="0"/>
               <a:pPr/>
-              <a:t>26</a:t>
+              <a:t>28</a:t>
             </a:fld>
             <a:endParaRPr lang="en-US" dirty="0"/>
           </a:p>
@@ -10772,7 +11155,7 @@
 </p:sld>
 </file>
 
-<file path=ppt/slides/slide28.xml><?xml version="1.0" encoding="utf-8"?>
+<file path=ppt/slides/slide3.xml><?xml version="1.0" encoding="utf-8"?>
 <p:sld xmlns:a="http://schemas.openxmlformats.org/drawingml/2006/main" xmlns:r="http://schemas.openxmlformats.org/officeDocument/2006/relationships" xmlns:p="http://schemas.openxmlformats.org/presentationml/2006/main">
   <p:cSld>
     <p:spTree>
@@ -10791,6 +11174,486 @@
       </p:grpSpPr>
       <p:sp>
         <p:nvSpPr>
+          <p:cNvPr id="2" name="Заголовок 1">
+            <a:extLst>
+              <a:ext uri="{FF2B5EF4-FFF2-40B4-BE49-F238E27FC236}">
+                <a16:creationId xmlns:a16="http://schemas.microsoft.com/office/drawing/2014/main" id="{F652126C-6F69-EB4C-9ED4-8D03DE7ACE45}"/>
+              </a:ext>
+            </a:extLst>
+          </p:cNvPr>
+          <p:cNvSpPr>
+            <a:spLocks noGrp="1"/>
+          </p:cNvSpPr>
+          <p:nvPr>
+            <p:ph type="title"/>
+          </p:nvPr>
+        </p:nvSpPr>
+        <p:spPr/>
+        <p:txBody>
+          <a:bodyPr/>
+          <a:lstStyle/>
+          <a:p>
+            <a:r>
+              <a:rPr lang="en-US" dirty="0"/>
+              <a:t>Agenda</a:t>
+            </a:r>
+            <a:endParaRPr lang="ru-RU" dirty="0"/>
+          </a:p>
+        </p:txBody>
+      </p:sp>
+      <p:sp>
+        <p:nvSpPr>
+          <p:cNvPr id="3" name="Объект 2">
+            <a:extLst>
+              <a:ext uri="{FF2B5EF4-FFF2-40B4-BE49-F238E27FC236}">
+                <a16:creationId xmlns:a16="http://schemas.microsoft.com/office/drawing/2014/main" id="{15F7CA05-8EB2-4F46-BAD6-7ED34844008F}"/>
+              </a:ext>
+            </a:extLst>
+          </p:cNvPr>
+          <p:cNvSpPr>
+            <a:spLocks noGrp="1"/>
+          </p:cNvSpPr>
+          <p:nvPr>
+            <p:ph idx="1"/>
+          </p:nvPr>
+        </p:nvSpPr>
+        <p:spPr/>
+        <p:txBody>
+          <a:bodyPr/>
+          <a:lstStyle/>
+          <a:p>
+            <a:r>
+              <a:rPr lang="en-US" dirty="0"/>
+              <a:t>Normal type system</a:t>
+            </a:r>
+          </a:p>
+          <a:p>
+            <a:r>
+              <a:rPr lang="en-US" dirty="0"/>
+              <a:t>List’s recursion problem</a:t>
+            </a:r>
+          </a:p>
+          <a:p>
+            <a:r>
+              <a:rPr lang="en-US" dirty="0"/>
+              <a:t>Heterogenous list</a:t>
+            </a:r>
+          </a:p>
+          <a:p>
+            <a:r>
+              <a:rPr lang="en-US" dirty="0" err="1"/>
+              <a:t>Typelevel</a:t>
+            </a:r>
+            <a:r>
+              <a:rPr lang="en-US" dirty="0"/>
+              <a:t> natural numbers</a:t>
+            </a:r>
+          </a:p>
+          <a:p>
+            <a:r>
+              <a:rPr lang="en-US" dirty="0"/>
+              <a:t>Solve list’s recursion problem with </a:t>
+            </a:r>
+            <a:r>
+              <a:rPr lang="en-US" dirty="0" err="1"/>
+              <a:t>Hlist</a:t>
+            </a:r>
+            <a:r>
+              <a:rPr lang="en-US" dirty="0"/>
+              <a:t> and Nat</a:t>
+            </a:r>
+          </a:p>
+          <a:p>
+            <a:r>
+              <a:rPr lang="en-US" dirty="0"/>
+              <a:t>How compiler works</a:t>
+            </a:r>
+          </a:p>
+          <a:p>
+            <a:r>
+              <a:rPr lang="en-US" dirty="0"/>
+              <a:t>Showcase, usage cases</a:t>
+            </a:r>
+            <a:endParaRPr lang="ru-RU" dirty="0"/>
+          </a:p>
+        </p:txBody>
+      </p:sp>
+      <p:sp>
+        <p:nvSpPr>
+          <p:cNvPr id="4" name="Номер слайда 3">
+            <a:extLst>
+              <a:ext uri="{FF2B5EF4-FFF2-40B4-BE49-F238E27FC236}">
+                <a16:creationId xmlns:a16="http://schemas.microsoft.com/office/drawing/2014/main" id="{6CAFEB9B-A169-AA4C-99E2-AD268C4FD9EA}"/>
+              </a:ext>
+            </a:extLst>
+          </p:cNvPr>
+          <p:cNvSpPr>
+            <a:spLocks noGrp="1"/>
+          </p:cNvSpPr>
+          <p:nvPr>
+            <p:ph type="sldNum" sz="quarter" idx="12"/>
+          </p:nvPr>
+        </p:nvSpPr>
+        <p:spPr/>
+        <p:txBody>
+          <a:bodyPr/>
+          <a:lstStyle/>
+          <a:p>
+            <a:fld id="{D57F1E4F-1CFF-5643-939E-217C01CDF565}" type="slidenum">
+              <a:rPr lang="en-US" smtClean="0"/>
+              <a:pPr/>
+              <a:t>2</a:t>
+            </a:fld>
+            <a:endParaRPr lang="en-US" dirty="0"/>
+          </a:p>
+        </p:txBody>
+      </p:sp>
+    </p:spTree>
+    <p:extLst>
+      <p:ext uri="{BB962C8B-B14F-4D97-AF65-F5344CB8AC3E}">
+        <p14:creationId xmlns:p14="http://schemas.microsoft.com/office/powerpoint/2010/main" val="3564063333"/>
+      </p:ext>
+    </p:extLst>
+  </p:cSld>
+  <p:clrMapOvr>
+    <a:masterClrMapping/>
+  </p:clrMapOvr>
+</p:sld>
+</file>
+
+<file path=ppt/slides/slide30.xml><?xml version="1.0" encoding="utf-8"?>
+<p:sld xmlns:a="http://schemas.openxmlformats.org/drawingml/2006/main" xmlns:r="http://schemas.openxmlformats.org/officeDocument/2006/relationships" xmlns:p="http://schemas.openxmlformats.org/presentationml/2006/main">
+  <p:cSld>
+    <p:spTree>
+      <p:nvGrpSpPr>
+        <p:cNvPr id="1" name=""/>
+        <p:cNvGrpSpPr/>
+        <p:nvPr/>
+      </p:nvGrpSpPr>
+      <p:grpSpPr>
+        <a:xfrm>
+          <a:off x="0" y="0"/>
+          <a:ext cx="0" cy="0"/>
+          <a:chOff x="0" y="0"/>
+          <a:chExt cx="0" cy="0"/>
+        </a:xfrm>
+      </p:grpSpPr>
+      <p:sp>
+        <p:nvSpPr>
+          <p:cNvPr id="2" name="Заголовок 1">
+            <a:extLst>
+              <a:ext uri="{FF2B5EF4-FFF2-40B4-BE49-F238E27FC236}">
+                <a16:creationId xmlns:a16="http://schemas.microsoft.com/office/drawing/2014/main" id="{7CC1D426-61BE-9A42-BDB6-4531F74F47AA}"/>
+              </a:ext>
+            </a:extLst>
+          </p:cNvPr>
+          <p:cNvSpPr>
+            <a:spLocks noGrp="1"/>
+          </p:cNvSpPr>
+          <p:nvPr>
+            <p:ph type="title"/>
+          </p:nvPr>
+        </p:nvSpPr>
+        <p:spPr>
+          <a:xfrm>
+            <a:off x="2592925" y="624110"/>
+            <a:ext cx="8911687" cy="674338"/>
+          </a:xfrm>
+        </p:spPr>
+        <p:txBody>
+          <a:bodyPr/>
+          <a:lstStyle/>
+          <a:p>
+            <a:r>
+              <a:rPr lang="en-US" dirty="0"/>
+              <a:t>How do it works</a:t>
+            </a:r>
+            <a:endParaRPr lang="ru-RU" dirty="0"/>
+          </a:p>
+        </p:txBody>
+      </p:sp>
+      <p:sp>
+        <p:nvSpPr>
+          <p:cNvPr id="4" name="Номер слайда 3">
+            <a:extLst>
+              <a:ext uri="{FF2B5EF4-FFF2-40B4-BE49-F238E27FC236}">
+                <a16:creationId xmlns:a16="http://schemas.microsoft.com/office/drawing/2014/main" id="{BD81F356-0552-FF45-A0BC-BE2117031B65}"/>
+              </a:ext>
+            </a:extLst>
+          </p:cNvPr>
+          <p:cNvSpPr>
+            <a:spLocks noGrp="1"/>
+          </p:cNvSpPr>
+          <p:nvPr>
+            <p:ph type="sldNum" sz="quarter" idx="12"/>
+          </p:nvPr>
+        </p:nvSpPr>
+        <p:spPr/>
+        <p:txBody>
+          <a:bodyPr/>
+          <a:lstStyle/>
+          <a:p>
+            <a:fld id="{D57F1E4F-1CFF-5643-939E-217C01CDF565}" type="slidenum">
+              <a:rPr lang="en-US" smtClean="0"/>
+              <a:pPr/>
+              <a:t>29</a:t>
+            </a:fld>
+            <a:endParaRPr lang="en-US" dirty="0"/>
+          </a:p>
+        </p:txBody>
+      </p:sp>
+      <p:pic>
+        <p:nvPicPr>
+          <p:cNvPr id="5" name="Рисунок 4">
+            <a:extLst>
+              <a:ext uri="{FF2B5EF4-FFF2-40B4-BE49-F238E27FC236}">
+                <a16:creationId xmlns:a16="http://schemas.microsoft.com/office/drawing/2014/main" id="{4D233BEB-B5A4-C846-846C-6BA8FCB494A9}"/>
+              </a:ext>
+            </a:extLst>
+          </p:cNvPr>
+          <p:cNvPicPr>
+            <a:picLocks noChangeAspect="1"/>
+          </p:cNvPicPr>
+          <p:nvPr/>
+        </p:nvPicPr>
+        <p:blipFill>
+          <a:blip r:embed="rId2"/>
+          <a:stretch>
+            <a:fillRect/>
+          </a:stretch>
+        </p:blipFill>
+        <p:spPr>
+          <a:xfrm>
+            <a:off x="1311578" y="1298447"/>
+            <a:ext cx="10722077" cy="4341861"/>
+          </a:xfrm>
+          <a:prstGeom prst="rect">
+            <a:avLst/>
+          </a:prstGeom>
+        </p:spPr>
+      </p:pic>
+    </p:spTree>
+    <p:extLst>
+      <p:ext uri="{BB962C8B-B14F-4D97-AF65-F5344CB8AC3E}">
+        <p14:creationId xmlns:p14="http://schemas.microsoft.com/office/powerpoint/2010/main" val="2664400495"/>
+      </p:ext>
+    </p:extLst>
+  </p:cSld>
+  <p:clrMapOvr>
+    <a:masterClrMapping/>
+  </p:clrMapOvr>
+</p:sld>
+</file>
+
+<file path=ppt/slides/slide31.xml><?xml version="1.0" encoding="utf-8"?>
+<p:sld xmlns:a="http://schemas.openxmlformats.org/drawingml/2006/main" xmlns:r="http://schemas.openxmlformats.org/officeDocument/2006/relationships" xmlns:p="http://schemas.openxmlformats.org/presentationml/2006/main">
+  <p:cSld>
+    <p:spTree>
+      <p:nvGrpSpPr>
+        <p:cNvPr id="1" name=""/>
+        <p:cNvGrpSpPr/>
+        <p:nvPr/>
+      </p:nvGrpSpPr>
+      <p:grpSpPr>
+        <a:xfrm>
+          <a:off x="0" y="0"/>
+          <a:ext cx="0" cy="0"/>
+          <a:chOff x="0" y="0"/>
+          <a:chExt cx="0" cy="0"/>
+        </a:xfrm>
+      </p:grpSpPr>
+      <p:sp>
+        <p:nvSpPr>
+          <p:cNvPr id="2" name="Заголовок 1">
+            <a:extLst>
+              <a:ext uri="{FF2B5EF4-FFF2-40B4-BE49-F238E27FC236}">
+                <a16:creationId xmlns:a16="http://schemas.microsoft.com/office/drawing/2014/main" id="{63A470A1-9DC4-934D-9FE0-3CE001F16B70}"/>
+              </a:ext>
+            </a:extLst>
+          </p:cNvPr>
+          <p:cNvSpPr>
+            <a:spLocks noGrp="1"/>
+          </p:cNvSpPr>
+          <p:nvPr>
+            <p:ph type="title"/>
+          </p:nvPr>
+        </p:nvSpPr>
+        <p:spPr/>
+        <p:txBody>
+          <a:bodyPr/>
+          <a:lstStyle/>
+          <a:p>
+            <a:r>
+              <a:rPr lang="en-US" dirty="0"/>
+              <a:t>Use cases</a:t>
+            </a:r>
+            <a:endParaRPr lang="ru-RU" dirty="0"/>
+          </a:p>
+        </p:txBody>
+      </p:sp>
+      <p:sp>
+        <p:nvSpPr>
+          <p:cNvPr id="3" name="Объект 2">
+            <a:extLst>
+              <a:ext uri="{FF2B5EF4-FFF2-40B4-BE49-F238E27FC236}">
+                <a16:creationId xmlns:a16="http://schemas.microsoft.com/office/drawing/2014/main" id="{767048A5-CFAA-2C4E-B02E-BAEF0F99D18E}"/>
+              </a:ext>
+            </a:extLst>
+          </p:cNvPr>
+          <p:cNvSpPr>
+            <a:spLocks noGrp="1"/>
+          </p:cNvSpPr>
+          <p:nvPr>
+            <p:ph idx="1"/>
+          </p:nvPr>
+        </p:nvSpPr>
+        <p:spPr/>
+        <p:txBody>
+          <a:bodyPr>
+            <a:normAutofit fontScale="92500" lnSpcReduction="20000"/>
+          </a:bodyPr>
+          <a:lstStyle/>
+          <a:p>
+            <a:r>
+              <a:rPr lang="en-US" dirty="0"/>
+              <a:t>Derive codecs (as function) to Products, Coproducts</a:t>
+            </a:r>
+          </a:p>
+          <a:p>
+            <a:pPr lvl="1"/>
+            <a:r>
+              <a:rPr lang="en-US" dirty="0"/>
+              <a:t>JSON</a:t>
+            </a:r>
+          </a:p>
+          <a:p>
+            <a:pPr lvl="1"/>
+            <a:r>
+              <a:rPr lang="en-US" dirty="0"/>
+              <a:t>XML</a:t>
+            </a:r>
+          </a:p>
+          <a:p>
+            <a:pPr lvl="1"/>
+            <a:r>
+              <a:rPr lang="en-US" dirty="0"/>
+              <a:t>???</a:t>
+            </a:r>
+          </a:p>
+          <a:p>
+            <a:r>
+              <a:rPr lang="en-US" dirty="0"/>
+              <a:t>Big state’s extractors instead of optics</a:t>
+            </a:r>
+          </a:p>
+          <a:p>
+            <a:r>
+              <a:rPr lang="en-US" dirty="0"/>
+              <a:t>Refine types</a:t>
+            </a:r>
+          </a:p>
+          <a:p>
+            <a:r>
+              <a:rPr lang="en-US" dirty="0"/>
+              <a:t>Deriving DSL</a:t>
+            </a:r>
+          </a:p>
+          <a:p>
+            <a:r>
+              <a:rPr lang="en-US" dirty="0"/>
+              <a:t>Proof systems</a:t>
+            </a:r>
+          </a:p>
+          <a:p>
+            <a:r>
+              <a:rPr lang="en-US" dirty="0"/>
+              <a:t>???</a:t>
+            </a:r>
+          </a:p>
+          <a:p>
+            <a:endParaRPr lang="en-US" dirty="0"/>
+          </a:p>
+          <a:p>
+            <a:pPr marL="0" indent="0">
+              <a:buNone/>
+            </a:pPr>
+            <a:r>
+              <a:rPr lang="en-US" dirty="0"/>
+              <a:t>Note that all of this is </a:t>
+            </a:r>
+            <a:r>
+              <a:rPr lang="en-US" dirty="0" err="1"/>
+              <a:t>kinda</a:t>
+            </a:r>
+            <a:r>
+              <a:rPr lang="en-US" dirty="0"/>
+              <a:t> utility code!</a:t>
+            </a:r>
+          </a:p>
+        </p:txBody>
+      </p:sp>
+      <p:sp>
+        <p:nvSpPr>
+          <p:cNvPr id="4" name="Номер слайда 3">
+            <a:extLst>
+              <a:ext uri="{FF2B5EF4-FFF2-40B4-BE49-F238E27FC236}">
+                <a16:creationId xmlns:a16="http://schemas.microsoft.com/office/drawing/2014/main" id="{9879F597-58A3-4740-99BE-8A98374BACD0}"/>
+              </a:ext>
+            </a:extLst>
+          </p:cNvPr>
+          <p:cNvSpPr>
+            <a:spLocks noGrp="1"/>
+          </p:cNvSpPr>
+          <p:nvPr>
+            <p:ph type="sldNum" sz="quarter" idx="12"/>
+          </p:nvPr>
+        </p:nvSpPr>
+        <p:spPr/>
+        <p:txBody>
+          <a:bodyPr/>
+          <a:lstStyle/>
+          <a:p>
+            <a:fld id="{D57F1E4F-1CFF-5643-939E-217C01CDF565}" type="slidenum">
+              <a:rPr lang="en-US" smtClean="0"/>
+              <a:pPr/>
+              <a:t>30</a:t>
+            </a:fld>
+            <a:endParaRPr lang="en-US" dirty="0"/>
+          </a:p>
+        </p:txBody>
+      </p:sp>
+    </p:spTree>
+    <p:extLst>
+      <p:ext uri="{BB962C8B-B14F-4D97-AF65-F5344CB8AC3E}">
+        <p14:creationId xmlns:p14="http://schemas.microsoft.com/office/powerpoint/2010/main" val="2643850574"/>
+      </p:ext>
+    </p:extLst>
+  </p:cSld>
+  <p:clrMapOvr>
+    <a:masterClrMapping/>
+  </p:clrMapOvr>
+</p:sld>
+</file>
+
+<file path=ppt/slides/slide32.xml><?xml version="1.0" encoding="utf-8"?>
+<p:sld xmlns:a="http://schemas.openxmlformats.org/drawingml/2006/main" xmlns:r="http://schemas.openxmlformats.org/officeDocument/2006/relationships" xmlns:p="http://schemas.openxmlformats.org/presentationml/2006/main">
+  <p:cSld>
+    <p:spTree>
+      <p:nvGrpSpPr>
+        <p:cNvPr id="1" name=""/>
+        <p:cNvGrpSpPr/>
+        <p:nvPr/>
+      </p:nvGrpSpPr>
+      <p:grpSpPr>
+        <a:xfrm>
+          <a:off x="0" y="0"/>
+          <a:ext cx="0" cy="0"/>
+          <a:chOff x="0" y="0"/>
+          <a:chExt cx="0" cy="0"/>
+        </a:xfrm>
+      </p:grpSpPr>
+      <p:sp>
+        <p:nvSpPr>
           <p:cNvPr id="2" name="Номер слайда 1">
             <a:extLst>
               <a:ext uri="{FF2B5EF4-FFF2-40B4-BE49-F238E27FC236}">
@@ -10813,7 +11676,7 @@
             <a:fld id="{D57F1E4F-1CFF-5643-939E-217C01CDF565}" type="slidenum">
               <a:rPr lang="en-US" smtClean="0"/>
               <a:pPr/>
-              <a:t>27</a:t>
+              <a:t>31</a:t>
             </a:fld>
             <a:endParaRPr lang="en-US" dirty="0"/>
           </a:p>
@@ -10899,7 +11762,7 @@
 </p:sld>
 </file>
 
-<file path=ppt/slides/slide3.xml><?xml version="1.0" encoding="utf-8"?>
+<file path=ppt/slides/slide4.xml><?xml version="1.0" encoding="utf-8"?>
 <p:sld xmlns:a="http://schemas.openxmlformats.org/drawingml/2006/main" xmlns:r="http://schemas.openxmlformats.org/officeDocument/2006/relationships" xmlns:p="http://schemas.openxmlformats.org/presentationml/2006/main">
   <p:cSld>
     <p:spTree>
@@ -11066,7 +11929,7 @@
             <a:fld id="{D57F1E4F-1CFF-5643-939E-217C01CDF565}" type="slidenum">
               <a:rPr lang="en-US" smtClean="0"/>
               <a:pPr/>
-              <a:t>2</a:t>
+              <a:t>3</a:t>
             </a:fld>
             <a:endParaRPr lang="en-US" dirty="0"/>
           </a:p>
@@ -11145,7 +12008,7 @@
 </p:sld>
 </file>
 
-<file path=ppt/slides/slide4.xml><?xml version="1.0" encoding="utf-8"?>
+<file path=ppt/slides/slide5.xml><?xml version="1.0" encoding="utf-8"?>
 <p:sld xmlns:a="http://schemas.openxmlformats.org/drawingml/2006/main" xmlns:r="http://schemas.openxmlformats.org/officeDocument/2006/relationships" xmlns:p="http://schemas.openxmlformats.org/presentationml/2006/main">
   <p:cSld>
     <p:spTree>
@@ -11167,6 +12030,189 @@
           <p:cNvPr id="2" name="Заголовок 1">
             <a:extLst>
               <a:ext uri="{FF2B5EF4-FFF2-40B4-BE49-F238E27FC236}">
+                <a16:creationId xmlns:a16="http://schemas.microsoft.com/office/drawing/2014/main" id="{B149D5A9-2D8F-4445-9F83-5EC8BF1AC546}"/>
+              </a:ext>
+            </a:extLst>
+          </p:cNvPr>
+          <p:cNvSpPr>
+            <a:spLocks noGrp="1"/>
+          </p:cNvSpPr>
+          <p:nvPr>
+            <p:ph type="title"/>
+          </p:nvPr>
+        </p:nvSpPr>
+        <p:spPr/>
+        <p:txBody>
+          <a:bodyPr/>
+          <a:lstStyle/>
+          <a:p>
+            <a:r>
+              <a:rPr lang="en-US" dirty="0"/>
+              <a:t>Normal types</a:t>
+            </a:r>
+            <a:endParaRPr lang="ru-RU" dirty="0"/>
+          </a:p>
+        </p:txBody>
+      </p:sp>
+      <p:sp>
+        <p:nvSpPr>
+          <p:cNvPr id="3" name="Объект 2">
+            <a:extLst>
+              <a:ext uri="{FF2B5EF4-FFF2-40B4-BE49-F238E27FC236}">
+                <a16:creationId xmlns:a16="http://schemas.microsoft.com/office/drawing/2014/main" id="{4CEF75D0-50F6-CA47-B857-A66DAFD20AD2}"/>
+              </a:ext>
+            </a:extLst>
+          </p:cNvPr>
+          <p:cNvSpPr>
+            <a:spLocks noGrp="1"/>
+          </p:cNvSpPr>
+          <p:nvPr>
+            <p:ph idx="1"/>
+          </p:nvPr>
+        </p:nvSpPr>
+        <p:spPr/>
+        <p:txBody>
+          <a:bodyPr/>
+          <a:lstStyle/>
+          <a:p>
+            <a:pPr marL="0" indent="0">
+              <a:buNone/>
+            </a:pPr>
+            <a:r>
+              <a:rPr lang="en-US" dirty="0"/>
+              <a:t>Usually type </a:t>
+            </a:r>
+            <a:r>
+              <a:rPr lang="en-US" b="1" dirty="0"/>
+              <a:t>hardwired </a:t>
+            </a:r>
+            <a:r>
+              <a:rPr lang="en-US" dirty="0"/>
+              <a:t>to a value at compile-type and sometimes at runtime.</a:t>
+            </a:r>
+            <a:br>
+              <a:rPr lang="en-US" dirty="0"/>
+            </a:br>
+            <a:r>
+              <a:rPr lang="en-US" dirty="0"/>
+              <a:t> </a:t>
+            </a:r>
+          </a:p>
+          <a:p>
+            <a:pPr marL="0" indent="0">
+              <a:buNone/>
+            </a:pPr>
+            <a:endParaRPr lang="en-US" dirty="0"/>
+          </a:p>
+          <a:p>
+            <a:pPr marL="0" indent="0">
+              <a:buNone/>
+            </a:pPr>
+            <a:endParaRPr lang="en-US" dirty="0"/>
+          </a:p>
+          <a:p>
+            <a:pPr marL="0" indent="0">
+              <a:buNone/>
+            </a:pPr>
+            <a:endParaRPr lang="en-US" dirty="0"/>
+          </a:p>
+        </p:txBody>
+      </p:sp>
+      <p:sp>
+        <p:nvSpPr>
+          <p:cNvPr id="6" name="Номер слайда 5">
+            <a:extLst>
+              <a:ext uri="{FF2B5EF4-FFF2-40B4-BE49-F238E27FC236}">
+                <a16:creationId xmlns:a16="http://schemas.microsoft.com/office/drawing/2014/main" id="{5800134E-2CAA-A443-9FD6-223ED0AF8715}"/>
+              </a:ext>
+            </a:extLst>
+          </p:cNvPr>
+          <p:cNvSpPr>
+            <a:spLocks noGrp="1"/>
+          </p:cNvSpPr>
+          <p:nvPr>
+            <p:ph type="sldNum" sz="quarter" idx="12"/>
+          </p:nvPr>
+        </p:nvSpPr>
+        <p:spPr/>
+        <p:txBody>
+          <a:bodyPr/>
+          <a:lstStyle/>
+          <a:p>
+            <a:fld id="{D57F1E4F-1CFF-5643-939E-217C01CDF565}" type="slidenum">
+              <a:rPr lang="en-US" smtClean="0"/>
+              <a:pPr/>
+              <a:t>4</a:t>
+            </a:fld>
+            <a:endParaRPr lang="en-US" dirty="0"/>
+          </a:p>
+        </p:txBody>
+      </p:sp>
+      <p:pic>
+        <p:nvPicPr>
+          <p:cNvPr id="13" name="Рисунок 12">
+            <a:extLst>
+              <a:ext uri="{FF2B5EF4-FFF2-40B4-BE49-F238E27FC236}">
+                <a16:creationId xmlns:a16="http://schemas.microsoft.com/office/drawing/2014/main" id="{A7574C0B-DA7D-4048-B99B-705C5B70DD43}"/>
+              </a:ext>
+            </a:extLst>
+          </p:cNvPr>
+          <p:cNvPicPr>
+            <a:picLocks noChangeAspect="1"/>
+          </p:cNvPicPr>
+          <p:nvPr/>
+        </p:nvPicPr>
+        <p:blipFill>
+          <a:blip r:embed="rId2"/>
+          <a:stretch>
+            <a:fillRect/>
+          </a:stretch>
+        </p:blipFill>
+        <p:spPr>
+          <a:xfrm>
+            <a:off x="2589212" y="2568702"/>
+            <a:ext cx="2946400" cy="952500"/>
+          </a:xfrm>
+          <a:prstGeom prst="rect">
+            <a:avLst/>
+          </a:prstGeom>
+        </p:spPr>
+      </p:pic>
+    </p:spTree>
+    <p:extLst>
+      <p:ext uri="{BB962C8B-B14F-4D97-AF65-F5344CB8AC3E}">
+        <p14:creationId xmlns:p14="http://schemas.microsoft.com/office/powerpoint/2010/main" val="3546822821"/>
+      </p:ext>
+    </p:extLst>
+  </p:cSld>
+  <p:clrMapOvr>
+    <a:masterClrMapping/>
+  </p:clrMapOvr>
+</p:sld>
+</file>
+
+<file path=ppt/slides/slide6.xml><?xml version="1.0" encoding="utf-8"?>
+<p:sld xmlns:a="http://schemas.openxmlformats.org/drawingml/2006/main" xmlns:r="http://schemas.openxmlformats.org/officeDocument/2006/relationships" xmlns:p="http://schemas.openxmlformats.org/presentationml/2006/main">
+  <p:cSld>
+    <p:spTree>
+      <p:nvGrpSpPr>
+        <p:cNvPr id="1" name=""/>
+        <p:cNvGrpSpPr/>
+        <p:nvPr/>
+      </p:nvGrpSpPr>
+      <p:grpSpPr>
+        <a:xfrm>
+          <a:off x="0" y="0"/>
+          <a:ext cx="0" cy="0"/>
+          <a:chOff x="0" y="0"/>
+          <a:chExt cx="0" cy="0"/>
+        </a:xfrm>
+      </p:grpSpPr>
+      <p:sp>
+        <p:nvSpPr>
+          <p:cNvPr id="2" name="Заголовок 1">
+            <a:extLst>
+              <a:ext uri="{FF2B5EF4-FFF2-40B4-BE49-F238E27FC236}">
                 <a16:creationId xmlns:a16="http://schemas.microsoft.com/office/drawing/2014/main" id="{F47DCE39-6E41-1542-B63B-A3CCF7FD83C7}"/>
               </a:ext>
             </a:extLst>
@@ -11252,7 +12298,7 @@
             <a:fld id="{D57F1E4F-1CFF-5643-939E-217C01CDF565}" type="slidenum">
               <a:rPr lang="en-US" smtClean="0"/>
               <a:pPr/>
-              <a:t>3</a:t>
+              <a:t>5</a:t>
             </a:fld>
             <a:endParaRPr lang="en-US" dirty="0"/>
           </a:p>
@@ -11301,295 +12347,6 @@
 </p:sld>
 </file>
 
-<file path=ppt/slides/slide5.xml><?xml version="1.0" encoding="utf-8"?>
-<p:sld xmlns:a="http://schemas.openxmlformats.org/drawingml/2006/main" xmlns:r="http://schemas.openxmlformats.org/officeDocument/2006/relationships" xmlns:p="http://schemas.openxmlformats.org/presentationml/2006/main">
-  <p:cSld>
-    <p:spTree>
-      <p:nvGrpSpPr>
-        <p:cNvPr id="1" name=""/>
-        <p:cNvGrpSpPr/>
-        <p:nvPr/>
-      </p:nvGrpSpPr>
-      <p:grpSpPr>
-        <a:xfrm>
-          <a:off x="0" y="0"/>
-          <a:ext cx="0" cy="0"/>
-          <a:chOff x="0" y="0"/>
-          <a:chExt cx="0" cy="0"/>
-        </a:xfrm>
-      </p:grpSpPr>
-      <p:sp>
-        <p:nvSpPr>
-          <p:cNvPr id="2" name="Заголовок 1">
-            <a:extLst>
-              <a:ext uri="{FF2B5EF4-FFF2-40B4-BE49-F238E27FC236}">
-                <a16:creationId xmlns:a16="http://schemas.microsoft.com/office/drawing/2014/main" id="{F47DCE39-6E41-1542-B63B-A3CCF7FD83C7}"/>
-              </a:ext>
-            </a:extLst>
-          </p:cNvPr>
-          <p:cNvSpPr>
-            <a:spLocks noGrp="1"/>
-          </p:cNvSpPr>
-          <p:nvPr>
-            <p:ph type="title"/>
-          </p:nvPr>
-        </p:nvSpPr>
-        <p:spPr/>
-        <p:txBody>
-          <a:bodyPr/>
-          <a:lstStyle/>
-          <a:p>
-            <a:r>
-              <a:rPr lang="en-US" dirty="0"/>
-              <a:t>Normal types</a:t>
-            </a:r>
-            <a:endParaRPr lang="ru-RU" dirty="0"/>
-          </a:p>
-        </p:txBody>
-      </p:sp>
-      <p:sp>
-        <p:nvSpPr>
-          <p:cNvPr id="3" name="Объект 2">
-            <a:extLst>
-              <a:ext uri="{FF2B5EF4-FFF2-40B4-BE49-F238E27FC236}">
-                <a16:creationId xmlns:a16="http://schemas.microsoft.com/office/drawing/2014/main" id="{C8EC15D7-6698-EB47-8131-412A67F72C16}"/>
-              </a:ext>
-            </a:extLst>
-          </p:cNvPr>
-          <p:cNvSpPr>
-            <a:spLocks noGrp="1"/>
-          </p:cNvSpPr>
-          <p:nvPr>
-            <p:ph idx="1"/>
-          </p:nvPr>
-        </p:nvSpPr>
-        <p:spPr>
-          <a:xfrm>
-            <a:off x="2589212" y="2133600"/>
-            <a:ext cx="8915400" cy="4047744"/>
-          </a:xfrm>
-        </p:spPr>
-        <p:txBody>
-          <a:bodyPr/>
-          <a:lstStyle/>
-          <a:p>
-            <a:pPr marL="0" indent="0">
-              <a:buNone/>
-            </a:pPr>
-            <a:r>
-              <a:rPr lang="en-US" dirty="0"/>
-              <a:t>Problems:</a:t>
-            </a:r>
-          </a:p>
-          <a:p>
-            <a:pPr>
-              <a:buFont typeface="Wingdings" pitchFamily="2" charset="2"/>
-              <a:buChar char="Ø"/>
-            </a:pPr>
-            <a:r>
-              <a:rPr lang="en-US" dirty="0"/>
-              <a:t>Need to use hand-made functional tail recursive state function</a:t>
-            </a:r>
-          </a:p>
-        </p:txBody>
-      </p:sp>
-      <p:sp>
-        <p:nvSpPr>
-          <p:cNvPr id="4" name="Номер слайда 3">
-            <a:extLst>
-              <a:ext uri="{FF2B5EF4-FFF2-40B4-BE49-F238E27FC236}">
-                <a16:creationId xmlns:a16="http://schemas.microsoft.com/office/drawing/2014/main" id="{C332334C-2400-7E46-BC16-8F1D528B9BAB}"/>
-              </a:ext>
-            </a:extLst>
-          </p:cNvPr>
-          <p:cNvSpPr>
-            <a:spLocks noGrp="1"/>
-          </p:cNvSpPr>
-          <p:nvPr>
-            <p:ph type="sldNum" sz="quarter" idx="12"/>
-          </p:nvPr>
-        </p:nvSpPr>
-        <p:spPr/>
-        <p:txBody>
-          <a:bodyPr/>
-          <a:lstStyle/>
-          <a:p>
-            <a:fld id="{D57F1E4F-1CFF-5643-939E-217C01CDF565}" type="slidenum">
-              <a:rPr lang="en-US" smtClean="0"/>
-              <a:pPr/>
-              <a:t>4</a:t>
-            </a:fld>
-            <a:endParaRPr lang="en-US" dirty="0"/>
-          </a:p>
-        </p:txBody>
-      </p:sp>
-    </p:spTree>
-    <p:extLst>
-      <p:ext uri="{BB962C8B-B14F-4D97-AF65-F5344CB8AC3E}">
-        <p14:creationId xmlns:p14="http://schemas.microsoft.com/office/powerpoint/2010/main" val="759400799"/>
-      </p:ext>
-    </p:extLst>
-  </p:cSld>
-  <p:clrMapOvr>
-    <a:masterClrMapping/>
-  </p:clrMapOvr>
-</p:sld>
-</file>
-
-<file path=ppt/slides/slide6.xml><?xml version="1.0" encoding="utf-8"?>
-<p:sld xmlns:a="http://schemas.openxmlformats.org/drawingml/2006/main" xmlns:r="http://schemas.openxmlformats.org/officeDocument/2006/relationships" xmlns:p="http://schemas.openxmlformats.org/presentationml/2006/main">
-  <p:cSld>
-    <p:spTree>
-      <p:nvGrpSpPr>
-        <p:cNvPr id="1" name=""/>
-        <p:cNvGrpSpPr/>
-        <p:nvPr/>
-      </p:nvGrpSpPr>
-      <p:grpSpPr>
-        <a:xfrm>
-          <a:off x="0" y="0"/>
-          <a:ext cx="0" cy="0"/>
-          <a:chOff x="0" y="0"/>
-          <a:chExt cx="0" cy="0"/>
-        </a:xfrm>
-      </p:grpSpPr>
-      <p:sp>
-        <p:nvSpPr>
-          <p:cNvPr id="2" name="Заголовок 1">
-            <a:extLst>
-              <a:ext uri="{FF2B5EF4-FFF2-40B4-BE49-F238E27FC236}">
-                <a16:creationId xmlns:a16="http://schemas.microsoft.com/office/drawing/2014/main" id="{F47DCE39-6E41-1542-B63B-A3CCF7FD83C7}"/>
-              </a:ext>
-            </a:extLst>
-          </p:cNvPr>
-          <p:cNvSpPr>
-            <a:spLocks noGrp="1"/>
-          </p:cNvSpPr>
-          <p:nvPr>
-            <p:ph type="title"/>
-          </p:nvPr>
-        </p:nvSpPr>
-        <p:spPr/>
-        <p:txBody>
-          <a:bodyPr/>
-          <a:lstStyle/>
-          <a:p>
-            <a:r>
-              <a:rPr lang="en-US" dirty="0"/>
-              <a:t>Normal types</a:t>
-            </a:r>
-            <a:endParaRPr lang="ru-RU" dirty="0"/>
-          </a:p>
-        </p:txBody>
-      </p:sp>
-      <p:sp>
-        <p:nvSpPr>
-          <p:cNvPr id="3" name="Объект 2">
-            <a:extLst>
-              <a:ext uri="{FF2B5EF4-FFF2-40B4-BE49-F238E27FC236}">
-                <a16:creationId xmlns:a16="http://schemas.microsoft.com/office/drawing/2014/main" id="{C8EC15D7-6698-EB47-8131-412A67F72C16}"/>
-              </a:ext>
-            </a:extLst>
-          </p:cNvPr>
-          <p:cNvSpPr>
-            <a:spLocks noGrp="1"/>
-          </p:cNvSpPr>
-          <p:nvPr>
-            <p:ph idx="1"/>
-          </p:nvPr>
-        </p:nvSpPr>
-        <p:spPr>
-          <a:xfrm>
-            <a:off x="2589212" y="2133600"/>
-            <a:ext cx="8915400" cy="4047744"/>
-          </a:xfrm>
-        </p:spPr>
-        <p:txBody>
-          <a:bodyPr/>
-          <a:lstStyle/>
-          <a:p>
-            <a:pPr marL="0" indent="0">
-              <a:buNone/>
-            </a:pPr>
-            <a:r>
-              <a:rPr lang="en-US" dirty="0"/>
-              <a:t>Problems:</a:t>
-            </a:r>
-          </a:p>
-          <a:p>
-            <a:pPr>
-              <a:buFont typeface="Wingdings" pitchFamily="2" charset="2"/>
-              <a:buChar char="Ø"/>
-            </a:pPr>
-            <a:r>
-              <a:rPr lang="en-US" dirty="0"/>
-              <a:t>Need to use hand-made functional tail recursive state function</a:t>
-            </a:r>
-          </a:p>
-          <a:p>
-            <a:pPr>
-              <a:buFont typeface="Wingdings" pitchFamily="2" charset="2"/>
-              <a:buChar char="Ø"/>
-            </a:pPr>
-            <a:r>
-              <a:rPr lang="en-US" dirty="0"/>
-              <a:t>…Because of </a:t>
-            </a:r>
-            <a:r>
-              <a:rPr lang="en-US" dirty="0" err="1"/>
-              <a:t>foldLeft</a:t>
-            </a:r>
-            <a:r>
-              <a:rPr lang="en-US" dirty="0"/>
-              <a:t> every time pass over all the elements</a:t>
-            </a:r>
-            <a:endParaRPr lang="ru-RU" dirty="0"/>
-          </a:p>
-        </p:txBody>
-      </p:sp>
-      <p:sp>
-        <p:nvSpPr>
-          <p:cNvPr id="4" name="Номер слайда 3">
-            <a:extLst>
-              <a:ext uri="{FF2B5EF4-FFF2-40B4-BE49-F238E27FC236}">
-                <a16:creationId xmlns:a16="http://schemas.microsoft.com/office/drawing/2014/main" id="{C332334C-2400-7E46-BC16-8F1D528B9BAB}"/>
-              </a:ext>
-            </a:extLst>
-          </p:cNvPr>
-          <p:cNvSpPr>
-            <a:spLocks noGrp="1"/>
-          </p:cNvSpPr>
-          <p:nvPr>
-            <p:ph type="sldNum" sz="quarter" idx="12"/>
-          </p:nvPr>
-        </p:nvSpPr>
-        <p:spPr/>
-        <p:txBody>
-          <a:bodyPr/>
-          <a:lstStyle/>
-          <a:p>
-            <a:fld id="{D57F1E4F-1CFF-5643-939E-217C01CDF565}" type="slidenum">
-              <a:rPr lang="en-US" smtClean="0"/>
-              <a:pPr/>
-              <a:t>5</a:t>
-            </a:fld>
-            <a:endParaRPr lang="en-US" dirty="0"/>
-          </a:p>
-        </p:txBody>
-      </p:sp>
-    </p:spTree>
-    <p:extLst>
-      <p:ext uri="{BB962C8B-B14F-4D97-AF65-F5344CB8AC3E}">
-        <p14:creationId xmlns:p14="http://schemas.microsoft.com/office/powerpoint/2010/main" val="1060245447"/>
-      </p:ext>
-    </p:extLst>
-  </p:cSld>
-  <p:clrMapOvr>
-    <a:masterClrMapping/>
-  </p:clrMapOvr>
-</p:sld>
-</file>
-
 <file path=ppt/slides/slide7.xml><?xml version="1.0" encoding="utf-8"?>
 <p:sld xmlns:a="http://schemas.openxmlformats.org/drawingml/2006/main" xmlns:r="http://schemas.openxmlformats.org/officeDocument/2006/relationships" xmlns:p="http://schemas.openxmlformats.org/presentationml/2006/main">
   <p:cSld>
@@ -11680,35 +12437,6 @@
               <a:t>Need to use hand-made functional tail recursive state function</a:t>
             </a:r>
           </a:p>
-          <a:p>
-            <a:pPr>
-              <a:buFont typeface="Wingdings" pitchFamily="2" charset="2"/>
-              <a:buChar char="Ø"/>
-            </a:pPr>
-            <a:r>
-              <a:rPr lang="en-US" dirty="0"/>
-              <a:t>…Because of </a:t>
-            </a:r>
-            <a:r>
-              <a:rPr lang="en-US" dirty="0" err="1"/>
-              <a:t>foldLeft</a:t>
-            </a:r>
-            <a:r>
-              <a:rPr lang="en-US" dirty="0"/>
-              <a:t> every time pass over all the elements</a:t>
-            </a:r>
-          </a:p>
-          <a:p>
-            <a:pPr>
-              <a:buFont typeface="Wingdings" pitchFamily="2" charset="2"/>
-              <a:buChar char="Ø"/>
-            </a:pPr>
-            <a:r>
-              <a:rPr lang="en-US" dirty="0"/>
-              <a:t>...But it also had an overhead</a:t>
-            </a:r>
-            <a:endParaRPr lang="ru-RU" dirty="0"/>
-          </a:p>
         </p:txBody>
       </p:sp>
       <p:sp>
@@ -11744,7 +12472,7 @@
     </p:spTree>
     <p:extLst>
       <p:ext uri="{BB962C8B-B14F-4D97-AF65-F5344CB8AC3E}">
-        <p14:creationId xmlns:p14="http://schemas.microsoft.com/office/powerpoint/2010/main" val="1513808495"/>
+        <p14:creationId xmlns:p14="http://schemas.microsoft.com/office/powerpoint/2010/main" val="759400799"/>
       </p:ext>
     </p:extLst>
   </p:cSld>
@@ -11859,35 +12587,7 @@
             </a:r>
             <a:r>
               <a:rPr lang="en-US" dirty="0"/>
-              <a:t> every time pass over all the elements</a:t>
-            </a:r>
-          </a:p>
-          <a:p>
-            <a:pPr>
-              <a:buFont typeface="Wingdings" pitchFamily="2" charset="2"/>
-              <a:buChar char="Ø"/>
-            </a:pPr>
-            <a:r>
-              <a:rPr lang="en-US" dirty="0"/>
-              <a:t>...But it also had an overhead</a:t>
-            </a:r>
-          </a:p>
-          <a:p>
-            <a:pPr>
-              <a:buFont typeface="Wingdings" pitchFamily="2" charset="2"/>
-              <a:buChar char="Ø"/>
-            </a:pPr>
-            <a:r>
-              <a:rPr lang="en-US" dirty="0"/>
-              <a:t>Don’t refine </a:t>
-            </a:r>
-            <a:r>
-              <a:rPr lang="en-US" dirty="0" err="1"/>
-              <a:t>int</a:t>
-            </a:r>
-            <a:r>
-              <a:rPr lang="en-US" dirty="0"/>
-              <a:t> value during the compile-time</a:t>
+              <a:t> every time pass over all elements</a:t>
             </a:r>
             <a:endParaRPr lang="ru-RU" dirty="0"/>
           </a:p>
@@ -11926,7 +12626,7 @@
     </p:spTree>
     <p:extLst>
       <p:ext uri="{BB962C8B-B14F-4D97-AF65-F5344CB8AC3E}">
-        <p14:creationId xmlns:p14="http://schemas.microsoft.com/office/powerpoint/2010/main" val="1971606740"/>
+        <p14:creationId xmlns:p14="http://schemas.microsoft.com/office/powerpoint/2010/main" val="1060245447"/>
       </p:ext>
     </p:extLst>
   </p:cSld>
@@ -12041,7 +12741,7 @@
             </a:r>
             <a:r>
               <a:rPr lang="en-US" dirty="0"/>
-              <a:t> every time pass over all the elements</a:t>
+              <a:t> every time pass over all elements</a:t>
             </a:r>
           </a:p>
           <a:p>
@@ -12052,34 +12752,6 @@
             <a:r>
               <a:rPr lang="en-US" dirty="0"/>
               <a:t>...But it also had an overhead</a:t>
-            </a:r>
-          </a:p>
-          <a:p>
-            <a:pPr>
-              <a:buFont typeface="Wingdings" pitchFamily="2" charset="2"/>
-              <a:buChar char="Ø"/>
-            </a:pPr>
-            <a:r>
-              <a:rPr lang="en-US" dirty="0"/>
-              <a:t>Don’t refine </a:t>
-            </a:r>
-            <a:r>
-              <a:rPr lang="en-US" dirty="0" err="1"/>
-              <a:t>int</a:t>
-            </a:r>
-            <a:r>
-              <a:rPr lang="en-US" dirty="0"/>
-              <a:t> value during the compile-time</a:t>
-            </a:r>
-          </a:p>
-          <a:p>
-            <a:pPr>
-              <a:buFont typeface="Wingdings" pitchFamily="2" charset="2"/>
-              <a:buChar char="Ø"/>
-            </a:pPr>
-            <a:r>
-              <a:rPr lang="en-US" dirty="0"/>
-              <a:t>A lot of unsafe code</a:t>
             </a:r>
             <a:endParaRPr lang="ru-RU" dirty="0"/>
           </a:p>
@@ -12118,7 +12790,7 @@
     </p:spTree>
     <p:extLst>
       <p:ext uri="{BB962C8B-B14F-4D97-AF65-F5344CB8AC3E}">
-        <p14:creationId xmlns:p14="http://schemas.microsoft.com/office/powerpoint/2010/main" val="3934525657"/>
+        <p14:creationId xmlns:p14="http://schemas.microsoft.com/office/powerpoint/2010/main" val="1513808495"/>
       </p:ext>
     </p:extLst>
   </p:cSld>

--- a/4-03-20-pdt/PDT_intro.pptx
+++ b/4-03-20-pdt/PDT_intro.pptx
@@ -5,41 +5,40 @@
     <p:sldMasterId id="2147483648" r:id="rId1"/>
   </p:sldMasterIdLst>
   <p:notesMasterIdLst>
-    <p:notesMasterId r:id="rId34"/>
+    <p:notesMasterId r:id="rId33"/>
   </p:notesMasterIdLst>
   <p:sldIdLst>
     <p:sldId id="256" r:id="rId2"/>
-    <p:sldId id="258" r:id="rId3"/>
-    <p:sldId id="286" r:id="rId4"/>
+    <p:sldId id="286" r:id="rId3"/>
+    <p:sldId id="287" r:id="rId4"/>
     <p:sldId id="259" r:id="rId5"/>
-    <p:sldId id="287" r:id="rId6"/>
-    <p:sldId id="260" r:id="rId7"/>
-    <p:sldId id="261" r:id="rId8"/>
-    <p:sldId id="264" r:id="rId9"/>
-    <p:sldId id="263" r:id="rId10"/>
-    <p:sldId id="262" r:id="rId11"/>
-    <p:sldId id="265" r:id="rId12"/>
-    <p:sldId id="267" r:id="rId13"/>
-    <p:sldId id="266" r:id="rId14"/>
-    <p:sldId id="268" r:id="rId15"/>
-    <p:sldId id="269" r:id="rId16"/>
-    <p:sldId id="270" r:id="rId17"/>
-    <p:sldId id="271" r:id="rId18"/>
-    <p:sldId id="272" r:id="rId19"/>
-    <p:sldId id="273" r:id="rId20"/>
-    <p:sldId id="274" r:id="rId21"/>
-    <p:sldId id="275" r:id="rId22"/>
-    <p:sldId id="276" r:id="rId23"/>
-    <p:sldId id="277" r:id="rId24"/>
-    <p:sldId id="278" r:id="rId25"/>
-    <p:sldId id="279" r:id="rId26"/>
-    <p:sldId id="280" r:id="rId27"/>
-    <p:sldId id="281" r:id="rId28"/>
-    <p:sldId id="282" r:id="rId29"/>
-    <p:sldId id="283" r:id="rId30"/>
-    <p:sldId id="289" r:id="rId31"/>
-    <p:sldId id="288" r:id="rId32"/>
-    <p:sldId id="285" r:id="rId33"/>
+    <p:sldId id="260" r:id="rId6"/>
+    <p:sldId id="266" r:id="rId7"/>
+    <p:sldId id="268" r:id="rId8"/>
+    <p:sldId id="261" r:id="rId9"/>
+    <p:sldId id="264" r:id="rId10"/>
+    <p:sldId id="263" r:id="rId11"/>
+    <p:sldId id="262" r:id="rId12"/>
+    <p:sldId id="265" r:id="rId13"/>
+    <p:sldId id="267" r:id="rId14"/>
+    <p:sldId id="269" r:id="rId15"/>
+    <p:sldId id="270" r:id="rId16"/>
+    <p:sldId id="271" r:id="rId17"/>
+    <p:sldId id="272" r:id="rId18"/>
+    <p:sldId id="273" r:id="rId19"/>
+    <p:sldId id="274" r:id="rId20"/>
+    <p:sldId id="275" r:id="rId21"/>
+    <p:sldId id="276" r:id="rId22"/>
+    <p:sldId id="277" r:id="rId23"/>
+    <p:sldId id="278" r:id="rId24"/>
+    <p:sldId id="279" r:id="rId25"/>
+    <p:sldId id="280" r:id="rId26"/>
+    <p:sldId id="281" r:id="rId27"/>
+    <p:sldId id="282" r:id="rId28"/>
+    <p:sldId id="283" r:id="rId29"/>
+    <p:sldId id="289" r:id="rId30"/>
+    <p:sldId id="288" r:id="rId31"/>
+    <p:sldId id="285" r:id="rId32"/>
   </p:sldIdLst>
   <p:sldSz cx="12192000" cy="6858000"/>
   <p:notesSz cx="6858000" cy="9144000"/>
@@ -228,7 +227,7 @@
           <a:p>
             <a:fld id="{D0829DCB-494B-3041-B3C3-626702083875}" type="datetimeFigureOut">
               <a:rPr lang="ru-RU" smtClean="0"/>
-              <a:t>04.03.2020</a:t>
+              <a:t>05.03.2020</a:t>
             </a:fld>
             <a:endParaRPr lang="ru-RU"/>
           </a:p>
@@ -658,7 +657,7 @@
           <a:p>
             <a:fld id="{26D2451A-DF31-0841-89A6-24F1F4C2E144}" type="datetime1">
               <a:rPr lang="ru-RU" smtClean="0"/>
-              <a:t>04.03.2020</a:t>
+              <a:t>05.03.2020</a:t>
             </a:fld>
             <a:endParaRPr lang="en-US" dirty="0"/>
           </a:p>
@@ -1001,7 +1000,7 @@
           <a:p>
             <a:fld id="{3B8CB02A-42E7-4A49-B024-C9830D88DBE1}" type="datetime1">
               <a:rPr lang="ru-RU" smtClean="0"/>
-              <a:t>04.03.2020</a:t>
+              <a:t>05.03.2020</a:t>
             </a:fld>
             <a:endParaRPr lang="en-US" dirty="0"/>
           </a:p>
@@ -1412,7 +1411,7 @@
           <a:p>
             <a:fld id="{23A03289-FFBD-104B-9560-467CC53EBBCB}" type="datetime1">
               <a:rPr lang="ru-RU" smtClean="0"/>
-              <a:t>04.03.2020</a:t>
+              <a:t>05.03.2020</a:t>
             </a:fld>
             <a:endParaRPr lang="en-US" dirty="0"/>
           </a:p>
@@ -1753,7 +1752,7 @@
           <a:p>
             <a:fld id="{7469E9FC-36BE-7847-9BAD-96A3ACDBFF79}" type="datetime1">
               <a:rPr lang="ru-RU" smtClean="0"/>
-              <a:t>04.03.2020</a:t>
+              <a:t>05.03.2020</a:t>
             </a:fld>
             <a:endParaRPr lang="en-US" dirty="0"/>
           </a:p>
@@ -2083,7 +2082,7 @@
           <a:p>
             <a:fld id="{AACC781C-D40D-7C48-8C31-5725D12112FC}" type="datetime1">
               <a:rPr lang="ru-RU" smtClean="0"/>
-              <a:t>04.03.2020</a:t>
+              <a:t>05.03.2020</a:t>
             </a:fld>
             <a:endParaRPr lang="en-US" dirty="0"/>
           </a:p>
@@ -2489,7 +2488,7 @@
           <a:p>
             <a:fld id="{84F5C8A0-78A9-D148-AF79-F39605299397}" type="datetime1">
               <a:rPr lang="ru-RU" smtClean="0"/>
-              <a:t>04.03.2020</a:t>
+              <a:t>05.03.2020</a:t>
             </a:fld>
             <a:endParaRPr lang="en-US" dirty="0"/>
           </a:p>
@@ -2722,7 +2721,7 @@
           <a:p>
             <a:fld id="{3BB23D3F-B32B-F746-83E2-B9EB958C73F0}" type="datetime1">
               <a:rPr lang="ru-RU" smtClean="0"/>
-              <a:t>04.03.2020</a:t>
+              <a:t>05.03.2020</a:t>
             </a:fld>
             <a:endParaRPr lang="en-US" dirty="0"/>
           </a:p>
@@ -2960,7 +2959,7 @@
           <a:p>
             <a:fld id="{BF277BBF-C99A-254E-869A-3220FAB38B31}" type="datetime1">
               <a:rPr lang="ru-RU" smtClean="0"/>
-              <a:t>04.03.2020</a:t>
+              <a:t>05.03.2020</a:t>
             </a:fld>
             <a:endParaRPr lang="en-US" dirty="0"/>
           </a:p>
@@ -3198,7 +3197,7 @@
           <a:p>
             <a:fld id="{DB687358-A4A8-8441-8CFE-26B8BCDE6A69}" type="datetime1">
               <a:rPr lang="ru-RU" smtClean="0"/>
-              <a:t>04.03.2020</a:t>
+              <a:t>05.03.2020</a:t>
             </a:fld>
             <a:endParaRPr lang="en-US" dirty="0"/>
           </a:p>
@@ -3532,7 +3531,7 @@
           <a:p>
             <a:fld id="{554B4403-C8B8-BA43-B9D3-A69D190AB1DF}" type="datetime1">
               <a:rPr lang="ru-RU" smtClean="0"/>
-              <a:t>04.03.2020</a:t>
+              <a:t>05.03.2020</a:t>
             </a:fld>
             <a:endParaRPr lang="en-US" dirty="0"/>
           </a:p>
@@ -3807,7 +3806,7 @@
           <a:p>
             <a:fld id="{B462CCC6-65DC-AC42-A3BF-CF80A4B841BF}" type="datetime1">
               <a:rPr lang="ru-RU" smtClean="0"/>
-              <a:t>04.03.2020</a:t>
+              <a:t>05.03.2020</a:t>
             </a:fld>
             <a:endParaRPr lang="en-US" dirty="0"/>
           </a:p>
@@ -4226,7 +4225,7 @@
           <a:p>
             <a:fld id="{9E6E9F71-8FDE-984B-8CEB-2D8AA0FE4AAF}" type="datetime1">
               <a:rPr lang="ru-RU" smtClean="0"/>
-              <a:t>04.03.2020</a:t>
+              <a:t>05.03.2020</a:t>
             </a:fld>
             <a:endParaRPr lang="en-US" dirty="0"/>
           </a:p>
@@ -4431,7 +4430,7 @@
           <a:p>
             <a:fld id="{96C82F84-508F-C447-B2A0-420D89F1F068}" type="datetime1">
               <a:rPr lang="ru-RU" smtClean="0"/>
-              <a:t>04.03.2020</a:t>
+              <a:t>05.03.2020</a:t>
             </a:fld>
             <a:endParaRPr lang="en-US" dirty="0"/>
           </a:p>
@@ -4608,7 +4607,7 @@
           <a:p>
             <a:fld id="{036E06CD-AFED-8D42-97CC-9AB085700ACD}" type="datetime1">
               <a:rPr lang="ru-RU" smtClean="0"/>
-              <a:t>04.03.2020</a:t>
+              <a:t>05.03.2020</a:t>
             </a:fld>
             <a:endParaRPr lang="en-US" dirty="0"/>
           </a:p>
@@ -4922,7 +4921,7 @@
           <a:p>
             <a:fld id="{3FDC37AD-F2E0-2749-B3EC-203F7622504E}" type="datetime1">
               <a:rPr lang="ru-RU" smtClean="0"/>
-              <a:t>04.03.2020</a:t>
+              <a:t>05.03.2020</a:t>
             </a:fld>
             <a:endParaRPr lang="en-US" dirty="0"/>
           </a:p>
@@ -5272,7 +5271,7 @@
           <a:p>
             <a:fld id="{4E680742-2484-E042-A058-2E5C26E2454F}" type="datetime1">
               <a:rPr lang="ru-RU" smtClean="0"/>
-              <a:t>04.03.2020</a:t>
+              <a:t>05.03.2020</a:t>
             </a:fld>
             <a:endParaRPr lang="en-US" dirty="0"/>
           </a:p>
@@ -7365,7 +7364,7 @@
           <a:p>
             <a:fld id="{7BB3C584-838A-6145-8DDA-ABD68E665C3F}" type="datetime1">
               <a:rPr lang="ru-RU" smtClean="0"/>
-              <a:t>04.03.2020</a:t>
+              <a:t>05.03.2020</a:t>
             </a:fld>
             <a:endParaRPr lang="en-US" dirty="0"/>
           </a:p>
@@ -8096,24 +8095,6 @@
               <a:rPr lang="en-US" dirty="0"/>
               <a:t>...But it also had an overhead</a:t>
             </a:r>
-          </a:p>
-          <a:p>
-            <a:pPr>
-              <a:buFont typeface="Wingdings" pitchFamily="2" charset="2"/>
-              <a:buChar char="Ø"/>
-            </a:pPr>
-            <a:r>
-              <a:rPr lang="en-US" dirty="0"/>
-              <a:t>Don’t refine </a:t>
-            </a:r>
-            <a:r>
-              <a:rPr lang="en-US" dirty="0" err="1"/>
-              <a:t>int</a:t>
-            </a:r>
-            <a:r>
-              <a:rPr lang="en-US" dirty="0"/>
-              <a:t> value during the compile-time</a:t>
-            </a:r>
             <a:endParaRPr lang="ru-RU" dirty="0"/>
           </a:p>
         </p:txBody>
@@ -8151,7 +8132,7 @@
     </p:spTree>
     <p:extLst>
       <p:ext uri="{BB962C8B-B14F-4D97-AF65-F5344CB8AC3E}">
-        <p14:creationId xmlns:p14="http://schemas.microsoft.com/office/powerpoint/2010/main" val="1971606740"/>
+        <p14:creationId xmlns:p14="http://schemas.microsoft.com/office/powerpoint/2010/main" val="1513808495"/>
       </p:ext>
     </p:extLst>
   </p:cSld>
@@ -8296,16 +8277,6 @@
               <a:rPr lang="en-US" dirty="0"/>
               <a:t> value during the compile-time</a:t>
             </a:r>
-          </a:p>
-          <a:p>
-            <a:pPr>
-              <a:buFont typeface="Wingdings" pitchFamily="2" charset="2"/>
-              <a:buChar char="Ø"/>
-            </a:pPr>
-            <a:r>
-              <a:rPr lang="en-US" dirty="0"/>
-              <a:t>A lot of unsafe code</a:t>
-            </a:r>
             <a:endParaRPr lang="ru-RU" dirty="0"/>
           </a:p>
         </p:txBody>
@@ -8343,7 +8314,7 @@
     </p:spTree>
     <p:extLst>
       <p:ext uri="{BB962C8B-B14F-4D97-AF65-F5344CB8AC3E}">
-        <p14:creationId xmlns:p14="http://schemas.microsoft.com/office/powerpoint/2010/main" val="3934525657"/>
+        <p14:creationId xmlns:p14="http://schemas.microsoft.com/office/powerpoint/2010/main" val="1971606740"/>
       </p:ext>
     </p:extLst>
   </p:cSld>
@@ -8498,16 +8469,6 @@
               <a:rPr lang="en-US" dirty="0"/>
               <a:t>A lot of unsafe code</a:t>
             </a:r>
-          </a:p>
-          <a:p>
-            <a:pPr>
-              <a:buFont typeface="Wingdings" pitchFamily="2" charset="2"/>
-              <a:buChar char="Ø"/>
-            </a:pPr>
-            <a:r>
-              <a:rPr lang="en-US" dirty="0"/>
-              <a:t>Possible infinite recursion…</a:t>
-            </a:r>
             <a:endParaRPr lang="ru-RU" dirty="0"/>
           </a:p>
         </p:txBody>
@@ -8545,7 +8506,7 @@
     </p:spTree>
     <p:extLst>
       <p:ext uri="{BB962C8B-B14F-4D97-AF65-F5344CB8AC3E}">
-        <p14:creationId xmlns:p14="http://schemas.microsoft.com/office/powerpoint/2010/main" val="166497131"/>
+        <p14:creationId xmlns:p14="http://schemas.microsoft.com/office/powerpoint/2010/main" val="3934525657"/>
       </p:ext>
     </p:extLst>
   </p:cSld>
@@ -8620,7 +8581,7 @@
         <p:spPr>
           <a:xfrm>
             <a:off x="2589212" y="2133600"/>
-            <a:ext cx="8915400" cy="426720"/>
+            <a:ext cx="8915400" cy="4047744"/>
           </a:xfrm>
         </p:spPr>
         <p:txBody>
@@ -8632,7 +8593,83 @@
             </a:pPr>
             <a:r>
               <a:rPr lang="en-US" dirty="0"/>
-              <a:t>“Safe solution”</a:t>
+              <a:t>Problems:</a:t>
+            </a:r>
+          </a:p>
+          <a:p>
+            <a:pPr>
+              <a:buFont typeface="Wingdings" pitchFamily="2" charset="2"/>
+              <a:buChar char="Ø"/>
+            </a:pPr>
+            <a:r>
+              <a:rPr lang="en-US" dirty="0"/>
+              <a:t>Need to use hand-made functional tail recursive state function</a:t>
+            </a:r>
+          </a:p>
+          <a:p>
+            <a:pPr>
+              <a:buFont typeface="Wingdings" pitchFamily="2" charset="2"/>
+              <a:buChar char="Ø"/>
+            </a:pPr>
+            <a:r>
+              <a:rPr lang="en-US" dirty="0"/>
+              <a:t>…Because of </a:t>
+            </a:r>
+            <a:r>
+              <a:rPr lang="en-US" dirty="0" err="1"/>
+              <a:t>foldLeft</a:t>
+            </a:r>
+            <a:r>
+              <a:rPr lang="en-US" dirty="0"/>
+              <a:t> every time pass over all elements</a:t>
+            </a:r>
+          </a:p>
+          <a:p>
+            <a:pPr>
+              <a:buFont typeface="Wingdings" pitchFamily="2" charset="2"/>
+              <a:buChar char="Ø"/>
+            </a:pPr>
+            <a:r>
+              <a:rPr lang="en-US" dirty="0"/>
+              <a:t>...But it also had an overhead</a:t>
+            </a:r>
+          </a:p>
+          <a:p>
+            <a:pPr>
+              <a:buFont typeface="Wingdings" pitchFamily="2" charset="2"/>
+              <a:buChar char="Ø"/>
+            </a:pPr>
+            <a:r>
+              <a:rPr lang="en-US" dirty="0"/>
+              <a:t>Don’t refine </a:t>
+            </a:r>
+            <a:r>
+              <a:rPr lang="en-US" dirty="0" err="1"/>
+              <a:t>int</a:t>
+            </a:r>
+            <a:r>
+              <a:rPr lang="en-US" dirty="0"/>
+              <a:t> value during the compile-time</a:t>
+            </a:r>
+          </a:p>
+          <a:p>
+            <a:pPr>
+              <a:buFont typeface="Wingdings" pitchFamily="2" charset="2"/>
+              <a:buChar char="Ø"/>
+            </a:pPr>
+            <a:r>
+              <a:rPr lang="en-US" dirty="0"/>
+              <a:t>A lot of unsafe code</a:t>
+            </a:r>
+          </a:p>
+          <a:p>
+            <a:pPr>
+              <a:buFont typeface="Wingdings" pitchFamily="2" charset="2"/>
+              <a:buChar char="Ø"/>
+            </a:pPr>
+            <a:r>
+              <a:rPr lang="en-US" dirty="0"/>
+              <a:t>Possible infinite recursion…</a:t>
             </a:r>
             <a:endParaRPr lang="ru-RU" dirty="0"/>
           </a:p>
@@ -8668,40 +8705,10 @@
           </a:p>
         </p:txBody>
       </p:sp>
-      <p:pic>
-        <p:nvPicPr>
-          <p:cNvPr id="6" name="Рисунок 5">
-            <a:extLst>
-              <a:ext uri="{FF2B5EF4-FFF2-40B4-BE49-F238E27FC236}">
-                <a16:creationId xmlns:a16="http://schemas.microsoft.com/office/drawing/2014/main" id="{AA1305CA-18AD-2B48-8671-C7D3BB51C267}"/>
-              </a:ext>
-            </a:extLst>
-          </p:cNvPr>
-          <p:cNvPicPr>
-            <a:picLocks noChangeAspect="1"/>
-          </p:cNvPicPr>
-          <p:nvPr/>
-        </p:nvPicPr>
-        <p:blipFill>
-          <a:blip r:embed="rId2"/>
-          <a:stretch>
-            <a:fillRect/>
-          </a:stretch>
-        </p:blipFill>
-        <p:spPr>
-          <a:xfrm>
-            <a:off x="2589212" y="2560320"/>
-            <a:ext cx="8280400" cy="4025900"/>
-          </a:xfrm>
-          <a:prstGeom prst="rect">
-            <a:avLst/>
-          </a:prstGeom>
-        </p:spPr>
-      </p:pic>
     </p:spTree>
     <p:extLst>
       <p:ext uri="{BB962C8B-B14F-4D97-AF65-F5344CB8AC3E}">
-        <p14:creationId xmlns:p14="http://schemas.microsoft.com/office/powerpoint/2010/main" val="1820289220"/>
+        <p14:creationId xmlns:p14="http://schemas.microsoft.com/office/powerpoint/2010/main" val="166497131"/>
       </p:ext>
     </p:extLst>
   </p:cSld>
@@ -8733,7 +8740,7 @@
           <p:cNvPr id="2" name="Заголовок 1">
             <a:extLst>
               <a:ext uri="{FF2B5EF4-FFF2-40B4-BE49-F238E27FC236}">
-                <a16:creationId xmlns:a16="http://schemas.microsoft.com/office/drawing/2014/main" id="{F47DCE39-6E41-1542-B63B-A3CCF7FD83C7}"/>
+                <a16:creationId xmlns:a16="http://schemas.microsoft.com/office/drawing/2014/main" id="{5C7AAD9B-F79C-F642-868B-66A214010D6E}"/>
               </a:ext>
             </a:extLst>
           </p:cNvPr>
@@ -8751,7 +8758,7 @@
           <a:p>
             <a:r>
               <a:rPr lang="en-US" dirty="0"/>
-              <a:t>Normal types</a:t>
+              <a:t>Heterogenous List</a:t>
             </a:r>
             <a:endParaRPr lang="ru-RU" dirty="0"/>
           </a:p>
@@ -8762,7 +8769,7 @@
           <p:cNvPr id="3" name="Объект 2">
             <a:extLst>
               <a:ext uri="{FF2B5EF4-FFF2-40B4-BE49-F238E27FC236}">
-                <a16:creationId xmlns:a16="http://schemas.microsoft.com/office/drawing/2014/main" id="{C8EC15D7-6698-EB47-8131-412A67F72C16}"/>
+                <a16:creationId xmlns:a16="http://schemas.microsoft.com/office/drawing/2014/main" id="{39AD5770-4D10-F448-AC2A-54860F96A9FE}"/>
               </a:ext>
             </a:extLst>
           </p:cNvPr>
@@ -8773,12 +8780,7 @@
             <p:ph idx="1"/>
           </p:nvPr>
         </p:nvSpPr>
-        <p:spPr>
-          <a:xfrm>
-            <a:off x="2589212" y="2133600"/>
-            <a:ext cx="8915400" cy="426720"/>
-          </a:xfrm>
-        </p:spPr>
+        <p:spPr/>
         <p:txBody>
           <a:bodyPr/>
           <a:lstStyle/>
@@ -8788,7 +8790,15 @@
             </a:pPr>
             <a:r>
               <a:rPr lang="en-US" dirty="0"/>
-              <a:t>Avoid recursion, but leaks check…</a:t>
+              <a:t>Heterogenous List is a list, where all elements with their type </a:t>
+            </a:r>
+            <a:r>
+              <a:rPr lang="en-US" b="1" dirty="0"/>
+              <a:t>maybe </a:t>
+            </a:r>
+            <a:r>
+              <a:rPr lang="en-US" dirty="0"/>
+              <a:t>(the most efficient for programmer) are fully-known at compile-time.</a:t>
             </a:r>
             <a:endParaRPr lang="ru-RU" dirty="0"/>
           </a:p>
@@ -8799,7 +8809,7 @@
           <p:cNvPr id="4" name="Номер слайда 3">
             <a:extLst>
               <a:ext uri="{FF2B5EF4-FFF2-40B4-BE49-F238E27FC236}">
-                <a16:creationId xmlns:a16="http://schemas.microsoft.com/office/drawing/2014/main" id="{C332334C-2400-7E46-BC16-8F1D528B9BAB}"/>
+                <a16:creationId xmlns:a16="http://schemas.microsoft.com/office/drawing/2014/main" id="{44D8222A-0332-BE40-80C3-844AFE17FBAC}"/>
               </a:ext>
             </a:extLst>
           </p:cNvPr>
@@ -8824,40 +8834,10 @@
           </a:p>
         </p:txBody>
       </p:sp>
-      <p:pic>
-        <p:nvPicPr>
-          <p:cNvPr id="5" name="Рисунок 4">
-            <a:extLst>
-              <a:ext uri="{FF2B5EF4-FFF2-40B4-BE49-F238E27FC236}">
-                <a16:creationId xmlns:a16="http://schemas.microsoft.com/office/drawing/2014/main" id="{55AEE49F-0390-5E44-9C89-B27CC3943868}"/>
-              </a:ext>
-            </a:extLst>
-          </p:cNvPr>
-          <p:cNvPicPr>
-            <a:picLocks noChangeAspect="1"/>
-          </p:cNvPicPr>
-          <p:nvPr/>
-        </p:nvPicPr>
-        <p:blipFill>
-          <a:blip r:embed="rId2"/>
-          <a:stretch>
-            <a:fillRect/>
-          </a:stretch>
-        </p:blipFill>
-        <p:spPr>
-          <a:xfrm>
-            <a:off x="2589212" y="2560320"/>
-            <a:ext cx="6350000" cy="3314700"/>
-          </a:xfrm>
-          <a:prstGeom prst="rect">
-            <a:avLst/>
-          </a:prstGeom>
-        </p:spPr>
-      </p:pic>
     </p:spTree>
     <p:extLst>
       <p:ext uri="{BB962C8B-B14F-4D97-AF65-F5344CB8AC3E}">
-        <p14:creationId xmlns:p14="http://schemas.microsoft.com/office/powerpoint/2010/main" val="1382562165"/>
+        <p14:creationId xmlns:p14="http://schemas.microsoft.com/office/powerpoint/2010/main" val="2246283125"/>
       </p:ext>
     </p:extLst>
   </p:cSld>
@@ -8978,135 +8958,6 @@
               <a:rPr lang="en-US" smtClean="0"/>
               <a:pPr/>
               <a:t>14</a:t>
-            </a:fld>
-            <a:endParaRPr lang="en-US" dirty="0"/>
-          </a:p>
-        </p:txBody>
-      </p:sp>
-    </p:spTree>
-    <p:extLst>
-      <p:ext uri="{BB962C8B-B14F-4D97-AF65-F5344CB8AC3E}">
-        <p14:creationId xmlns:p14="http://schemas.microsoft.com/office/powerpoint/2010/main" val="2246283125"/>
-      </p:ext>
-    </p:extLst>
-  </p:cSld>
-  <p:clrMapOvr>
-    <a:masterClrMapping/>
-  </p:clrMapOvr>
-</p:sld>
-</file>
-
-<file path=ppt/slides/slide16.xml><?xml version="1.0" encoding="utf-8"?>
-<p:sld xmlns:a="http://schemas.openxmlformats.org/drawingml/2006/main" xmlns:r="http://schemas.openxmlformats.org/officeDocument/2006/relationships" xmlns:p="http://schemas.openxmlformats.org/presentationml/2006/main">
-  <p:cSld>
-    <p:spTree>
-      <p:nvGrpSpPr>
-        <p:cNvPr id="1" name=""/>
-        <p:cNvGrpSpPr/>
-        <p:nvPr/>
-      </p:nvGrpSpPr>
-      <p:grpSpPr>
-        <a:xfrm>
-          <a:off x="0" y="0"/>
-          <a:ext cx="0" cy="0"/>
-          <a:chOff x="0" y="0"/>
-          <a:chExt cx="0" cy="0"/>
-        </a:xfrm>
-      </p:grpSpPr>
-      <p:sp>
-        <p:nvSpPr>
-          <p:cNvPr id="2" name="Заголовок 1">
-            <a:extLst>
-              <a:ext uri="{FF2B5EF4-FFF2-40B4-BE49-F238E27FC236}">
-                <a16:creationId xmlns:a16="http://schemas.microsoft.com/office/drawing/2014/main" id="{5C7AAD9B-F79C-F642-868B-66A214010D6E}"/>
-              </a:ext>
-            </a:extLst>
-          </p:cNvPr>
-          <p:cNvSpPr>
-            <a:spLocks noGrp="1"/>
-          </p:cNvSpPr>
-          <p:nvPr>
-            <p:ph type="title"/>
-          </p:nvPr>
-        </p:nvSpPr>
-        <p:spPr/>
-        <p:txBody>
-          <a:bodyPr/>
-          <a:lstStyle/>
-          <a:p>
-            <a:r>
-              <a:rPr lang="en-US" dirty="0"/>
-              <a:t>Heterogenous List</a:t>
-            </a:r>
-            <a:endParaRPr lang="ru-RU" dirty="0"/>
-          </a:p>
-        </p:txBody>
-      </p:sp>
-      <p:sp>
-        <p:nvSpPr>
-          <p:cNvPr id="3" name="Объект 2">
-            <a:extLst>
-              <a:ext uri="{FF2B5EF4-FFF2-40B4-BE49-F238E27FC236}">
-                <a16:creationId xmlns:a16="http://schemas.microsoft.com/office/drawing/2014/main" id="{39AD5770-4D10-F448-AC2A-54860F96A9FE}"/>
-              </a:ext>
-            </a:extLst>
-          </p:cNvPr>
-          <p:cNvSpPr>
-            <a:spLocks noGrp="1"/>
-          </p:cNvSpPr>
-          <p:nvPr>
-            <p:ph idx="1"/>
-          </p:nvPr>
-        </p:nvSpPr>
-        <p:spPr/>
-        <p:txBody>
-          <a:bodyPr/>
-          <a:lstStyle/>
-          <a:p>
-            <a:pPr marL="0" indent="0">
-              <a:buNone/>
-            </a:pPr>
-            <a:r>
-              <a:rPr lang="en-US" dirty="0"/>
-              <a:t>Heterogenous List is a list, where all elements with their type </a:t>
-            </a:r>
-            <a:r>
-              <a:rPr lang="en-US" b="1" dirty="0"/>
-              <a:t>maybe </a:t>
-            </a:r>
-            <a:r>
-              <a:rPr lang="en-US" dirty="0"/>
-              <a:t>(the most efficient for programmer) are fully-known at compile-time.</a:t>
-            </a:r>
-            <a:endParaRPr lang="ru-RU" dirty="0"/>
-          </a:p>
-        </p:txBody>
-      </p:sp>
-      <p:sp>
-        <p:nvSpPr>
-          <p:cNvPr id="4" name="Номер слайда 3">
-            <a:extLst>
-              <a:ext uri="{FF2B5EF4-FFF2-40B4-BE49-F238E27FC236}">
-                <a16:creationId xmlns:a16="http://schemas.microsoft.com/office/drawing/2014/main" id="{44D8222A-0332-BE40-80C3-844AFE17FBAC}"/>
-              </a:ext>
-            </a:extLst>
-          </p:cNvPr>
-          <p:cNvSpPr>
-            <a:spLocks noGrp="1"/>
-          </p:cNvSpPr>
-          <p:nvPr>
-            <p:ph type="sldNum" sz="quarter" idx="12"/>
-          </p:nvPr>
-        </p:nvSpPr>
-        <p:spPr/>
-        <p:txBody>
-          <a:bodyPr/>
-          <a:lstStyle/>
-          <a:p>
-            <a:fld id="{D57F1E4F-1CFF-5643-939E-217C01CDF565}" type="slidenum">
-              <a:rPr lang="en-US" smtClean="0"/>
-              <a:pPr/>
-              <a:t>15</a:t>
             </a:fld>
             <a:endParaRPr lang="en-US" dirty="0"/>
           </a:p>
@@ -9155,7 +9006,7 @@
 </p:sld>
 </file>
 
-<file path=ppt/slides/slide17.xml><?xml version="1.0" encoding="utf-8"?>
+<file path=ppt/slides/slide16.xml><?xml version="1.0" encoding="utf-8"?>
 <p:sld xmlns:a="http://schemas.openxmlformats.org/drawingml/2006/main" xmlns:r="http://schemas.openxmlformats.org/officeDocument/2006/relationships" xmlns:p="http://schemas.openxmlformats.org/presentationml/2006/main">
   <p:cSld>
     <p:spTree>
@@ -9257,7 +9108,7 @@
             <a:fld id="{D57F1E4F-1CFF-5643-939E-217C01CDF565}" type="slidenum">
               <a:rPr lang="en-US" smtClean="0"/>
               <a:pPr/>
-              <a:t>16</a:t>
+              <a:t>15</a:t>
             </a:fld>
             <a:endParaRPr lang="en-US" dirty="0"/>
           </a:p>
@@ -9306,7 +9157,7 @@
 </p:sld>
 </file>
 
-<file path=ppt/slides/slide18.xml><?xml version="1.0" encoding="utf-8"?>
+<file path=ppt/slides/slide17.xml><?xml version="1.0" encoding="utf-8"?>
 <p:sld xmlns:a="http://schemas.openxmlformats.org/drawingml/2006/main" xmlns:r="http://schemas.openxmlformats.org/officeDocument/2006/relationships" xmlns:p="http://schemas.openxmlformats.org/presentationml/2006/main">
   <p:cSld>
     <p:spTree>
@@ -9408,7 +9259,7 @@
             <a:fld id="{D57F1E4F-1CFF-5643-939E-217C01CDF565}" type="slidenum">
               <a:rPr lang="en-US" smtClean="0"/>
               <a:pPr/>
-              <a:t>17</a:t>
+              <a:t>16</a:t>
             </a:fld>
             <a:endParaRPr lang="en-US" dirty="0"/>
           </a:p>
@@ -9487,7 +9338,7 @@
 </p:sld>
 </file>
 
-<file path=ppt/slides/slide19.xml><?xml version="1.0" encoding="utf-8"?>
+<file path=ppt/slides/slide18.xml><?xml version="1.0" encoding="utf-8"?>
 <p:sld xmlns:a="http://schemas.openxmlformats.org/drawingml/2006/main" xmlns:r="http://schemas.openxmlformats.org/officeDocument/2006/relationships" xmlns:p="http://schemas.openxmlformats.org/presentationml/2006/main">
   <p:cSld>
     <p:spTree>
@@ -9589,7 +9440,7 @@
             <a:fld id="{D57F1E4F-1CFF-5643-939E-217C01CDF565}" type="slidenum">
               <a:rPr lang="en-US" smtClean="0"/>
               <a:pPr/>
-              <a:t>18</a:t>
+              <a:t>17</a:t>
             </a:fld>
             <a:endParaRPr lang="en-US" dirty="0"/>
           </a:p>
@@ -9698,7 +9549,7 @@
 </p:sld>
 </file>
 
-<file path=ppt/slides/slide2.xml><?xml version="1.0" encoding="utf-8"?>
+<file path=ppt/slides/slide19.xml><?xml version="1.0" encoding="utf-8"?>
 <p:sld xmlns:a="http://schemas.openxmlformats.org/drawingml/2006/main" xmlns:r="http://schemas.openxmlformats.org/officeDocument/2006/relationships" xmlns:p="http://schemas.openxmlformats.org/presentationml/2006/main">
   <p:cSld>
     <p:spTree>
@@ -9720,171 +9571,6 @@
           <p:cNvPr id="2" name="Заголовок 1">
             <a:extLst>
               <a:ext uri="{FF2B5EF4-FFF2-40B4-BE49-F238E27FC236}">
-                <a16:creationId xmlns:a16="http://schemas.microsoft.com/office/drawing/2014/main" id="{B149D5A9-2D8F-4445-9F83-5EC8BF1AC546}"/>
-              </a:ext>
-            </a:extLst>
-          </p:cNvPr>
-          <p:cNvSpPr>
-            <a:spLocks noGrp="1"/>
-          </p:cNvSpPr>
-          <p:nvPr>
-            <p:ph type="title"/>
-          </p:nvPr>
-        </p:nvSpPr>
-        <p:spPr/>
-        <p:txBody>
-          <a:bodyPr/>
-          <a:lstStyle/>
-          <a:p>
-            <a:r>
-              <a:rPr lang="en-US"/>
-              <a:t>Normal types</a:t>
-            </a:r>
-            <a:endParaRPr lang="ru-RU" dirty="0"/>
-          </a:p>
-        </p:txBody>
-      </p:sp>
-      <p:sp>
-        <p:nvSpPr>
-          <p:cNvPr id="3" name="Объект 2">
-            <a:extLst>
-              <a:ext uri="{FF2B5EF4-FFF2-40B4-BE49-F238E27FC236}">
-                <a16:creationId xmlns:a16="http://schemas.microsoft.com/office/drawing/2014/main" id="{4CEF75D0-50F6-CA47-B857-A66DAFD20AD2}"/>
-              </a:ext>
-            </a:extLst>
-          </p:cNvPr>
-          <p:cNvSpPr>
-            <a:spLocks noGrp="1"/>
-          </p:cNvSpPr>
-          <p:nvPr>
-            <p:ph idx="1"/>
-          </p:nvPr>
-        </p:nvSpPr>
-        <p:spPr/>
-        <p:txBody>
-          <a:bodyPr/>
-          <a:lstStyle/>
-          <a:p>
-            <a:pPr marL="0" indent="0">
-              <a:buNone/>
-            </a:pPr>
-            <a:r>
-              <a:rPr lang="en-US" dirty="0"/>
-              <a:t>Usually type </a:t>
-            </a:r>
-            <a:r>
-              <a:rPr lang="en-US" b="1" dirty="0"/>
-              <a:t>hardwired </a:t>
-            </a:r>
-            <a:r>
-              <a:rPr lang="en-US" dirty="0"/>
-              <a:t>to a value at compile-type and sometimes at runtime.</a:t>
-            </a:r>
-            <a:br>
-              <a:rPr lang="en-US" dirty="0"/>
-            </a:br>
-            <a:r>
-              <a:rPr lang="en-US" dirty="0"/>
-              <a:t> </a:t>
-            </a:r>
-          </a:p>
-        </p:txBody>
-      </p:sp>
-      <p:sp>
-        <p:nvSpPr>
-          <p:cNvPr id="6" name="Номер слайда 5">
-            <a:extLst>
-              <a:ext uri="{FF2B5EF4-FFF2-40B4-BE49-F238E27FC236}">
-                <a16:creationId xmlns:a16="http://schemas.microsoft.com/office/drawing/2014/main" id="{5800134E-2CAA-A443-9FD6-223ED0AF8715}"/>
-              </a:ext>
-            </a:extLst>
-          </p:cNvPr>
-          <p:cNvSpPr>
-            <a:spLocks noGrp="1"/>
-          </p:cNvSpPr>
-          <p:nvPr>
-            <p:ph type="sldNum" sz="quarter" idx="12"/>
-          </p:nvPr>
-        </p:nvSpPr>
-        <p:spPr/>
-        <p:txBody>
-          <a:bodyPr/>
-          <a:lstStyle/>
-          <a:p>
-            <a:fld id="{D57F1E4F-1CFF-5643-939E-217C01CDF565}" type="slidenum">
-              <a:rPr lang="en-US" smtClean="0"/>
-              <a:pPr/>
-              <a:t>1</a:t>
-            </a:fld>
-            <a:endParaRPr lang="en-US" dirty="0"/>
-          </a:p>
-        </p:txBody>
-      </p:sp>
-      <p:pic>
-        <p:nvPicPr>
-          <p:cNvPr id="13" name="Рисунок 12">
-            <a:extLst>
-              <a:ext uri="{FF2B5EF4-FFF2-40B4-BE49-F238E27FC236}">
-                <a16:creationId xmlns:a16="http://schemas.microsoft.com/office/drawing/2014/main" id="{A7574C0B-DA7D-4048-B99B-705C5B70DD43}"/>
-              </a:ext>
-            </a:extLst>
-          </p:cNvPr>
-          <p:cNvPicPr>
-            <a:picLocks noChangeAspect="1"/>
-          </p:cNvPicPr>
-          <p:nvPr/>
-        </p:nvPicPr>
-        <p:blipFill>
-          <a:blip r:embed="rId2"/>
-          <a:stretch>
-            <a:fillRect/>
-          </a:stretch>
-        </p:blipFill>
-        <p:spPr>
-          <a:xfrm>
-            <a:off x="2589212" y="2568702"/>
-            <a:ext cx="2946400" cy="952500"/>
-          </a:xfrm>
-          <a:prstGeom prst="rect">
-            <a:avLst/>
-          </a:prstGeom>
-        </p:spPr>
-      </p:pic>
-    </p:spTree>
-    <p:extLst>
-      <p:ext uri="{BB962C8B-B14F-4D97-AF65-F5344CB8AC3E}">
-        <p14:creationId xmlns:p14="http://schemas.microsoft.com/office/powerpoint/2010/main" val="3408964155"/>
-      </p:ext>
-    </p:extLst>
-  </p:cSld>
-  <p:clrMapOvr>
-    <a:masterClrMapping/>
-  </p:clrMapOvr>
-</p:sld>
-</file>
-
-<file path=ppt/slides/slide20.xml><?xml version="1.0" encoding="utf-8"?>
-<p:sld xmlns:a="http://schemas.openxmlformats.org/drawingml/2006/main" xmlns:r="http://schemas.openxmlformats.org/officeDocument/2006/relationships" xmlns:p="http://schemas.openxmlformats.org/presentationml/2006/main">
-  <p:cSld>
-    <p:spTree>
-      <p:nvGrpSpPr>
-        <p:cNvPr id="1" name=""/>
-        <p:cNvGrpSpPr/>
-        <p:nvPr/>
-      </p:nvGrpSpPr>
-      <p:grpSpPr>
-        <a:xfrm>
-          <a:off x="0" y="0"/>
-          <a:ext cx="0" cy="0"/>
-          <a:chOff x="0" y="0"/>
-          <a:chExt cx="0" cy="0"/>
-        </a:xfrm>
-      </p:grpSpPr>
-      <p:sp>
-        <p:nvSpPr>
-          <p:cNvPr id="2" name="Заголовок 1">
-            <a:extLst>
-              <a:ext uri="{FF2B5EF4-FFF2-40B4-BE49-F238E27FC236}">
                 <a16:creationId xmlns:a16="http://schemas.microsoft.com/office/drawing/2014/main" id="{5C7AAD9B-F79C-F642-868B-66A214010D6E}"/>
               </a:ext>
             </a:extLst>
@@ -9937,7 +9623,7 @@
             <a:fld id="{D57F1E4F-1CFF-5643-939E-217C01CDF565}" type="slidenum">
               <a:rPr lang="en-US" smtClean="0"/>
               <a:pPr/>
-              <a:t>19</a:t>
+              <a:t>18</a:t>
             </a:fld>
             <a:endParaRPr lang="en-US" dirty="0"/>
           </a:p>
@@ -9986,7 +9672,7 @@
 </p:sld>
 </file>
 
-<file path=ppt/slides/slide21.xml><?xml version="1.0" encoding="utf-8"?>
+<file path=ppt/slides/slide2.xml><?xml version="1.0" encoding="utf-8"?>
 <p:sld xmlns:a="http://schemas.openxmlformats.org/drawingml/2006/main" xmlns:r="http://schemas.openxmlformats.org/officeDocument/2006/relationships" xmlns:p="http://schemas.openxmlformats.org/presentationml/2006/main">
   <p:cSld>
     <p:spTree>
@@ -10008,6 +9694,172 @@
           <p:cNvPr id="2" name="Заголовок 1">
             <a:extLst>
               <a:ext uri="{FF2B5EF4-FFF2-40B4-BE49-F238E27FC236}">
+                <a16:creationId xmlns:a16="http://schemas.microsoft.com/office/drawing/2014/main" id="{F652126C-6F69-EB4C-9ED4-8D03DE7ACE45}"/>
+              </a:ext>
+            </a:extLst>
+          </p:cNvPr>
+          <p:cNvSpPr>
+            <a:spLocks noGrp="1"/>
+          </p:cNvSpPr>
+          <p:nvPr>
+            <p:ph type="title"/>
+          </p:nvPr>
+        </p:nvSpPr>
+        <p:spPr/>
+        <p:txBody>
+          <a:bodyPr/>
+          <a:lstStyle/>
+          <a:p>
+            <a:r>
+              <a:rPr lang="en-US" dirty="0"/>
+              <a:t>Agenda</a:t>
+            </a:r>
+            <a:endParaRPr lang="ru-RU" dirty="0"/>
+          </a:p>
+        </p:txBody>
+      </p:sp>
+      <p:sp>
+        <p:nvSpPr>
+          <p:cNvPr id="3" name="Объект 2">
+            <a:extLst>
+              <a:ext uri="{FF2B5EF4-FFF2-40B4-BE49-F238E27FC236}">
+                <a16:creationId xmlns:a16="http://schemas.microsoft.com/office/drawing/2014/main" id="{15F7CA05-8EB2-4F46-BAD6-7ED34844008F}"/>
+              </a:ext>
+            </a:extLst>
+          </p:cNvPr>
+          <p:cNvSpPr>
+            <a:spLocks noGrp="1"/>
+          </p:cNvSpPr>
+          <p:nvPr>
+            <p:ph idx="1"/>
+          </p:nvPr>
+        </p:nvSpPr>
+        <p:spPr/>
+        <p:txBody>
+          <a:bodyPr/>
+          <a:lstStyle/>
+          <a:p>
+            <a:r>
+              <a:rPr lang="en-US" dirty="0"/>
+              <a:t>Normal type system</a:t>
+            </a:r>
+          </a:p>
+          <a:p>
+            <a:r>
+              <a:rPr lang="en-US" dirty="0"/>
+              <a:t>List’s recursion problem</a:t>
+            </a:r>
+          </a:p>
+          <a:p>
+            <a:r>
+              <a:rPr lang="en-US" dirty="0"/>
+              <a:t>Heterogenous list</a:t>
+            </a:r>
+          </a:p>
+          <a:p>
+            <a:r>
+              <a:rPr lang="en-US" dirty="0" err="1"/>
+              <a:t>Typelevel</a:t>
+            </a:r>
+            <a:r>
+              <a:rPr lang="en-US" dirty="0"/>
+              <a:t> natural numbers</a:t>
+            </a:r>
+          </a:p>
+          <a:p>
+            <a:r>
+              <a:rPr lang="en-US" dirty="0"/>
+              <a:t>Solve list’s recursion problem with </a:t>
+            </a:r>
+            <a:r>
+              <a:rPr lang="en-US" dirty="0" err="1"/>
+              <a:t>Hlist</a:t>
+            </a:r>
+            <a:r>
+              <a:rPr lang="en-US" dirty="0"/>
+              <a:t> and Nat</a:t>
+            </a:r>
+          </a:p>
+          <a:p>
+            <a:r>
+              <a:rPr lang="en-US" dirty="0"/>
+              <a:t>How compiler works</a:t>
+            </a:r>
+          </a:p>
+          <a:p>
+            <a:r>
+              <a:rPr lang="en-US" dirty="0"/>
+              <a:t>Showcase, usage cases</a:t>
+            </a:r>
+            <a:endParaRPr lang="ru-RU" dirty="0"/>
+          </a:p>
+        </p:txBody>
+      </p:sp>
+      <p:sp>
+        <p:nvSpPr>
+          <p:cNvPr id="4" name="Номер слайда 3">
+            <a:extLst>
+              <a:ext uri="{FF2B5EF4-FFF2-40B4-BE49-F238E27FC236}">
+                <a16:creationId xmlns:a16="http://schemas.microsoft.com/office/drawing/2014/main" id="{6CAFEB9B-A169-AA4C-99E2-AD268C4FD9EA}"/>
+              </a:ext>
+            </a:extLst>
+          </p:cNvPr>
+          <p:cNvSpPr>
+            <a:spLocks noGrp="1"/>
+          </p:cNvSpPr>
+          <p:nvPr>
+            <p:ph type="sldNum" sz="quarter" idx="12"/>
+          </p:nvPr>
+        </p:nvSpPr>
+        <p:spPr/>
+        <p:txBody>
+          <a:bodyPr/>
+          <a:lstStyle/>
+          <a:p>
+            <a:fld id="{D57F1E4F-1CFF-5643-939E-217C01CDF565}" type="slidenum">
+              <a:rPr lang="en-US" smtClean="0"/>
+              <a:pPr/>
+              <a:t>1</a:t>
+            </a:fld>
+            <a:endParaRPr lang="en-US" dirty="0"/>
+          </a:p>
+        </p:txBody>
+      </p:sp>
+    </p:spTree>
+    <p:extLst>
+      <p:ext uri="{BB962C8B-B14F-4D97-AF65-F5344CB8AC3E}">
+        <p14:creationId xmlns:p14="http://schemas.microsoft.com/office/powerpoint/2010/main" val="3564063333"/>
+      </p:ext>
+    </p:extLst>
+  </p:cSld>
+  <p:clrMapOvr>
+    <a:masterClrMapping/>
+  </p:clrMapOvr>
+</p:sld>
+</file>
+
+<file path=ppt/slides/slide20.xml><?xml version="1.0" encoding="utf-8"?>
+<p:sld xmlns:a="http://schemas.openxmlformats.org/drawingml/2006/main" xmlns:r="http://schemas.openxmlformats.org/officeDocument/2006/relationships" xmlns:p="http://schemas.openxmlformats.org/presentationml/2006/main">
+  <p:cSld>
+    <p:spTree>
+      <p:nvGrpSpPr>
+        <p:cNvPr id="1" name=""/>
+        <p:cNvGrpSpPr/>
+        <p:nvPr/>
+      </p:nvGrpSpPr>
+      <p:grpSpPr>
+        <a:xfrm>
+          <a:off x="0" y="0"/>
+          <a:ext cx="0" cy="0"/>
+          <a:chOff x="0" y="0"/>
+          <a:chExt cx="0" cy="0"/>
+        </a:xfrm>
+      </p:grpSpPr>
+      <p:sp>
+        <p:nvSpPr>
+          <p:cNvPr id="2" name="Заголовок 1">
+            <a:extLst>
+              <a:ext uri="{FF2B5EF4-FFF2-40B4-BE49-F238E27FC236}">
                 <a16:creationId xmlns:a16="http://schemas.microsoft.com/office/drawing/2014/main" id="{5C7AAD9B-F79C-F642-868B-66A214010D6E}"/>
               </a:ext>
             </a:extLst>
@@ -10060,7 +9912,7 @@
             <a:fld id="{D57F1E4F-1CFF-5643-939E-217C01CDF565}" type="slidenum">
               <a:rPr lang="en-US" smtClean="0"/>
               <a:pPr/>
-              <a:t>20</a:t>
+              <a:t>19</a:t>
             </a:fld>
             <a:endParaRPr lang="en-US" dirty="0"/>
           </a:p>
@@ -10109,7 +9961,7 @@
 </p:sld>
 </file>
 
-<file path=ppt/slides/slide22.xml><?xml version="1.0" encoding="utf-8"?>
+<file path=ppt/slides/slide21.xml><?xml version="1.0" encoding="utf-8"?>
 <p:sld xmlns:a="http://schemas.openxmlformats.org/drawingml/2006/main" xmlns:r="http://schemas.openxmlformats.org/officeDocument/2006/relationships" xmlns:p="http://schemas.openxmlformats.org/presentationml/2006/main">
   <p:cSld>
     <p:spTree>
@@ -10183,7 +10035,7 @@
             <a:fld id="{D57F1E4F-1CFF-5643-939E-217C01CDF565}" type="slidenum">
               <a:rPr lang="en-US" smtClean="0"/>
               <a:pPr/>
-              <a:t>21</a:t>
+              <a:t>20</a:t>
             </a:fld>
             <a:endParaRPr lang="en-US" dirty="0"/>
           </a:p>
@@ -10268,7 +10120,7 @@
 </p:sld>
 </file>
 
-<file path=ppt/slides/slide23.xml><?xml version="1.0" encoding="utf-8"?>
+<file path=ppt/slides/slide22.xml><?xml version="1.0" encoding="utf-8"?>
 <p:sld xmlns:a="http://schemas.openxmlformats.org/drawingml/2006/main" xmlns:r="http://schemas.openxmlformats.org/officeDocument/2006/relationships" xmlns:p="http://schemas.openxmlformats.org/presentationml/2006/main">
   <p:cSld>
     <p:spTree>
@@ -10342,7 +10194,7 @@
             <a:fld id="{D57F1E4F-1CFF-5643-939E-217C01CDF565}" type="slidenum">
               <a:rPr lang="en-US" smtClean="0"/>
               <a:pPr/>
-              <a:t>22</a:t>
+              <a:t>21</a:t>
             </a:fld>
             <a:endParaRPr lang="en-US" dirty="0"/>
           </a:p>
@@ -10421,7 +10273,7 @@
 </p:sld>
 </file>
 
-<file path=ppt/slides/slide24.xml><?xml version="1.0" encoding="utf-8"?>
+<file path=ppt/slides/slide23.xml><?xml version="1.0" encoding="utf-8"?>
 <p:sld xmlns:a="http://schemas.openxmlformats.org/drawingml/2006/main" xmlns:r="http://schemas.openxmlformats.org/officeDocument/2006/relationships" xmlns:p="http://schemas.openxmlformats.org/presentationml/2006/main">
   <p:cSld>
     <p:spTree>
@@ -10495,7 +10347,7 @@
             <a:fld id="{D57F1E4F-1CFF-5643-939E-217C01CDF565}" type="slidenum">
               <a:rPr lang="en-US" smtClean="0"/>
               <a:pPr/>
-              <a:t>23</a:t>
+              <a:t>22</a:t>
             </a:fld>
             <a:endParaRPr lang="en-US" dirty="0"/>
           </a:p>
@@ -10544,7 +10396,7 @@
 </p:sld>
 </file>
 
-<file path=ppt/slides/slide25.xml><?xml version="1.0" encoding="utf-8"?>
+<file path=ppt/slides/slide24.xml><?xml version="1.0" encoding="utf-8"?>
 <p:sld xmlns:a="http://schemas.openxmlformats.org/drawingml/2006/main" xmlns:r="http://schemas.openxmlformats.org/officeDocument/2006/relationships" xmlns:p="http://schemas.openxmlformats.org/presentationml/2006/main">
   <p:cSld>
     <p:spTree>
@@ -10618,7 +10470,7 @@
             <a:fld id="{D57F1E4F-1CFF-5643-939E-217C01CDF565}" type="slidenum">
               <a:rPr lang="en-US" smtClean="0"/>
               <a:pPr/>
-              <a:t>24</a:t>
+              <a:t>23</a:t>
             </a:fld>
             <a:endParaRPr lang="en-US" dirty="0"/>
           </a:p>
@@ -10667,7 +10519,7 @@
 </p:sld>
 </file>
 
-<file path=ppt/slides/slide26.xml><?xml version="1.0" encoding="utf-8"?>
+<file path=ppt/slides/slide25.xml><?xml version="1.0" encoding="utf-8"?>
 <p:sld xmlns:a="http://schemas.openxmlformats.org/drawingml/2006/main" xmlns:r="http://schemas.openxmlformats.org/officeDocument/2006/relationships" xmlns:p="http://schemas.openxmlformats.org/presentationml/2006/main">
   <p:cSld>
     <p:spTree>
@@ -10741,7 +10593,7 @@
             <a:fld id="{D57F1E4F-1CFF-5643-939E-217C01CDF565}" type="slidenum">
               <a:rPr lang="en-US" smtClean="0"/>
               <a:pPr/>
-              <a:t>25</a:t>
+              <a:t>24</a:t>
             </a:fld>
             <a:endParaRPr lang="en-US" dirty="0"/>
           </a:p>
@@ -10790,7 +10642,7 @@
 </p:sld>
 </file>
 
-<file path=ppt/slides/slide27.xml><?xml version="1.0" encoding="utf-8"?>
+<file path=ppt/slides/slide26.xml><?xml version="1.0" encoding="utf-8"?>
 <p:sld xmlns:a="http://schemas.openxmlformats.org/drawingml/2006/main" xmlns:r="http://schemas.openxmlformats.org/officeDocument/2006/relationships" xmlns:p="http://schemas.openxmlformats.org/presentationml/2006/main">
   <p:cSld>
     <p:spTree>
@@ -10864,7 +10716,7 @@
             <a:fld id="{D57F1E4F-1CFF-5643-939E-217C01CDF565}" type="slidenum">
               <a:rPr lang="en-US" smtClean="0"/>
               <a:pPr/>
-              <a:t>26</a:t>
+              <a:t>25</a:t>
             </a:fld>
             <a:endParaRPr lang="en-US" dirty="0"/>
           </a:p>
@@ -10913,7 +10765,7 @@
 </p:sld>
 </file>
 
-<file path=ppt/slides/slide28.xml><?xml version="1.0" encoding="utf-8"?>
+<file path=ppt/slides/slide27.xml><?xml version="1.0" encoding="utf-8"?>
 <p:sld xmlns:a="http://schemas.openxmlformats.org/drawingml/2006/main" xmlns:r="http://schemas.openxmlformats.org/officeDocument/2006/relationships" xmlns:p="http://schemas.openxmlformats.org/presentationml/2006/main">
   <p:cSld>
     <p:spTree>
@@ -10987,7 +10839,7 @@
             <a:fld id="{D57F1E4F-1CFF-5643-939E-217C01CDF565}" type="slidenum">
               <a:rPr lang="en-US" smtClean="0"/>
               <a:pPr/>
-              <a:t>27</a:t>
+              <a:t>26</a:t>
             </a:fld>
             <a:endParaRPr lang="en-US" dirty="0"/>
           </a:p>
@@ -11036,7 +10888,7 @@
 </p:sld>
 </file>
 
-<file path=ppt/slides/slide29.xml><?xml version="1.0" encoding="utf-8"?>
+<file path=ppt/slides/slide28.xml><?xml version="1.0" encoding="utf-8"?>
 <p:sld xmlns:a="http://schemas.openxmlformats.org/drawingml/2006/main" xmlns:r="http://schemas.openxmlformats.org/officeDocument/2006/relationships" xmlns:p="http://schemas.openxmlformats.org/presentationml/2006/main">
   <p:cSld>
     <p:spTree>
@@ -11106,7 +10958,7 @@
             <a:fld id="{D57F1E4F-1CFF-5643-939E-217C01CDF565}" type="slidenum">
               <a:rPr lang="en-US" smtClean="0"/>
               <a:pPr/>
-              <a:t>28</a:t>
+              <a:t>27</a:t>
             </a:fld>
             <a:endParaRPr lang="en-US" dirty="0"/>
           </a:p>
@@ -11155,7 +11007,7 @@
 </p:sld>
 </file>
 
-<file path=ppt/slides/slide3.xml><?xml version="1.0" encoding="utf-8"?>
+<file path=ppt/slides/slide29.xml><?xml version="1.0" encoding="utf-8"?>
 <p:sld xmlns:a="http://schemas.openxmlformats.org/drawingml/2006/main" xmlns:r="http://schemas.openxmlformats.org/officeDocument/2006/relationships" xmlns:p="http://schemas.openxmlformats.org/presentationml/2006/main">
   <p:cSld>
     <p:spTree>
@@ -11177,172 +11029,6 @@
           <p:cNvPr id="2" name="Заголовок 1">
             <a:extLst>
               <a:ext uri="{FF2B5EF4-FFF2-40B4-BE49-F238E27FC236}">
-                <a16:creationId xmlns:a16="http://schemas.microsoft.com/office/drawing/2014/main" id="{F652126C-6F69-EB4C-9ED4-8D03DE7ACE45}"/>
-              </a:ext>
-            </a:extLst>
-          </p:cNvPr>
-          <p:cNvSpPr>
-            <a:spLocks noGrp="1"/>
-          </p:cNvSpPr>
-          <p:nvPr>
-            <p:ph type="title"/>
-          </p:nvPr>
-        </p:nvSpPr>
-        <p:spPr/>
-        <p:txBody>
-          <a:bodyPr/>
-          <a:lstStyle/>
-          <a:p>
-            <a:r>
-              <a:rPr lang="en-US" dirty="0"/>
-              <a:t>Agenda</a:t>
-            </a:r>
-            <a:endParaRPr lang="ru-RU" dirty="0"/>
-          </a:p>
-        </p:txBody>
-      </p:sp>
-      <p:sp>
-        <p:nvSpPr>
-          <p:cNvPr id="3" name="Объект 2">
-            <a:extLst>
-              <a:ext uri="{FF2B5EF4-FFF2-40B4-BE49-F238E27FC236}">
-                <a16:creationId xmlns:a16="http://schemas.microsoft.com/office/drawing/2014/main" id="{15F7CA05-8EB2-4F46-BAD6-7ED34844008F}"/>
-              </a:ext>
-            </a:extLst>
-          </p:cNvPr>
-          <p:cNvSpPr>
-            <a:spLocks noGrp="1"/>
-          </p:cNvSpPr>
-          <p:nvPr>
-            <p:ph idx="1"/>
-          </p:nvPr>
-        </p:nvSpPr>
-        <p:spPr/>
-        <p:txBody>
-          <a:bodyPr/>
-          <a:lstStyle/>
-          <a:p>
-            <a:r>
-              <a:rPr lang="en-US" dirty="0"/>
-              <a:t>Normal type system</a:t>
-            </a:r>
-          </a:p>
-          <a:p>
-            <a:r>
-              <a:rPr lang="en-US" dirty="0"/>
-              <a:t>List’s recursion problem</a:t>
-            </a:r>
-          </a:p>
-          <a:p>
-            <a:r>
-              <a:rPr lang="en-US" dirty="0"/>
-              <a:t>Heterogenous list</a:t>
-            </a:r>
-          </a:p>
-          <a:p>
-            <a:r>
-              <a:rPr lang="en-US" dirty="0" err="1"/>
-              <a:t>Typelevel</a:t>
-            </a:r>
-            <a:r>
-              <a:rPr lang="en-US" dirty="0"/>
-              <a:t> natural numbers</a:t>
-            </a:r>
-          </a:p>
-          <a:p>
-            <a:r>
-              <a:rPr lang="en-US" dirty="0"/>
-              <a:t>Solve list’s recursion problem with </a:t>
-            </a:r>
-            <a:r>
-              <a:rPr lang="en-US" dirty="0" err="1"/>
-              <a:t>Hlist</a:t>
-            </a:r>
-            <a:r>
-              <a:rPr lang="en-US" dirty="0"/>
-              <a:t> and Nat</a:t>
-            </a:r>
-          </a:p>
-          <a:p>
-            <a:r>
-              <a:rPr lang="en-US" dirty="0"/>
-              <a:t>How compiler works</a:t>
-            </a:r>
-          </a:p>
-          <a:p>
-            <a:r>
-              <a:rPr lang="en-US" dirty="0"/>
-              <a:t>Showcase, usage cases</a:t>
-            </a:r>
-            <a:endParaRPr lang="ru-RU" dirty="0"/>
-          </a:p>
-        </p:txBody>
-      </p:sp>
-      <p:sp>
-        <p:nvSpPr>
-          <p:cNvPr id="4" name="Номер слайда 3">
-            <a:extLst>
-              <a:ext uri="{FF2B5EF4-FFF2-40B4-BE49-F238E27FC236}">
-                <a16:creationId xmlns:a16="http://schemas.microsoft.com/office/drawing/2014/main" id="{6CAFEB9B-A169-AA4C-99E2-AD268C4FD9EA}"/>
-              </a:ext>
-            </a:extLst>
-          </p:cNvPr>
-          <p:cNvSpPr>
-            <a:spLocks noGrp="1"/>
-          </p:cNvSpPr>
-          <p:nvPr>
-            <p:ph type="sldNum" sz="quarter" idx="12"/>
-          </p:nvPr>
-        </p:nvSpPr>
-        <p:spPr/>
-        <p:txBody>
-          <a:bodyPr/>
-          <a:lstStyle/>
-          <a:p>
-            <a:fld id="{D57F1E4F-1CFF-5643-939E-217C01CDF565}" type="slidenum">
-              <a:rPr lang="en-US" smtClean="0"/>
-              <a:pPr/>
-              <a:t>2</a:t>
-            </a:fld>
-            <a:endParaRPr lang="en-US" dirty="0"/>
-          </a:p>
-        </p:txBody>
-      </p:sp>
-    </p:spTree>
-    <p:extLst>
-      <p:ext uri="{BB962C8B-B14F-4D97-AF65-F5344CB8AC3E}">
-        <p14:creationId xmlns:p14="http://schemas.microsoft.com/office/powerpoint/2010/main" val="3564063333"/>
-      </p:ext>
-    </p:extLst>
-  </p:cSld>
-  <p:clrMapOvr>
-    <a:masterClrMapping/>
-  </p:clrMapOvr>
-</p:sld>
-</file>
-
-<file path=ppt/slides/slide30.xml><?xml version="1.0" encoding="utf-8"?>
-<p:sld xmlns:a="http://schemas.openxmlformats.org/drawingml/2006/main" xmlns:r="http://schemas.openxmlformats.org/officeDocument/2006/relationships" xmlns:p="http://schemas.openxmlformats.org/presentationml/2006/main">
-  <p:cSld>
-    <p:spTree>
-      <p:nvGrpSpPr>
-        <p:cNvPr id="1" name=""/>
-        <p:cNvGrpSpPr/>
-        <p:nvPr/>
-      </p:nvGrpSpPr>
-      <p:grpSpPr>
-        <a:xfrm>
-          <a:off x="0" y="0"/>
-          <a:ext cx="0" cy="0"/>
-          <a:chOff x="0" y="0"/>
-          <a:chExt cx="0" cy="0"/>
-        </a:xfrm>
-      </p:grpSpPr>
-      <p:sp>
-        <p:nvSpPr>
-          <p:cNvPr id="2" name="Заголовок 1">
-            <a:extLst>
-              <a:ext uri="{FF2B5EF4-FFF2-40B4-BE49-F238E27FC236}">
                 <a16:creationId xmlns:a16="http://schemas.microsoft.com/office/drawing/2014/main" id="{7CC1D426-61BE-9A42-BDB6-4531F74F47AA}"/>
               </a:ext>
             </a:extLst>
@@ -11396,7 +11082,7 @@
             <a:fld id="{D57F1E4F-1CFF-5643-939E-217C01CDF565}" type="slidenum">
               <a:rPr lang="en-US" smtClean="0"/>
               <a:pPr/>
-              <a:t>29</a:t>
+              <a:t>28</a:t>
             </a:fld>
             <a:endParaRPr lang="en-US" dirty="0"/>
           </a:p>
@@ -11445,6 +11131,379 @@
 </p:sld>
 </file>
 
+<file path=ppt/slides/slide3.xml><?xml version="1.0" encoding="utf-8"?>
+<p:sld xmlns:a="http://schemas.openxmlformats.org/drawingml/2006/main" xmlns:r="http://schemas.openxmlformats.org/officeDocument/2006/relationships" xmlns:p="http://schemas.openxmlformats.org/presentationml/2006/main">
+  <p:cSld>
+    <p:spTree>
+      <p:nvGrpSpPr>
+        <p:cNvPr id="1" name=""/>
+        <p:cNvGrpSpPr/>
+        <p:nvPr/>
+      </p:nvGrpSpPr>
+      <p:grpSpPr>
+        <a:xfrm>
+          <a:off x="0" y="0"/>
+          <a:ext cx="0" cy="0"/>
+          <a:chOff x="0" y="0"/>
+          <a:chExt cx="0" cy="0"/>
+        </a:xfrm>
+      </p:grpSpPr>
+      <p:sp>
+        <p:nvSpPr>
+          <p:cNvPr id="2" name="Заголовок 1">
+            <a:extLst>
+              <a:ext uri="{FF2B5EF4-FFF2-40B4-BE49-F238E27FC236}">
+                <a16:creationId xmlns:a16="http://schemas.microsoft.com/office/drawing/2014/main" id="{B149D5A9-2D8F-4445-9F83-5EC8BF1AC546}"/>
+              </a:ext>
+            </a:extLst>
+          </p:cNvPr>
+          <p:cNvSpPr>
+            <a:spLocks noGrp="1"/>
+          </p:cNvSpPr>
+          <p:nvPr>
+            <p:ph type="title"/>
+          </p:nvPr>
+        </p:nvSpPr>
+        <p:spPr/>
+        <p:txBody>
+          <a:bodyPr/>
+          <a:lstStyle/>
+          <a:p>
+            <a:r>
+              <a:rPr lang="en-US" dirty="0"/>
+              <a:t>Normal types</a:t>
+            </a:r>
+            <a:endParaRPr lang="ru-RU" dirty="0"/>
+          </a:p>
+        </p:txBody>
+      </p:sp>
+      <p:sp>
+        <p:nvSpPr>
+          <p:cNvPr id="3" name="Объект 2">
+            <a:extLst>
+              <a:ext uri="{FF2B5EF4-FFF2-40B4-BE49-F238E27FC236}">
+                <a16:creationId xmlns:a16="http://schemas.microsoft.com/office/drawing/2014/main" id="{4CEF75D0-50F6-CA47-B857-A66DAFD20AD2}"/>
+              </a:ext>
+            </a:extLst>
+          </p:cNvPr>
+          <p:cNvSpPr>
+            <a:spLocks noGrp="1"/>
+          </p:cNvSpPr>
+          <p:nvPr>
+            <p:ph idx="1"/>
+          </p:nvPr>
+        </p:nvSpPr>
+        <p:spPr/>
+        <p:txBody>
+          <a:bodyPr/>
+          <a:lstStyle/>
+          <a:p>
+            <a:pPr marL="0" indent="0">
+              <a:buNone/>
+            </a:pPr>
+            <a:r>
+              <a:rPr lang="en-US" dirty="0"/>
+              <a:t>Usually type </a:t>
+            </a:r>
+            <a:r>
+              <a:rPr lang="en-US" b="1" dirty="0"/>
+              <a:t>hardwired </a:t>
+            </a:r>
+            <a:r>
+              <a:rPr lang="en-US" dirty="0"/>
+              <a:t>to a value at compile-type and sometimes at runtime.</a:t>
+            </a:r>
+            <a:br>
+              <a:rPr lang="en-US" dirty="0"/>
+            </a:br>
+            <a:r>
+              <a:rPr lang="en-US" dirty="0"/>
+              <a:t> </a:t>
+            </a:r>
+          </a:p>
+          <a:p>
+            <a:pPr marL="0" indent="0">
+              <a:buNone/>
+            </a:pPr>
+            <a:endParaRPr lang="en-US" dirty="0"/>
+          </a:p>
+          <a:p>
+            <a:pPr marL="0" indent="0">
+              <a:buNone/>
+            </a:pPr>
+            <a:endParaRPr lang="en-US" dirty="0"/>
+          </a:p>
+          <a:p>
+            <a:pPr marL="0" indent="0">
+              <a:buNone/>
+            </a:pPr>
+            <a:endParaRPr lang="en-US" dirty="0"/>
+          </a:p>
+        </p:txBody>
+      </p:sp>
+      <p:sp>
+        <p:nvSpPr>
+          <p:cNvPr id="6" name="Номер слайда 5">
+            <a:extLst>
+              <a:ext uri="{FF2B5EF4-FFF2-40B4-BE49-F238E27FC236}">
+                <a16:creationId xmlns:a16="http://schemas.microsoft.com/office/drawing/2014/main" id="{5800134E-2CAA-A443-9FD6-223ED0AF8715}"/>
+              </a:ext>
+            </a:extLst>
+          </p:cNvPr>
+          <p:cNvSpPr>
+            <a:spLocks noGrp="1"/>
+          </p:cNvSpPr>
+          <p:nvPr>
+            <p:ph type="sldNum" sz="quarter" idx="12"/>
+          </p:nvPr>
+        </p:nvSpPr>
+        <p:spPr/>
+        <p:txBody>
+          <a:bodyPr/>
+          <a:lstStyle/>
+          <a:p>
+            <a:fld id="{D57F1E4F-1CFF-5643-939E-217C01CDF565}" type="slidenum">
+              <a:rPr lang="en-US" smtClean="0"/>
+              <a:pPr/>
+              <a:t>2</a:t>
+            </a:fld>
+            <a:endParaRPr lang="en-US" dirty="0"/>
+          </a:p>
+        </p:txBody>
+      </p:sp>
+      <p:pic>
+        <p:nvPicPr>
+          <p:cNvPr id="13" name="Рисунок 12">
+            <a:extLst>
+              <a:ext uri="{FF2B5EF4-FFF2-40B4-BE49-F238E27FC236}">
+                <a16:creationId xmlns:a16="http://schemas.microsoft.com/office/drawing/2014/main" id="{A7574C0B-DA7D-4048-B99B-705C5B70DD43}"/>
+              </a:ext>
+            </a:extLst>
+          </p:cNvPr>
+          <p:cNvPicPr>
+            <a:picLocks noChangeAspect="1"/>
+          </p:cNvPicPr>
+          <p:nvPr/>
+        </p:nvPicPr>
+        <p:blipFill>
+          <a:blip r:embed="rId2"/>
+          <a:stretch>
+            <a:fillRect/>
+          </a:stretch>
+        </p:blipFill>
+        <p:spPr>
+          <a:xfrm>
+            <a:off x="2589212" y="2568702"/>
+            <a:ext cx="2946400" cy="952500"/>
+          </a:xfrm>
+          <a:prstGeom prst="rect">
+            <a:avLst/>
+          </a:prstGeom>
+        </p:spPr>
+      </p:pic>
+    </p:spTree>
+    <p:extLst>
+      <p:ext uri="{BB962C8B-B14F-4D97-AF65-F5344CB8AC3E}">
+        <p14:creationId xmlns:p14="http://schemas.microsoft.com/office/powerpoint/2010/main" val="3546822821"/>
+      </p:ext>
+    </p:extLst>
+  </p:cSld>
+  <p:clrMapOvr>
+    <a:masterClrMapping/>
+  </p:clrMapOvr>
+</p:sld>
+</file>
+
+<file path=ppt/slides/slide30.xml><?xml version="1.0" encoding="utf-8"?>
+<p:sld xmlns:a="http://schemas.openxmlformats.org/drawingml/2006/main" xmlns:r="http://schemas.openxmlformats.org/officeDocument/2006/relationships" xmlns:p="http://schemas.openxmlformats.org/presentationml/2006/main">
+  <p:cSld>
+    <p:spTree>
+      <p:nvGrpSpPr>
+        <p:cNvPr id="1" name=""/>
+        <p:cNvGrpSpPr/>
+        <p:nvPr/>
+      </p:nvGrpSpPr>
+      <p:grpSpPr>
+        <a:xfrm>
+          <a:off x="0" y="0"/>
+          <a:ext cx="0" cy="0"/>
+          <a:chOff x="0" y="0"/>
+          <a:chExt cx="0" cy="0"/>
+        </a:xfrm>
+      </p:grpSpPr>
+      <p:sp>
+        <p:nvSpPr>
+          <p:cNvPr id="2" name="Заголовок 1">
+            <a:extLst>
+              <a:ext uri="{FF2B5EF4-FFF2-40B4-BE49-F238E27FC236}">
+                <a16:creationId xmlns:a16="http://schemas.microsoft.com/office/drawing/2014/main" id="{63A470A1-9DC4-934D-9FE0-3CE001F16B70}"/>
+              </a:ext>
+            </a:extLst>
+          </p:cNvPr>
+          <p:cNvSpPr>
+            <a:spLocks noGrp="1"/>
+          </p:cNvSpPr>
+          <p:nvPr>
+            <p:ph type="title"/>
+          </p:nvPr>
+        </p:nvSpPr>
+        <p:spPr/>
+        <p:txBody>
+          <a:bodyPr/>
+          <a:lstStyle/>
+          <a:p>
+            <a:r>
+              <a:rPr lang="en-US" dirty="0"/>
+              <a:t>Use cases</a:t>
+            </a:r>
+            <a:endParaRPr lang="ru-RU" dirty="0"/>
+          </a:p>
+        </p:txBody>
+      </p:sp>
+      <p:sp>
+        <p:nvSpPr>
+          <p:cNvPr id="3" name="Объект 2">
+            <a:extLst>
+              <a:ext uri="{FF2B5EF4-FFF2-40B4-BE49-F238E27FC236}">
+                <a16:creationId xmlns:a16="http://schemas.microsoft.com/office/drawing/2014/main" id="{767048A5-CFAA-2C4E-B02E-BAEF0F99D18E}"/>
+              </a:ext>
+            </a:extLst>
+          </p:cNvPr>
+          <p:cNvSpPr>
+            <a:spLocks noGrp="1"/>
+          </p:cNvSpPr>
+          <p:nvPr>
+            <p:ph idx="1"/>
+          </p:nvPr>
+        </p:nvSpPr>
+        <p:spPr/>
+        <p:txBody>
+          <a:bodyPr>
+            <a:normAutofit fontScale="92500" lnSpcReduction="20000"/>
+          </a:bodyPr>
+          <a:lstStyle/>
+          <a:p>
+            <a:r>
+              <a:rPr lang="en-US" dirty="0"/>
+              <a:t>Derive codecs (as function) to Products, Coproducts</a:t>
+            </a:r>
+          </a:p>
+          <a:p>
+            <a:pPr lvl="1"/>
+            <a:r>
+              <a:rPr lang="en-US" dirty="0"/>
+              <a:t>JSON</a:t>
+            </a:r>
+          </a:p>
+          <a:p>
+            <a:pPr lvl="1"/>
+            <a:r>
+              <a:rPr lang="en-US" dirty="0"/>
+              <a:t>XML</a:t>
+            </a:r>
+          </a:p>
+          <a:p>
+            <a:pPr lvl="1"/>
+            <a:r>
+              <a:rPr lang="en-US" dirty="0"/>
+              <a:t>???</a:t>
+            </a:r>
+          </a:p>
+          <a:p>
+            <a:r>
+              <a:rPr lang="en-US" dirty="0"/>
+              <a:t>Big state’s extractors instead of optics</a:t>
+            </a:r>
+          </a:p>
+          <a:p>
+            <a:r>
+              <a:rPr lang="en-US" dirty="0"/>
+              <a:t>Refine types</a:t>
+            </a:r>
+          </a:p>
+          <a:p>
+            <a:r>
+              <a:rPr lang="en-US" dirty="0"/>
+              <a:t>Deriving DSL</a:t>
+            </a:r>
+          </a:p>
+          <a:p>
+            <a:r>
+              <a:rPr lang="en-US" dirty="0"/>
+              <a:t>Proof systems</a:t>
+            </a:r>
+          </a:p>
+          <a:p>
+            <a:r>
+              <a:rPr lang="en-US" dirty="0"/>
+              <a:t>???</a:t>
+            </a:r>
+          </a:p>
+          <a:p>
+            <a:endParaRPr lang="en-US" dirty="0"/>
+          </a:p>
+          <a:p>
+            <a:pPr marL="0" indent="0">
+              <a:buNone/>
+            </a:pPr>
+            <a:r>
+              <a:rPr lang="en-US" dirty="0"/>
+              <a:t>Note that all of this is </a:t>
+            </a:r>
+            <a:r>
+              <a:rPr lang="en-US" dirty="0" err="1"/>
+              <a:t>kinda</a:t>
+            </a:r>
+            <a:r>
+              <a:rPr lang="en-US" dirty="0"/>
+              <a:t> utility code!</a:t>
+            </a:r>
+          </a:p>
+        </p:txBody>
+      </p:sp>
+      <p:sp>
+        <p:nvSpPr>
+          <p:cNvPr id="4" name="Номер слайда 3">
+            <a:extLst>
+              <a:ext uri="{FF2B5EF4-FFF2-40B4-BE49-F238E27FC236}">
+                <a16:creationId xmlns:a16="http://schemas.microsoft.com/office/drawing/2014/main" id="{9879F597-58A3-4740-99BE-8A98374BACD0}"/>
+              </a:ext>
+            </a:extLst>
+          </p:cNvPr>
+          <p:cNvSpPr>
+            <a:spLocks noGrp="1"/>
+          </p:cNvSpPr>
+          <p:nvPr>
+            <p:ph type="sldNum" sz="quarter" idx="12"/>
+          </p:nvPr>
+        </p:nvSpPr>
+        <p:spPr/>
+        <p:txBody>
+          <a:bodyPr/>
+          <a:lstStyle/>
+          <a:p>
+            <a:fld id="{D57F1E4F-1CFF-5643-939E-217C01CDF565}" type="slidenum">
+              <a:rPr lang="en-US" smtClean="0"/>
+              <a:pPr/>
+              <a:t>29</a:t>
+            </a:fld>
+            <a:endParaRPr lang="en-US" dirty="0"/>
+          </a:p>
+        </p:txBody>
+      </p:sp>
+    </p:spTree>
+    <p:extLst>
+      <p:ext uri="{BB962C8B-B14F-4D97-AF65-F5344CB8AC3E}">
+        <p14:creationId xmlns:p14="http://schemas.microsoft.com/office/powerpoint/2010/main" val="2643850574"/>
+      </p:ext>
+    </p:extLst>
+  </p:cSld>
+  <p:clrMapOvr>
+    <a:masterClrMapping/>
+  </p:clrMapOvr>
+</p:sld>
+</file>
+
 <file path=ppt/slides/slide31.xml><?xml version="1.0" encoding="utf-8"?>
 <p:sld xmlns:a="http://schemas.openxmlformats.org/drawingml/2006/main" xmlns:r="http://schemas.openxmlformats.org/officeDocument/2006/relationships" xmlns:p="http://schemas.openxmlformats.org/presentationml/2006/main">
   <p:cSld>
@@ -11464,196 +11523,6 @@
       </p:grpSpPr>
       <p:sp>
         <p:nvSpPr>
-          <p:cNvPr id="2" name="Заголовок 1">
-            <a:extLst>
-              <a:ext uri="{FF2B5EF4-FFF2-40B4-BE49-F238E27FC236}">
-                <a16:creationId xmlns:a16="http://schemas.microsoft.com/office/drawing/2014/main" id="{63A470A1-9DC4-934D-9FE0-3CE001F16B70}"/>
-              </a:ext>
-            </a:extLst>
-          </p:cNvPr>
-          <p:cNvSpPr>
-            <a:spLocks noGrp="1"/>
-          </p:cNvSpPr>
-          <p:nvPr>
-            <p:ph type="title"/>
-          </p:nvPr>
-        </p:nvSpPr>
-        <p:spPr/>
-        <p:txBody>
-          <a:bodyPr/>
-          <a:lstStyle/>
-          <a:p>
-            <a:r>
-              <a:rPr lang="en-US" dirty="0"/>
-              <a:t>Use cases</a:t>
-            </a:r>
-            <a:endParaRPr lang="ru-RU" dirty="0"/>
-          </a:p>
-        </p:txBody>
-      </p:sp>
-      <p:sp>
-        <p:nvSpPr>
-          <p:cNvPr id="3" name="Объект 2">
-            <a:extLst>
-              <a:ext uri="{FF2B5EF4-FFF2-40B4-BE49-F238E27FC236}">
-                <a16:creationId xmlns:a16="http://schemas.microsoft.com/office/drawing/2014/main" id="{767048A5-CFAA-2C4E-B02E-BAEF0F99D18E}"/>
-              </a:ext>
-            </a:extLst>
-          </p:cNvPr>
-          <p:cNvSpPr>
-            <a:spLocks noGrp="1"/>
-          </p:cNvSpPr>
-          <p:nvPr>
-            <p:ph idx="1"/>
-          </p:nvPr>
-        </p:nvSpPr>
-        <p:spPr/>
-        <p:txBody>
-          <a:bodyPr>
-            <a:normAutofit fontScale="92500" lnSpcReduction="20000"/>
-          </a:bodyPr>
-          <a:lstStyle/>
-          <a:p>
-            <a:r>
-              <a:rPr lang="en-US" dirty="0"/>
-              <a:t>Derive codecs (as function) to Products, Coproducts</a:t>
-            </a:r>
-          </a:p>
-          <a:p>
-            <a:pPr lvl="1"/>
-            <a:r>
-              <a:rPr lang="en-US" dirty="0"/>
-              <a:t>JSON</a:t>
-            </a:r>
-          </a:p>
-          <a:p>
-            <a:pPr lvl="1"/>
-            <a:r>
-              <a:rPr lang="en-US" dirty="0"/>
-              <a:t>XML</a:t>
-            </a:r>
-          </a:p>
-          <a:p>
-            <a:pPr lvl="1"/>
-            <a:r>
-              <a:rPr lang="en-US" dirty="0"/>
-              <a:t>???</a:t>
-            </a:r>
-          </a:p>
-          <a:p>
-            <a:r>
-              <a:rPr lang="en-US" dirty="0"/>
-              <a:t>Big state’s extractors instead of optics</a:t>
-            </a:r>
-          </a:p>
-          <a:p>
-            <a:r>
-              <a:rPr lang="en-US" dirty="0"/>
-              <a:t>Refine types</a:t>
-            </a:r>
-          </a:p>
-          <a:p>
-            <a:r>
-              <a:rPr lang="en-US" dirty="0"/>
-              <a:t>Deriving DSL</a:t>
-            </a:r>
-          </a:p>
-          <a:p>
-            <a:r>
-              <a:rPr lang="en-US" dirty="0"/>
-              <a:t>Proof systems</a:t>
-            </a:r>
-          </a:p>
-          <a:p>
-            <a:r>
-              <a:rPr lang="en-US" dirty="0"/>
-              <a:t>???</a:t>
-            </a:r>
-          </a:p>
-          <a:p>
-            <a:endParaRPr lang="en-US" dirty="0"/>
-          </a:p>
-          <a:p>
-            <a:pPr marL="0" indent="0">
-              <a:buNone/>
-            </a:pPr>
-            <a:r>
-              <a:rPr lang="en-US" dirty="0"/>
-              <a:t>Note that all of this is </a:t>
-            </a:r>
-            <a:r>
-              <a:rPr lang="en-US" dirty="0" err="1"/>
-              <a:t>kinda</a:t>
-            </a:r>
-            <a:r>
-              <a:rPr lang="en-US" dirty="0"/>
-              <a:t> utility code!</a:t>
-            </a:r>
-          </a:p>
-        </p:txBody>
-      </p:sp>
-      <p:sp>
-        <p:nvSpPr>
-          <p:cNvPr id="4" name="Номер слайда 3">
-            <a:extLst>
-              <a:ext uri="{FF2B5EF4-FFF2-40B4-BE49-F238E27FC236}">
-                <a16:creationId xmlns:a16="http://schemas.microsoft.com/office/drawing/2014/main" id="{9879F597-58A3-4740-99BE-8A98374BACD0}"/>
-              </a:ext>
-            </a:extLst>
-          </p:cNvPr>
-          <p:cNvSpPr>
-            <a:spLocks noGrp="1"/>
-          </p:cNvSpPr>
-          <p:nvPr>
-            <p:ph type="sldNum" sz="quarter" idx="12"/>
-          </p:nvPr>
-        </p:nvSpPr>
-        <p:spPr/>
-        <p:txBody>
-          <a:bodyPr/>
-          <a:lstStyle/>
-          <a:p>
-            <a:fld id="{D57F1E4F-1CFF-5643-939E-217C01CDF565}" type="slidenum">
-              <a:rPr lang="en-US" smtClean="0"/>
-              <a:pPr/>
-              <a:t>30</a:t>
-            </a:fld>
-            <a:endParaRPr lang="en-US" dirty="0"/>
-          </a:p>
-        </p:txBody>
-      </p:sp>
-    </p:spTree>
-    <p:extLst>
-      <p:ext uri="{BB962C8B-B14F-4D97-AF65-F5344CB8AC3E}">
-        <p14:creationId xmlns:p14="http://schemas.microsoft.com/office/powerpoint/2010/main" val="2643850574"/>
-      </p:ext>
-    </p:extLst>
-  </p:cSld>
-  <p:clrMapOvr>
-    <a:masterClrMapping/>
-  </p:clrMapOvr>
-</p:sld>
-</file>
-
-<file path=ppt/slides/slide32.xml><?xml version="1.0" encoding="utf-8"?>
-<p:sld xmlns:a="http://schemas.openxmlformats.org/drawingml/2006/main" xmlns:r="http://schemas.openxmlformats.org/officeDocument/2006/relationships" xmlns:p="http://schemas.openxmlformats.org/presentationml/2006/main">
-  <p:cSld>
-    <p:spTree>
-      <p:nvGrpSpPr>
-        <p:cNvPr id="1" name=""/>
-        <p:cNvGrpSpPr/>
-        <p:nvPr/>
-      </p:nvGrpSpPr>
-      <p:grpSpPr>
-        <a:xfrm>
-          <a:off x="0" y="0"/>
-          <a:ext cx="0" cy="0"/>
-          <a:chOff x="0" y="0"/>
-          <a:chExt cx="0" cy="0"/>
-        </a:xfrm>
-      </p:grpSpPr>
-      <p:sp>
-        <p:nvSpPr>
           <p:cNvPr id="2" name="Номер слайда 1">
             <a:extLst>
               <a:ext uri="{FF2B5EF4-FFF2-40B4-BE49-F238E27FC236}">
@@ -11676,7 +11545,7 @@
             <a:fld id="{D57F1E4F-1CFF-5643-939E-217C01CDF565}" type="slidenum">
               <a:rPr lang="en-US" smtClean="0"/>
               <a:pPr/>
-              <a:t>31</a:t>
+              <a:t>30</a:t>
             </a:fld>
             <a:endParaRPr lang="en-US" dirty="0"/>
           </a:p>
@@ -12030,189 +11899,6 @@
           <p:cNvPr id="2" name="Заголовок 1">
             <a:extLst>
               <a:ext uri="{FF2B5EF4-FFF2-40B4-BE49-F238E27FC236}">
-                <a16:creationId xmlns:a16="http://schemas.microsoft.com/office/drawing/2014/main" id="{B149D5A9-2D8F-4445-9F83-5EC8BF1AC546}"/>
-              </a:ext>
-            </a:extLst>
-          </p:cNvPr>
-          <p:cNvSpPr>
-            <a:spLocks noGrp="1"/>
-          </p:cNvSpPr>
-          <p:nvPr>
-            <p:ph type="title"/>
-          </p:nvPr>
-        </p:nvSpPr>
-        <p:spPr/>
-        <p:txBody>
-          <a:bodyPr/>
-          <a:lstStyle/>
-          <a:p>
-            <a:r>
-              <a:rPr lang="en-US" dirty="0"/>
-              <a:t>Normal types</a:t>
-            </a:r>
-            <a:endParaRPr lang="ru-RU" dirty="0"/>
-          </a:p>
-        </p:txBody>
-      </p:sp>
-      <p:sp>
-        <p:nvSpPr>
-          <p:cNvPr id="3" name="Объект 2">
-            <a:extLst>
-              <a:ext uri="{FF2B5EF4-FFF2-40B4-BE49-F238E27FC236}">
-                <a16:creationId xmlns:a16="http://schemas.microsoft.com/office/drawing/2014/main" id="{4CEF75D0-50F6-CA47-B857-A66DAFD20AD2}"/>
-              </a:ext>
-            </a:extLst>
-          </p:cNvPr>
-          <p:cNvSpPr>
-            <a:spLocks noGrp="1"/>
-          </p:cNvSpPr>
-          <p:nvPr>
-            <p:ph idx="1"/>
-          </p:nvPr>
-        </p:nvSpPr>
-        <p:spPr/>
-        <p:txBody>
-          <a:bodyPr/>
-          <a:lstStyle/>
-          <a:p>
-            <a:pPr marL="0" indent="0">
-              <a:buNone/>
-            </a:pPr>
-            <a:r>
-              <a:rPr lang="en-US" dirty="0"/>
-              <a:t>Usually type </a:t>
-            </a:r>
-            <a:r>
-              <a:rPr lang="en-US" b="1" dirty="0"/>
-              <a:t>hardwired </a:t>
-            </a:r>
-            <a:r>
-              <a:rPr lang="en-US" dirty="0"/>
-              <a:t>to a value at compile-type and sometimes at runtime.</a:t>
-            </a:r>
-            <a:br>
-              <a:rPr lang="en-US" dirty="0"/>
-            </a:br>
-            <a:r>
-              <a:rPr lang="en-US" dirty="0"/>
-              <a:t> </a:t>
-            </a:r>
-          </a:p>
-          <a:p>
-            <a:pPr marL="0" indent="0">
-              <a:buNone/>
-            </a:pPr>
-            <a:endParaRPr lang="en-US" dirty="0"/>
-          </a:p>
-          <a:p>
-            <a:pPr marL="0" indent="0">
-              <a:buNone/>
-            </a:pPr>
-            <a:endParaRPr lang="en-US" dirty="0"/>
-          </a:p>
-          <a:p>
-            <a:pPr marL="0" indent="0">
-              <a:buNone/>
-            </a:pPr>
-            <a:endParaRPr lang="en-US" dirty="0"/>
-          </a:p>
-        </p:txBody>
-      </p:sp>
-      <p:sp>
-        <p:nvSpPr>
-          <p:cNvPr id="6" name="Номер слайда 5">
-            <a:extLst>
-              <a:ext uri="{FF2B5EF4-FFF2-40B4-BE49-F238E27FC236}">
-                <a16:creationId xmlns:a16="http://schemas.microsoft.com/office/drawing/2014/main" id="{5800134E-2CAA-A443-9FD6-223ED0AF8715}"/>
-              </a:ext>
-            </a:extLst>
-          </p:cNvPr>
-          <p:cNvSpPr>
-            <a:spLocks noGrp="1"/>
-          </p:cNvSpPr>
-          <p:nvPr>
-            <p:ph type="sldNum" sz="quarter" idx="12"/>
-          </p:nvPr>
-        </p:nvSpPr>
-        <p:spPr/>
-        <p:txBody>
-          <a:bodyPr/>
-          <a:lstStyle/>
-          <a:p>
-            <a:fld id="{D57F1E4F-1CFF-5643-939E-217C01CDF565}" type="slidenum">
-              <a:rPr lang="en-US" smtClean="0"/>
-              <a:pPr/>
-              <a:t>4</a:t>
-            </a:fld>
-            <a:endParaRPr lang="en-US" dirty="0"/>
-          </a:p>
-        </p:txBody>
-      </p:sp>
-      <p:pic>
-        <p:nvPicPr>
-          <p:cNvPr id="13" name="Рисунок 12">
-            <a:extLst>
-              <a:ext uri="{FF2B5EF4-FFF2-40B4-BE49-F238E27FC236}">
-                <a16:creationId xmlns:a16="http://schemas.microsoft.com/office/drawing/2014/main" id="{A7574C0B-DA7D-4048-B99B-705C5B70DD43}"/>
-              </a:ext>
-            </a:extLst>
-          </p:cNvPr>
-          <p:cNvPicPr>
-            <a:picLocks noChangeAspect="1"/>
-          </p:cNvPicPr>
-          <p:nvPr/>
-        </p:nvPicPr>
-        <p:blipFill>
-          <a:blip r:embed="rId2"/>
-          <a:stretch>
-            <a:fillRect/>
-          </a:stretch>
-        </p:blipFill>
-        <p:spPr>
-          <a:xfrm>
-            <a:off x="2589212" y="2568702"/>
-            <a:ext cx="2946400" cy="952500"/>
-          </a:xfrm>
-          <a:prstGeom prst="rect">
-            <a:avLst/>
-          </a:prstGeom>
-        </p:spPr>
-      </p:pic>
-    </p:spTree>
-    <p:extLst>
-      <p:ext uri="{BB962C8B-B14F-4D97-AF65-F5344CB8AC3E}">
-        <p14:creationId xmlns:p14="http://schemas.microsoft.com/office/powerpoint/2010/main" val="3546822821"/>
-      </p:ext>
-    </p:extLst>
-  </p:cSld>
-  <p:clrMapOvr>
-    <a:masterClrMapping/>
-  </p:clrMapOvr>
-</p:sld>
-</file>
-
-<file path=ppt/slides/slide6.xml><?xml version="1.0" encoding="utf-8"?>
-<p:sld xmlns:a="http://schemas.openxmlformats.org/drawingml/2006/main" xmlns:r="http://schemas.openxmlformats.org/officeDocument/2006/relationships" xmlns:p="http://schemas.openxmlformats.org/presentationml/2006/main">
-  <p:cSld>
-    <p:spTree>
-      <p:nvGrpSpPr>
-        <p:cNvPr id="1" name=""/>
-        <p:cNvGrpSpPr/>
-        <p:nvPr/>
-      </p:nvGrpSpPr>
-      <p:grpSpPr>
-        <a:xfrm>
-          <a:off x="0" y="0"/>
-          <a:ext cx="0" cy="0"/>
-          <a:chOff x="0" y="0"/>
-          <a:chExt cx="0" cy="0"/>
-        </a:xfrm>
-      </p:grpSpPr>
-      <p:sp>
-        <p:nvSpPr>
-          <p:cNvPr id="2" name="Заголовок 1">
-            <a:extLst>
-              <a:ext uri="{FF2B5EF4-FFF2-40B4-BE49-F238E27FC236}">
                 <a16:creationId xmlns:a16="http://schemas.microsoft.com/office/drawing/2014/main" id="{F47DCE39-6E41-1542-B63B-A3CCF7FD83C7}"/>
               </a:ext>
             </a:extLst>
@@ -12298,7 +11984,7 @@
             <a:fld id="{D57F1E4F-1CFF-5643-939E-217C01CDF565}" type="slidenum">
               <a:rPr lang="en-US" smtClean="0"/>
               <a:pPr/>
-              <a:t>5</a:t>
+              <a:t>4</a:t>
             </a:fld>
             <a:endParaRPr lang="en-US" dirty="0"/>
           </a:p>
@@ -12347,6 +12033,162 @@
 </p:sld>
 </file>
 
+<file path=ppt/slides/slide6.xml><?xml version="1.0" encoding="utf-8"?>
+<p:sld xmlns:a="http://schemas.openxmlformats.org/drawingml/2006/main" xmlns:r="http://schemas.openxmlformats.org/officeDocument/2006/relationships" xmlns:p="http://schemas.openxmlformats.org/presentationml/2006/main">
+  <p:cSld>
+    <p:spTree>
+      <p:nvGrpSpPr>
+        <p:cNvPr id="1" name=""/>
+        <p:cNvGrpSpPr/>
+        <p:nvPr/>
+      </p:nvGrpSpPr>
+      <p:grpSpPr>
+        <a:xfrm>
+          <a:off x="0" y="0"/>
+          <a:ext cx="0" cy="0"/>
+          <a:chOff x="0" y="0"/>
+          <a:chExt cx="0" cy="0"/>
+        </a:xfrm>
+      </p:grpSpPr>
+      <p:sp>
+        <p:nvSpPr>
+          <p:cNvPr id="2" name="Заголовок 1">
+            <a:extLst>
+              <a:ext uri="{FF2B5EF4-FFF2-40B4-BE49-F238E27FC236}">
+                <a16:creationId xmlns:a16="http://schemas.microsoft.com/office/drawing/2014/main" id="{F47DCE39-6E41-1542-B63B-A3CCF7FD83C7}"/>
+              </a:ext>
+            </a:extLst>
+          </p:cNvPr>
+          <p:cNvSpPr>
+            <a:spLocks noGrp="1"/>
+          </p:cNvSpPr>
+          <p:nvPr>
+            <p:ph type="title"/>
+          </p:nvPr>
+        </p:nvSpPr>
+        <p:spPr/>
+        <p:txBody>
+          <a:bodyPr/>
+          <a:lstStyle/>
+          <a:p>
+            <a:r>
+              <a:rPr lang="en-US" dirty="0"/>
+              <a:t>Normal types</a:t>
+            </a:r>
+            <a:endParaRPr lang="ru-RU" dirty="0"/>
+          </a:p>
+        </p:txBody>
+      </p:sp>
+      <p:sp>
+        <p:nvSpPr>
+          <p:cNvPr id="3" name="Объект 2">
+            <a:extLst>
+              <a:ext uri="{FF2B5EF4-FFF2-40B4-BE49-F238E27FC236}">
+                <a16:creationId xmlns:a16="http://schemas.microsoft.com/office/drawing/2014/main" id="{C8EC15D7-6698-EB47-8131-412A67F72C16}"/>
+              </a:ext>
+            </a:extLst>
+          </p:cNvPr>
+          <p:cNvSpPr>
+            <a:spLocks noGrp="1"/>
+          </p:cNvSpPr>
+          <p:nvPr>
+            <p:ph idx="1"/>
+          </p:nvPr>
+        </p:nvSpPr>
+        <p:spPr>
+          <a:xfrm>
+            <a:off x="2589212" y="2133600"/>
+            <a:ext cx="8915400" cy="426720"/>
+          </a:xfrm>
+        </p:spPr>
+        <p:txBody>
+          <a:bodyPr/>
+          <a:lstStyle/>
+          <a:p>
+            <a:pPr marL="0" indent="0">
+              <a:buNone/>
+            </a:pPr>
+            <a:r>
+              <a:rPr lang="en-US" dirty="0"/>
+              <a:t>“Safe solution”</a:t>
+            </a:r>
+            <a:endParaRPr lang="ru-RU" dirty="0"/>
+          </a:p>
+        </p:txBody>
+      </p:sp>
+      <p:sp>
+        <p:nvSpPr>
+          <p:cNvPr id="4" name="Номер слайда 3">
+            <a:extLst>
+              <a:ext uri="{FF2B5EF4-FFF2-40B4-BE49-F238E27FC236}">
+                <a16:creationId xmlns:a16="http://schemas.microsoft.com/office/drawing/2014/main" id="{C332334C-2400-7E46-BC16-8F1D528B9BAB}"/>
+              </a:ext>
+            </a:extLst>
+          </p:cNvPr>
+          <p:cNvSpPr>
+            <a:spLocks noGrp="1"/>
+          </p:cNvSpPr>
+          <p:nvPr>
+            <p:ph type="sldNum" sz="quarter" idx="12"/>
+          </p:nvPr>
+        </p:nvSpPr>
+        <p:spPr/>
+        <p:txBody>
+          <a:bodyPr/>
+          <a:lstStyle/>
+          <a:p>
+            <a:fld id="{D57F1E4F-1CFF-5643-939E-217C01CDF565}" type="slidenum">
+              <a:rPr lang="en-US" smtClean="0"/>
+              <a:pPr/>
+              <a:t>5</a:t>
+            </a:fld>
+            <a:endParaRPr lang="en-US" dirty="0"/>
+          </a:p>
+        </p:txBody>
+      </p:sp>
+      <p:pic>
+        <p:nvPicPr>
+          <p:cNvPr id="6" name="Рисунок 5">
+            <a:extLst>
+              <a:ext uri="{FF2B5EF4-FFF2-40B4-BE49-F238E27FC236}">
+                <a16:creationId xmlns:a16="http://schemas.microsoft.com/office/drawing/2014/main" id="{AA1305CA-18AD-2B48-8671-C7D3BB51C267}"/>
+              </a:ext>
+            </a:extLst>
+          </p:cNvPr>
+          <p:cNvPicPr>
+            <a:picLocks noChangeAspect="1"/>
+          </p:cNvPicPr>
+          <p:nvPr/>
+        </p:nvPicPr>
+        <p:blipFill>
+          <a:blip r:embed="rId2"/>
+          <a:stretch>
+            <a:fillRect/>
+          </a:stretch>
+        </p:blipFill>
+        <p:spPr>
+          <a:xfrm>
+            <a:off x="2589212" y="2560320"/>
+            <a:ext cx="8280400" cy="4025900"/>
+          </a:xfrm>
+          <a:prstGeom prst="rect">
+            <a:avLst/>
+          </a:prstGeom>
+        </p:spPr>
+      </p:pic>
+    </p:spTree>
+    <p:extLst>
+      <p:ext uri="{BB962C8B-B14F-4D97-AF65-F5344CB8AC3E}">
+        <p14:creationId xmlns:p14="http://schemas.microsoft.com/office/powerpoint/2010/main" val="1820289220"/>
+      </p:ext>
+    </p:extLst>
+  </p:cSld>
+  <p:clrMapOvr>
+    <a:masterClrMapping/>
+  </p:clrMapOvr>
+</p:sld>
+</file>
+
 <file path=ppt/slides/slide7.xml><?xml version="1.0" encoding="utf-8"?>
 <p:sld xmlns:a="http://schemas.openxmlformats.org/drawingml/2006/main" xmlns:r="http://schemas.openxmlformats.org/officeDocument/2006/relationships" xmlns:p="http://schemas.openxmlformats.org/presentationml/2006/main">
   <p:cSld>
@@ -12412,7 +12254,7 @@
         <p:spPr>
           <a:xfrm>
             <a:off x="2589212" y="2133600"/>
-            <a:ext cx="8915400" cy="4047744"/>
+            <a:ext cx="8915400" cy="426720"/>
           </a:xfrm>
         </p:spPr>
         <p:txBody>
@@ -12424,18 +12266,9 @@
             </a:pPr>
             <a:r>
               <a:rPr lang="en-US" dirty="0"/>
-              <a:t>Problems:</a:t>
-            </a:r>
-          </a:p>
-          <a:p>
-            <a:pPr>
-              <a:buFont typeface="Wingdings" pitchFamily="2" charset="2"/>
-              <a:buChar char="Ø"/>
-            </a:pPr>
-            <a:r>
-              <a:rPr lang="en-US" dirty="0"/>
-              <a:t>Need to use hand-made functional tail recursive state function</a:t>
-            </a:r>
+              <a:t>Avoid recursion, but leaks check…</a:t>
+            </a:r>
+            <a:endParaRPr lang="ru-RU" dirty="0"/>
           </a:p>
         </p:txBody>
       </p:sp>
@@ -12469,10 +12302,40 @@
           </a:p>
         </p:txBody>
       </p:sp>
+      <p:pic>
+        <p:nvPicPr>
+          <p:cNvPr id="5" name="Рисунок 4">
+            <a:extLst>
+              <a:ext uri="{FF2B5EF4-FFF2-40B4-BE49-F238E27FC236}">
+                <a16:creationId xmlns:a16="http://schemas.microsoft.com/office/drawing/2014/main" id="{55AEE49F-0390-5E44-9C89-B27CC3943868}"/>
+              </a:ext>
+            </a:extLst>
+          </p:cNvPr>
+          <p:cNvPicPr>
+            <a:picLocks noChangeAspect="1"/>
+          </p:cNvPicPr>
+          <p:nvPr/>
+        </p:nvPicPr>
+        <p:blipFill>
+          <a:blip r:embed="rId2"/>
+          <a:stretch>
+            <a:fillRect/>
+          </a:stretch>
+        </p:blipFill>
+        <p:spPr>
+          <a:xfrm>
+            <a:off x="2589212" y="2560320"/>
+            <a:ext cx="6350000" cy="3314700"/>
+          </a:xfrm>
+          <a:prstGeom prst="rect">
+            <a:avLst/>
+          </a:prstGeom>
+        </p:spPr>
+      </p:pic>
     </p:spTree>
     <p:extLst>
       <p:ext uri="{BB962C8B-B14F-4D97-AF65-F5344CB8AC3E}">
-        <p14:creationId xmlns:p14="http://schemas.microsoft.com/office/powerpoint/2010/main" val="759400799"/>
+        <p14:creationId xmlns:p14="http://schemas.microsoft.com/office/powerpoint/2010/main" val="1382562165"/>
       </p:ext>
     </p:extLst>
   </p:cSld>
@@ -12572,25 +12435,6 @@
               <a:t>Need to use hand-made functional tail recursive state function</a:t>
             </a:r>
           </a:p>
-          <a:p>
-            <a:pPr>
-              <a:buFont typeface="Wingdings" pitchFamily="2" charset="2"/>
-              <a:buChar char="Ø"/>
-            </a:pPr>
-            <a:r>
-              <a:rPr lang="en-US" dirty="0"/>
-              <a:t>…Because of </a:t>
-            </a:r>
-            <a:r>
-              <a:rPr lang="en-US" dirty="0" err="1"/>
-              <a:t>foldLeft</a:t>
-            </a:r>
-            <a:r>
-              <a:rPr lang="en-US" dirty="0"/>
-              <a:t> every time pass over all elements</a:t>
-            </a:r>
-            <a:endParaRPr lang="ru-RU" dirty="0"/>
-          </a:p>
         </p:txBody>
       </p:sp>
       <p:sp>
@@ -12626,7 +12470,7 @@
     </p:spTree>
     <p:extLst>
       <p:ext uri="{BB962C8B-B14F-4D97-AF65-F5344CB8AC3E}">
-        <p14:creationId xmlns:p14="http://schemas.microsoft.com/office/powerpoint/2010/main" val="1060245447"/>
+        <p14:creationId xmlns:p14="http://schemas.microsoft.com/office/powerpoint/2010/main" val="759400799"/>
       </p:ext>
     </p:extLst>
   </p:cSld>
@@ -12743,16 +12587,6 @@
               <a:rPr lang="en-US" dirty="0"/>
               <a:t> every time pass over all elements</a:t>
             </a:r>
-          </a:p>
-          <a:p>
-            <a:pPr>
-              <a:buFont typeface="Wingdings" pitchFamily="2" charset="2"/>
-              <a:buChar char="Ø"/>
-            </a:pPr>
-            <a:r>
-              <a:rPr lang="en-US" dirty="0"/>
-              <a:t>...But it also had an overhead</a:t>
-            </a:r>
             <a:endParaRPr lang="ru-RU" dirty="0"/>
           </a:p>
         </p:txBody>
@@ -12790,7 +12624,7 @@
     </p:spTree>
     <p:extLst>
       <p:ext uri="{BB962C8B-B14F-4D97-AF65-F5344CB8AC3E}">
-        <p14:creationId xmlns:p14="http://schemas.microsoft.com/office/powerpoint/2010/main" val="1513808495"/>
+        <p14:creationId xmlns:p14="http://schemas.microsoft.com/office/powerpoint/2010/main" val="1060245447"/>
       </p:ext>
     </p:extLst>
   </p:cSld>
